--- a/SOTURON/image/BCDR説明.pptx
+++ b/SOTURON/image/BCDR説明.pptx
@@ -270,7 +270,7 @@
           <a:p>
             <a:fld id="{56814927-CEE8-4D72-8412-A7EFE7D18A44}" type="datetimeFigureOut">
               <a:rPr kumimoji="1" lang="ja-JP" altLang="en-US" smtClean="0"/>
-              <a:t>2026/1/15</a:t>
+              <a:t>2026/1/16</a:t>
             </a:fld>
             <a:endParaRPr kumimoji="1" lang="ja-JP" altLang="en-US"/>
           </a:p>
@@ -500,7 +500,7 @@
           <a:p>
             <a:fld id="{56814927-CEE8-4D72-8412-A7EFE7D18A44}" type="datetimeFigureOut">
               <a:rPr kumimoji="1" lang="ja-JP" altLang="en-US" smtClean="0"/>
-              <a:t>2026/1/15</a:t>
+              <a:t>2026/1/16</a:t>
             </a:fld>
             <a:endParaRPr kumimoji="1" lang="ja-JP" altLang="en-US"/>
           </a:p>
@@ -740,7 +740,7 @@
           <a:p>
             <a:fld id="{56814927-CEE8-4D72-8412-A7EFE7D18A44}" type="datetimeFigureOut">
               <a:rPr kumimoji="1" lang="ja-JP" altLang="en-US" smtClean="0"/>
-              <a:t>2026/1/15</a:t>
+              <a:t>2026/1/16</a:t>
             </a:fld>
             <a:endParaRPr kumimoji="1" lang="ja-JP" altLang="en-US"/>
           </a:p>
@@ -970,7 +970,7 @@
           <a:p>
             <a:fld id="{56814927-CEE8-4D72-8412-A7EFE7D18A44}" type="datetimeFigureOut">
               <a:rPr kumimoji="1" lang="ja-JP" altLang="en-US" smtClean="0"/>
-              <a:t>2026/1/15</a:t>
+              <a:t>2026/1/16</a:t>
             </a:fld>
             <a:endParaRPr kumimoji="1" lang="ja-JP" altLang="en-US"/>
           </a:p>
@@ -1245,7 +1245,7 @@
           <a:p>
             <a:fld id="{56814927-CEE8-4D72-8412-A7EFE7D18A44}" type="datetimeFigureOut">
               <a:rPr kumimoji="1" lang="ja-JP" altLang="en-US" smtClean="0"/>
-              <a:t>2026/1/15</a:t>
+              <a:t>2026/1/16</a:t>
             </a:fld>
             <a:endParaRPr kumimoji="1" lang="ja-JP" altLang="en-US"/>
           </a:p>
@@ -1574,7 +1574,7 @@
           <a:p>
             <a:fld id="{56814927-CEE8-4D72-8412-A7EFE7D18A44}" type="datetimeFigureOut">
               <a:rPr kumimoji="1" lang="ja-JP" altLang="en-US" smtClean="0"/>
-              <a:t>2026/1/15</a:t>
+              <a:t>2026/1/16</a:t>
             </a:fld>
             <a:endParaRPr kumimoji="1" lang="ja-JP" altLang="en-US"/>
           </a:p>
@@ -2050,7 +2050,7 @@
           <a:p>
             <a:fld id="{56814927-CEE8-4D72-8412-A7EFE7D18A44}" type="datetimeFigureOut">
               <a:rPr kumimoji="1" lang="ja-JP" altLang="en-US" smtClean="0"/>
-              <a:t>2026/1/15</a:t>
+              <a:t>2026/1/16</a:t>
             </a:fld>
             <a:endParaRPr kumimoji="1" lang="ja-JP" altLang="en-US"/>
           </a:p>
@@ -2191,7 +2191,7 @@
           <a:p>
             <a:fld id="{56814927-CEE8-4D72-8412-A7EFE7D18A44}" type="datetimeFigureOut">
               <a:rPr kumimoji="1" lang="ja-JP" altLang="en-US" smtClean="0"/>
-              <a:t>2026/1/15</a:t>
+              <a:t>2026/1/16</a:t>
             </a:fld>
             <a:endParaRPr kumimoji="1" lang="ja-JP" altLang="en-US"/>
           </a:p>
@@ -2304,7 +2304,7 @@
           <a:p>
             <a:fld id="{56814927-CEE8-4D72-8412-A7EFE7D18A44}" type="datetimeFigureOut">
               <a:rPr kumimoji="1" lang="ja-JP" altLang="en-US" smtClean="0"/>
-              <a:t>2026/1/15</a:t>
+              <a:t>2026/1/16</a:t>
             </a:fld>
             <a:endParaRPr kumimoji="1" lang="ja-JP" altLang="en-US"/>
           </a:p>
@@ -2647,7 +2647,7 @@
           <a:p>
             <a:fld id="{56814927-CEE8-4D72-8412-A7EFE7D18A44}" type="datetimeFigureOut">
               <a:rPr kumimoji="1" lang="ja-JP" altLang="en-US" smtClean="0"/>
-              <a:t>2026/1/15</a:t>
+              <a:t>2026/1/16</a:t>
             </a:fld>
             <a:endParaRPr kumimoji="1" lang="ja-JP" altLang="en-US"/>
           </a:p>
@@ -2935,7 +2935,7 @@
           <a:p>
             <a:fld id="{56814927-CEE8-4D72-8412-A7EFE7D18A44}" type="datetimeFigureOut">
               <a:rPr kumimoji="1" lang="ja-JP" altLang="en-US" smtClean="0"/>
-              <a:t>2026/1/15</a:t>
+              <a:t>2026/1/16</a:t>
             </a:fld>
             <a:endParaRPr kumimoji="1" lang="ja-JP" altLang="en-US"/>
           </a:p>
@@ -3208,7 +3208,7 @@
           <a:p>
             <a:fld id="{56814927-CEE8-4D72-8412-A7EFE7D18A44}" type="datetimeFigureOut">
               <a:rPr kumimoji="1" lang="ja-JP" altLang="en-US" smtClean="0"/>
-              <a:t>2026/1/15</a:t>
+              <a:t>2026/1/16</a:t>
             </a:fld>
             <a:endParaRPr kumimoji="1" lang="ja-JP" altLang="en-US"/>
           </a:p>
@@ -4726,7 +4726,7 @@
         </p:nvSpPr>
         <p:spPr>
           <a:xfrm>
-            <a:off x="859200" y="5790228"/>
+            <a:off x="859200" y="5448447"/>
             <a:ext cx="2988734" cy="523220"/>
           </a:xfrm>
           <a:prstGeom prst="rect">
@@ -4740,13 +4740,7 @@
           </a:bodyPr>
           <a:lstStyle/>
           <a:p>
-            <a:r>
-              <a:rPr lang="en-US" altLang="ja-JP" sz="2800" dirty="0">
-                <a:latin typeface="ＭＳ 明朝" panose="02020609040205080304" pitchFamily="17" charset="-128"/>
-                <a:ea typeface="ＭＳ 明朝" panose="02020609040205080304" pitchFamily="17" charset="-128"/>
-              </a:rPr>
-              <a:t>a)</a:t>
-            </a:r>
+            <a:pPr algn="ctr"/>
             <a:r>
               <a:rPr lang="ja-JP" altLang="en-US" sz="2800" dirty="0">
                 <a:latin typeface="ＭＳ 明朝" panose="02020609040205080304" pitchFamily="17" charset="-128"/>
@@ -4782,7 +4776,7 @@
         </p:nvSpPr>
         <p:spPr>
           <a:xfrm>
-            <a:off x="7241972" y="5790228"/>
+            <a:off x="7079652" y="5448447"/>
             <a:ext cx="2988734" cy="523220"/>
           </a:xfrm>
           <a:prstGeom prst="rect">
@@ -4796,13 +4790,7 @@
           </a:bodyPr>
           <a:lstStyle/>
           <a:p>
-            <a:r>
-              <a:rPr lang="en-US" altLang="ja-JP" sz="2800" dirty="0">
-                <a:latin typeface="ＭＳ 明朝" panose="02020609040205080304" pitchFamily="17" charset="-128"/>
-                <a:ea typeface="ＭＳ 明朝" panose="02020609040205080304" pitchFamily="17" charset="-128"/>
-              </a:rPr>
-              <a:t>b)</a:t>
-            </a:r>
+            <a:pPr algn="ctr"/>
             <a:r>
               <a:rPr lang="ja-JP" altLang="en-US" sz="2800" dirty="0">
                 <a:latin typeface="ＭＳ 明朝" panose="02020609040205080304" pitchFamily="17" charset="-128"/>

--- a/SOTURON/image/BCDR説明.pptx
+++ b/SOTURON/image/BCDR説明.pptx
@@ -4753,7 +4753,7 @@
                 <a:latin typeface="ＭＳ 明朝" panose="02020609040205080304" pitchFamily="17" charset="-128"/>
                 <a:ea typeface="ＭＳ 明朝" panose="02020609040205080304" pitchFamily="17" charset="-128"/>
               </a:rPr>
-              <a:t>1</a:t>
+              <a:t>(1)</a:t>
             </a:r>
             <a:endParaRPr kumimoji="1" lang="ja-JP" altLang="en-US" sz="2800" dirty="0">
               <a:latin typeface="ＭＳ 明朝" panose="02020609040205080304" pitchFamily="17" charset="-128"/>
@@ -4803,7 +4803,7 @@
                 <a:latin typeface="ＭＳ 明朝" panose="02020609040205080304" pitchFamily="17" charset="-128"/>
                 <a:ea typeface="ＭＳ 明朝" panose="02020609040205080304" pitchFamily="17" charset="-128"/>
               </a:rPr>
-              <a:t>2</a:t>
+              <a:t>(2)</a:t>
             </a:r>
             <a:endParaRPr kumimoji="1" lang="ja-JP" altLang="en-US" sz="2800" dirty="0">
               <a:latin typeface="ＭＳ 明朝" panose="02020609040205080304" pitchFamily="17" charset="-128"/>

--- a/SOTURON/image/BCDR説明.pptx
+++ b/SOTURON/image/BCDR説明.pptx
@@ -6,6 +6,7 @@
   </p:sldMasterIdLst>
   <p:sldIdLst>
     <p:sldId id="256" r:id="rId2"/>
+    <p:sldId id="257" r:id="rId3"/>
   </p:sldIdLst>
   <p:sldSz cx="12192000" cy="6858000"/>
   <p:notesSz cx="6858000" cy="9144000"/>
@@ -3625,12 +3626,335 @@
           <a:chExt cx="0" cy="0"/>
         </a:xfrm>
       </p:grpSpPr>
+      <p:sp>
+        <p:nvSpPr>
+          <p:cNvPr id="14" name="正方形/長方形 13">
+            <a:extLst>
+              <a:ext uri="{FF2B5EF4-FFF2-40B4-BE49-F238E27FC236}">
+                <a16:creationId xmlns:a16="http://schemas.microsoft.com/office/drawing/2014/main" id="{01A33428-8281-D0CF-F2D7-D91F4090A9F3}"/>
+              </a:ext>
+            </a:extLst>
+          </p:cNvPr>
+          <p:cNvSpPr/>
+          <p:nvPr/>
+        </p:nvSpPr>
+        <p:spPr>
+          <a:xfrm>
+            <a:off x="880690" y="2690672"/>
+            <a:ext cx="3600000" cy="3600000"/>
+          </a:xfrm>
+          <a:prstGeom prst="rect">
+            <a:avLst/>
+          </a:prstGeom>
+          <a:solidFill>
+            <a:srgbClr val="C87137"/>
+          </a:solidFill>
+          <a:ln>
+            <a:noFill/>
+          </a:ln>
+          <a:scene3d>
+            <a:camera prst="isometricOffAxis2Top"/>
+            <a:lightRig rig="contrasting" dir="t"/>
+          </a:scene3d>
+          <a:sp3d extrusionH="317500" contourW="25400">
+            <a:extrusionClr>
+              <a:srgbClr val="C87137"/>
+            </a:extrusionClr>
+            <a:contourClr>
+              <a:schemeClr val="tx1"/>
+            </a:contourClr>
+          </a:sp3d>
+        </p:spPr>
+        <p:style>
+          <a:lnRef idx="2">
+            <a:schemeClr val="accent1">
+              <a:shade val="15000"/>
+            </a:schemeClr>
+          </a:lnRef>
+          <a:fillRef idx="1">
+            <a:schemeClr val="accent1"/>
+          </a:fillRef>
+          <a:effectRef idx="0">
+            <a:schemeClr val="accent1"/>
+          </a:effectRef>
+          <a:fontRef idx="minor">
+            <a:schemeClr val="lt1"/>
+          </a:fontRef>
+        </p:style>
+        <p:txBody>
+          <a:bodyPr rtlCol="0" anchor="ctr"/>
+          <a:lstStyle/>
+          <a:p>
+            <a:pPr algn="ctr"/>
+            <a:endParaRPr kumimoji="1" lang="ja-JP" altLang="en-US" dirty="0"/>
+          </a:p>
+        </p:txBody>
+      </p:sp>
+      <p:sp>
+        <p:nvSpPr>
+          <p:cNvPr id="13" name="楕円 12">
+            <a:extLst>
+              <a:ext uri="{FF2B5EF4-FFF2-40B4-BE49-F238E27FC236}">
+                <a16:creationId xmlns:a16="http://schemas.microsoft.com/office/drawing/2014/main" id="{FEA2B594-7E89-AB24-D9E5-E873364E43CE}"/>
+              </a:ext>
+            </a:extLst>
+          </p:cNvPr>
+          <p:cNvSpPr/>
+          <p:nvPr/>
+        </p:nvSpPr>
+        <p:spPr>
+          <a:xfrm>
+            <a:off x="1240690" y="2921678"/>
+            <a:ext cx="2880000" cy="2880000"/>
+          </a:xfrm>
+          <a:prstGeom prst="ellipse">
+            <a:avLst/>
+          </a:prstGeom>
+          <a:solidFill>
+            <a:srgbClr val="AA8800"/>
+          </a:solidFill>
+          <a:ln>
+            <a:noFill/>
+          </a:ln>
+          <a:scene3d>
+            <a:camera prst="isometricOffAxis2Top"/>
+            <a:lightRig rig="contrasting" dir="t"/>
+          </a:scene3d>
+          <a:sp3d extrusionH="127000" contourW="25400" prstMaterial="matte">
+            <a:bevelT w="0" h="0"/>
+            <a:extrusionClr>
+              <a:srgbClr val="AA8800"/>
+            </a:extrusionClr>
+            <a:contourClr>
+              <a:schemeClr val="tx1"/>
+            </a:contourClr>
+          </a:sp3d>
+        </p:spPr>
+        <p:style>
+          <a:lnRef idx="2">
+            <a:schemeClr val="accent1">
+              <a:shade val="15000"/>
+            </a:schemeClr>
+          </a:lnRef>
+          <a:fillRef idx="1">
+            <a:schemeClr val="accent1"/>
+          </a:fillRef>
+          <a:effectRef idx="0">
+            <a:schemeClr val="accent1"/>
+          </a:effectRef>
+          <a:fontRef idx="minor">
+            <a:schemeClr val="lt1"/>
+          </a:fontRef>
+        </p:style>
+        <p:txBody>
+          <a:bodyPr rtlCol="0" anchor="ctr"/>
+          <a:lstStyle/>
+          <a:p>
+            <a:pPr algn="ctr"/>
+            <a:endParaRPr kumimoji="1" lang="ja-JP" altLang="en-US" dirty="0"/>
+          </a:p>
+        </p:txBody>
+      </p:sp>
+      <p:sp>
+        <p:nvSpPr>
+          <p:cNvPr id="16" name="楕円 15">
+            <a:extLst>
+              <a:ext uri="{FF2B5EF4-FFF2-40B4-BE49-F238E27FC236}">
+                <a16:creationId xmlns:a16="http://schemas.microsoft.com/office/drawing/2014/main" id="{FA8FC1F2-B9B1-8DAC-D881-15B76EB75FD8}"/>
+              </a:ext>
+            </a:extLst>
+          </p:cNvPr>
+          <p:cNvSpPr/>
+          <p:nvPr/>
+        </p:nvSpPr>
+        <p:spPr>
+          <a:xfrm>
+            <a:off x="1960690" y="2778575"/>
+            <a:ext cx="1440000" cy="1440000"/>
+          </a:xfrm>
+          <a:prstGeom prst="ellipse">
+            <a:avLst/>
+          </a:prstGeom>
+          <a:solidFill>
+            <a:srgbClr val="FF6600"/>
+          </a:solidFill>
+          <a:ln>
+            <a:noFill/>
+          </a:ln>
+          <a:scene3d>
+            <a:camera prst="isometricOffAxis2Top"/>
+            <a:lightRig rig="contrasting" dir="t"/>
+          </a:scene3d>
+          <a:sp3d extrusionH="63500" contourW="25400" prstMaterial="matte">
+            <a:bevelT w="0" h="0"/>
+            <a:extrusionClr>
+              <a:srgbClr val="FF6600"/>
+            </a:extrusionClr>
+            <a:contourClr>
+              <a:schemeClr val="tx1"/>
+            </a:contourClr>
+          </a:sp3d>
+        </p:spPr>
+        <p:style>
+          <a:lnRef idx="2">
+            <a:schemeClr val="accent1">
+              <a:shade val="15000"/>
+            </a:schemeClr>
+          </a:lnRef>
+          <a:fillRef idx="1">
+            <a:schemeClr val="accent1"/>
+          </a:fillRef>
+          <a:effectRef idx="0">
+            <a:schemeClr val="accent1"/>
+          </a:effectRef>
+          <a:fontRef idx="minor">
+            <a:schemeClr val="lt1"/>
+          </a:fontRef>
+        </p:style>
+        <p:txBody>
+          <a:bodyPr rtlCol="0" anchor="ctr"/>
+          <a:lstStyle/>
+          <a:p>
+            <a:pPr algn="ctr"/>
+            <a:endParaRPr kumimoji="1" lang="ja-JP" altLang="en-US" dirty="0"/>
+          </a:p>
+        </p:txBody>
+      </p:sp>
+      <p:sp>
+        <p:nvSpPr>
+          <p:cNvPr id="4" name="楕円 3">
+            <a:extLst>
+              <a:ext uri="{FF2B5EF4-FFF2-40B4-BE49-F238E27FC236}">
+                <a16:creationId xmlns:a16="http://schemas.microsoft.com/office/drawing/2014/main" id="{5DC77070-1FA8-5011-7693-8EE063A1B560}"/>
+              </a:ext>
+            </a:extLst>
+          </p:cNvPr>
+          <p:cNvSpPr/>
+          <p:nvPr/>
+        </p:nvSpPr>
+        <p:spPr>
+          <a:xfrm>
+            <a:off x="1240690" y="1195472"/>
+            <a:ext cx="2880000" cy="2880000"/>
+          </a:xfrm>
+          <a:prstGeom prst="ellipse">
+            <a:avLst/>
+          </a:prstGeom>
+          <a:solidFill>
+            <a:srgbClr val="AA8800"/>
+          </a:solidFill>
+          <a:ln>
+            <a:noFill/>
+          </a:ln>
+          <a:scene3d>
+            <a:camera prst="isometricOffAxis2Top"/>
+            <a:lightRig rig="contrasting" dir="t"/>
+          </a:scene3d>
+          <a:sp3d extrusionH="127000" contourW="25400" prstMaterial="matte">
+            <a:bevelT w="0" h="0"/>
+            <a:extrusionClr>
+              <a:srgbClr val="AA8800"/>
+            </a:extrusionClr>
+            <a:contourClr>
+              <a:schemeClr val="tx1"/>
+            </a:contourClr>
+          </a:sp3d>
+        </p:spPr>
+        <p:style>
+          <a:lnRef idx="2">
+            <a:schemeClr val="accent1">
+              <a:shade val="15000"/>
+            </a:schemeClr>
+          </a:lnRef>
+          <a:fillRef idx="1">
+            <a:schemeClr val="accent1"/>
+          </a:fillRef>
+          <a:effectRef idx="0">
+            <a:schemeClr val="accent1"/>
+          </a:effectRef>
+          <a:fontRef idx="minor">
+            <a:schemeClr val="lt1"/>
+          </a:fontRef>
+        </p:style>
+        <p:txBody>
+          <a:bodyPr rtlCol="0" anchor="ctr"/>
+          <a:lstStyle/>
+          <a:p>
+            <a:pPr algn="ctr"/>
+            <a:endParaRPr kumimoji="1" lang="ja-JP" altLang="en-US" dirty="0"/>
+          </a:p>
+        </p:txBody>
+      </p:sp>
+      <p:sp>
+        <p:nvSpPr>
+          <p:cNvPr id="17" name="正方形/長方形 16">
+            <a:extLst>
+              <a:ext uri="{FF2B5EF4-FFF2-40B4-BE49-F238E27FC236}">
+                <a16:creationId xmlns:a16="http://schemas.microsoft.com/office/drawing/2014/main" id="{88A8F10C-E165-B62C-A8A9-8F46A34BB47A}"/>
+              </a:ext>
+            </a:extLst>
+          </p:cNvPr>
+          <p:cNvSpPr/>
+          <p:nvPr/>
+        </p:nvSpPr>
+        <p:spPr>
+          <a:xfrm>
+            <a:off x="7012196" y="2690672"/>
+            <a:ext cx="3600000" cy="3600000"/>
+          </a:xfrm>
+          <a:prstGeom prst="rect">
+            <a:avLst/>
+          </a:prstGeom>
+          <a:solidFill>
+            <a:srgbClr val="C87137"/>
+          </a:solidFill>
+          <a:ln>
+            <a:noFill/>
+          </a:ln>
+          <a:scene3d>
+            <a:camera prst="isometricOffAxis2Top"/>
+            <a:lightRig rig="contrasting" dir="t"/>
+          </a:scene3d>
+          <a:sp3d extrusionH="317500" contourW="25400">
+            <a:extrusionClr>
+              <a:srgbClr val="C87137"/>
+            </a:extrusionClr>
+            <a:contourClr>
+              <a:schemeClr val="tx1"/>
+            </a:contourClr>
+          </a:sp3d>
+        </p:spPr>
+        <p:style>
+          <a:lnRef idx="2">
+            <a:schemeClr val="accent1">
+              <a:shade val="15000"/>
+            </a:schemeClr>
+          </a:lnRef>
+          <a:fillRef idx="1">
+            <a:schemeClr val="accent1"/>
+          </a:fillRef>
+          <a:effectRef idx="0">
+            <a:schemeClr val="accent1"/>
+          </a:effectRef>
+          <a:fontRef idx="minor">
+            <a:schemeClr val="lt1"/>
+          </a:fontRef>
+        </p:style>
+        <p:txBody>
+          <a:bodyPr rtlCol="0" anchor="ctr"/>
+          <a:lstStyle/>
+          <a:p>
+            <a:pPr algn="ctr"/>
+            <a:endParaRPr kumimoji="1" lang="ja-JP" altLang="en-US" dirty="0"/>
+          </a:p>
+        </p:txBody>
+      </p:sp>
       <p:grpSp>
         <p:nvGrpSpPr>
-          <p:cNvPr id="24" name="グループ化 23">
-            <a:extLst>
-              <a:ext uri="{FF2B5EF4-FFF2-40B4-BE49-F238E27FC236}">
-                <a16:creationId xmlns:a16="http://schemas.microsoft.com/office/drawing/2014/main" id="{60F713F6-70DF-F224-9AD3-65580917F312}"/>
+          <p:cNvPr id="22" name="グループ化 21">
+            <a:extLst>
+              <a:ext uri="{FF2B5EF4-FFF2-40B4-BE49-F238E27FC236}">
+                <a16:creationId xmlns:a16="http://schemas.microsoft.com/office/drawing/2014/main" id="{29108038-A779-2FF6-1FCE-8FC39620295A}"/>
               </a:ext>
             </a:extLst>
           </p:cNvPr>
@@ -3639,18 +3963,22 @@
         </p:nvGrpSpPr>
         <p:grpSpPr>
           <a:xfrm>
-            <a:off x="880690" y="-171000"/>
-            <a:ext cx="3600000" cy="6461672"/>
-            <a:chOff x="906090" y="-171000"/>
-            <a:chExt cx="3600000" cy="6461672"/>
+            <a:off x="7350706" y="2987172"/>
+            <a:ext cx="2880000" cy="2880000"/>
+            <a:chOff x="6117490" y="2690672"/>
+            <a:chExt cx="2880000" cy="2880000"/>
           </a:xfrm>
+          <a:scene3d>
+            <a:camera prst="isometricOffAxis2Top"/>
+            <a:lightRig rig="contrasting" dir="t"/>
+          </a:scene3d>
         </p:grpSpPr>
         <p:sp>
           <p:nvSpPr>
-            <p:cNvPr id="14" name="正方形/長方形 13">
+            <p:cNvPr id="18" name="楕円 17">
               <a:extLst>
                 <a:ext uri="{FF2B5EF4-FFF2-40B4-BE49-F238E27FC236}">
-                  <a16:creationId xmlns:a16="http://schemas.microsoft.com/office/drawing/2014/main" id="{01A33428-8281-D0CF-F2D7-D91F4090A9F3}"/>
+                  <a16:creationId xmlns:a16="http://schemas.microsoft.com/office/drawing/2014/main" id="{52E6BE6A-DF71-55E2-BFC6-D110A57E2820}"/>
                 </a:ext>
               </a:extLst>
             </p:cNvPr>
@@ -3659,71 +3987,7 @@
           </p:nvSpPr>
           <p:spPr>
             <a:xfrm>
-              <a:off x="906090" y="2690672"/>
-              <a:ext cx="3600000" cy="3600000"/>
-            </a:xfrm>
-            <a:prstGeom prst="rect">
-              <a:avLst/>
-            </a:prstGeom>
-            <a:solidFill>
-              <a:srgbClr val="C87137"/>
-            </a:solidFill>
-            <a:ln>
-              <a:noFill/>
-            </a:ln>
-            <a:scene3d>
-              <a:camera prst="isometricOffAxis2Top"/>
-              <a:lightRig rig="contrasting" dir="t"/>
-            </a:scene3d>
-            <a:sp3d extrusionH="317500" contourW="25400">
-              <a:extrusionClr>
-                <a:srgbClr val="C87137"/>
-              </a:extrusionClr>
-              <a:contourClr>
-                <a:schemeClr val="tx1"/>
-              </a:contourClr>
-            </a:sp3d>
-          </p:spPr>
-          <p:style>
-            <a:lnRef idx="2">
-              <a:schemeClr val="accent1">
-                <a:shade val="15000"/>
-              </a:schemeClr>
-            </a:lnRef>
-            <a:fillRef idx="1">
-              <a:schemeClr val="accent1"/>
-            </a:fillRef>
-            <a:effectRef idx="0">
-              <a:schemeClr val="accent1"/>
-            </a:effectRef>
-            <a:fontRef idx="minor">
-              <a:schemeClr val="lt1"/>
-            </a:fontRef>
-          </p:style>
-          <p:txBody>
-            <a:bodyPr rtlCol="0" anchor="ctr"/>
-            <a:lstStyle/>
-            <a:p>
-              <a:pPr algn="ctr"/>
-              <a:endParaRPr kumimoji="1" lang="ja-JP" altLang="en-US" dirty="0"/>
-            </a:p>
-          </p:txBody>
-        </p:sp>
-        <p:sp>
-          <p:nvSpPr>
-            <p:cNvPr id="13" name="楕円 12">
-              <a:extLst>
-                <a:ext uri="{FF2B5EF4-FFF2-40B4-BE49-F238E27FC236}">
-                  <a16:creationId xmlns:a16="http://schemas.microsoft.com/office/drawing/2014/main" id="{FEA2B594-7E89-AB24-D9E5-E873364E43CE}"/>
-                </a:ext>
-              </a:extLst>
-            </p:cNvPr>
-            <p:cNvSpPr/>
-            <p:nvPr/>
-          </p:nvSpPr>
-          <p:spPr>
-            <a:xfrm>
-              <a:off x="1266090" y="2921678"/>
+              <a:off x="6117490" y="2690672"/>
               <a:ext cx="2880000" cy="2880000"/>
             </a:xfrm>
             <a:prstGeom prst="ellipse">
@@ -3735,10 +3999,6 @@
             <a:ln>
               <a:noFill/>
             </a:ln>
-            <a:scene3d>
-              <a:camera prst="isometricOffAxis2Top"/>
-              <a:lightRig rig="contrasting" dir="t"/>
-            </a:scene3d>
             <a:sp3d extrusionH="127000" contourW="25400" prstMaterial="matte">
               <a:bevelT w="0" h="0"/>
               <a:extrusionClr>
@@ -3776,10 +4036,10 @@
         </p:sp>
         <p:sp>
           <p:nvSpPr>
-            <p:cNvPr id="16" name="楕円 15">
+            <p:cNvPr id="19" name="楕円 18">
               <a:extLst>
                 <a:ext uri="{FF2B5EF4-FFF2-40B4-BE49-F238E27FC236}">
-                  <a16:creationId xmlns:a16="http://schemas.microsoft.com/office/drawing/2014/main" id="{FA8FC1F2-B9B1-8DAC-D881-15B76EB75FD8}"/>
+                  <a16:creationId xmlns:a16="http://schemas.microsoft.com/office/drawing/2014/main" id="{8071E9E4-12C4-0CD2-105F-BB255D872E2B}"/>
                 </a:ext>
               </a:extLst>
             </p:cNvPr>
@@ -3788,7 +4048,7 @@
           </p:nvSpPr>
           <p:spPr>
             <a:xfrm>
-              <a:off x="1986090" y="2778575"/>
+              <a:off x="6837490" y="3410672"/>
               <a:ext cx="1440000" cy="1440000"/>
             </a:xfrm>
             <a:prstGeom prst="ellipse">
@@ -3800,11 +4060,7 @@
             <a:ln>
               <a:noFill/>
             </a:ln>
-            <a:scene3d>
-              <a:camera prst="isometricOffAxis2Top"/>
-              <a:lightRig rig="contrasting" dir="t"/>
-            </a:scene3d>
-            <a:sp3d extrusionH="63500" contourW="25400" prstMaterial="matte">
+            <a:sp3d extrusionH="12700" contourW="6350" prstMaterial="matte">
               <a:bevelT w="0" h="0"/>
               <a:extrusionClr>
                 <a:srgbClr val="FF6600"/>
@@ -3839,71 +4095,574 @@
             </a:p>
           </p:txBody>
         </p:sp>
-        <p:sp>
-          <p:nvSpPr>
-            <p:cNvPr id="4" name="楕円 3">
-              <a:extLst>
-                <a:ext uri="{FF2B5EF4-FFF2-40B4-BE49-F238E27FC236}">
-                  <a16:creationId xmlns:a16="http://schemas.microsoft.com/office/drawing/2014/main" id="{5DC77070-1FA8-5011-7693-8EE063A1B560}"/>
-                </a:ext>
-              </a:extLst>
-            </p:cNvPr>
-            <p:cNvSpPr/>
-            <p:nvPr/>
-          </p:nvSpPr>
-          <p:spPr>
-            <a:xfrm>
-              <a:off x="1266090" y="1195472"/>
-              <a:ext cx="2880000" cy="2880000"/>
-            </a:xfrm>
-            <a:prstGeom prst="ellipse">
-              <a:avLst/>
-            </a:prstGeom>
+      </p:grpSp>
+      <p:sp>
+        <p:nvSpPr>
+          <p:cNvPr id="20" name="楕円 19">
+            <a:extLst>
+              <a:ext uri="{FF2B5EF4-FFF2-40B4-BE49-F238E27FC236}">
+                <a16:creationId xmlns:a16="http://schemas.microsoft.com/office/drawing/2014/main" id="{C5ACE2E1-80D2-4258-A14E-D84A5CC3F79C}"/>
+              </a:ext>
+            </a:extLst>
+          </p:cNvPr>
+          <p:cNvSpPr/>
+          <p:nvPr/>
+        </p:nvSpPr>
+        <p:spPr>
+          <a:xfrm>
+            <a:off x="7350706" y="1195472"/>
+            <a:ext cx="2880000" cy="2880000"/>
+          </a:xfrm>
+          <a:prstGeom prst="ellipse">
+            <a:avLst/>
+          </a:prstGeom>
+          <a:solidFill>
+            <a:srgbClr val="AA8800"/>
+          </a:solidFill>
+          <a:ln>
+            <a:noFill/>
+          </a:ln>
+          <a:scene3d>
+            <a:camera prst="isometricOffAxis2Top"/>
+            <a:lightRig rig="contrasting" dir="t"/>
+          </a:scene3d>
+          <a:sp3d extrusionH="127000" contourW="25400" prstMaterial="matte">
+            <a:bevelT w="0" h="0"/>
+            <a:extrusionClr>
+              <a:srgbClr val="AA8800"/>
+            </a:extrusionClr>
+            <a:contourClr>
+              <a:schemeClr val="tx1"/>
+            </a:contourClr>
+          </a:sp3d>
+        </p:spPr>
+        <p:style>
+          <a:lnRef idx="2">
+            <a:schemeClr val="accent1">
+              <a:shade val="15000"/>
+            </a:schemeClr>
+          </a:lnRef>
+          <a:fillRef idx="1">
+            <a:schemeClr val="accent1"/>
+          </a:fillRef>
+          <a:effectRef idx="0">
+            <a:schemeClr val="accent1"/>
+          </a:effectRef>
+          <a:fontRef idx="minor">
+            <a:schemeClr val="lt1"/>
+          </a:fontRef>
+        </p:style>
+        <p:txBody>
+          <a:bodyPr rtlCol="0" anchor="ctr"/>
+          <a:lstStyle/>
+          <a:p>
+            <a:pPr algn="ctr"/>
+            <a:endParaRPr kumimoji="1" lang="ja-JP" altLang="en-US" dirty="0"/>
+          </a:p>
+        </p:txBody>
+      </p:sp>
+      <p:sp>
+        <p:nvSpPr>
+          <p:cNvPr id="25" name="テキスト ボックス 24">
+            <a:extLst>
+              <a:ext uri="{FF2B5EF4-FFF2-40B4-BE49-F238E27FC236}">
+                <a16:creationId xmlns:a16="http://schemas.microsoft.com/office/drawing/2014/main" id="{0F178689-BF5F-A36A-9197-99F747D4DD51}"/>
+              </a:ext>
+            </a:extLst>
+          </p:cNvPr>
+          <p:cNvSpPr txBox="1"/>
+          <p:nvPr/>
+        </p:nvSpPr>
+        <p:spPr>
+          <a:xfrm>
+            <a:off x="5036490" y="1700199"/>
+            <a:ext cx="1373434" cy="523220"/>
+          </a:xfrm>
+          <a:prstGeom prst="rect">
+            <a:avLst/>
+          </a:prstGeom>
+          <a:noFill/>
+        </p:spPr>
+        <p:txBody>
+          <a:bodyPr wrap="square" rtlCol="0">
+            <a:spAutoFit/>
+          </a:bodyPr>
+          <a:lstStyle/>
+          <a:p>
+            <a:pPr algn="ctr"/>
+            <a:r>
+              <a:rPr kumimoji="1" lang="ja-JP" altLang="en-US" sz="2800" dirty="0">
+                <a:latin typeface="ＭＳ 明朝" panose="02020609040205080304" pitchFamily="17" charset="-128"/>
+                <a:ea typeface="ＭＳ 明朝" panose="02020609040205080304" pitchFamily="17" charset="-128"/>
+              </a:rPr>
+              <a:t>銅電極</a:t>
+            </a:r>
+          </a:p>
+        </p:txBody>
+      </p:sp>
+      <p:cxnSp>
+        <p:nvCxnSpPr>
+          <p:cNvPr id="27" name="直線矢印コネクタ 26">
+            <a:extLst>
+              <a:ext uri="{FF2B5EF4-FFF2-40B4-BE49-F238E27FC236}">
+                <a16:creationId xmlns:a16="http://schemas.microsoft.com/office/drawing/2014/main" id="{FE6A41D7-80E7-694A-B853-AF3AA2C9D859}"/>
+              </a:ext>
+            </a:extLst>
+          </p:cNvPr>
+          <p:cNvCxnSpPr>
+            <a:cxnSpLocks/>
+            <a:stCxn id="25" idx="3"/>
+          </p:cNvCxnSpPr>
+          <p:nvPr/>
+        </p:nvCxnSpPr>
+        <p:spPr>
+          <a:xfrm>
+            <a:off x="6409924" y="1961809"/>
+            <a:ext cx="1110967" cy="225017"/>
+          </a:xfrm>
+          <a:prstGeom prst="straightConnector1">
+            <a:avLst/>
+          </a:prstGeom>
+          <a:ln w="38100">
+            <a:tailEnd type="triangle"/>
+          </a:ln>
+        </p:spPr>
+        <p:style>
+          <a:lnRef idx="2">
+            <a:schemeClr val="dk1"/>
+          </a:lnRef>
+          <a:fillRef idx="0">
+            <a:schemeClr val="dk1"/>
+          </a:fillRef>
+          <a:effectRef idx="1">
+            <a:schemeClr val="dk1"/>
+          </a:effectRef>
+          <a:fontRef idx="minor">
+            <a:schemeClr val="tx1"/>
+          </a:fontRef>
+        </p:style>
+      </p:cxnSp>
+      <p:cxnSp>
+        <p:nvCxnSpPr>
+          <p:cNvPr id="29" name="直線矢印コネクタ 28">
+            <a:extLst>
+              <a:ext uri="{FF2B5EF4-FFF2-40B4-BE49-F238E27FC236}">
+                <a16:creationId xmlns:a16="http://schemas.microsoft.com/office/drawing/2014/main" id="{6E02DBF6-C3D9-9375-EEE3-F26E419F443F}"/>
+              </a:ext>
+            </a:extLst>
+          </p:cNvPr>
+          <p:cNvCxnSpPr>
+            <a:cxnSpLocks/>
+            <a:stCxn id="25" idx="1"/>
+          </p:cNvCxnSpPr>
+          <p:nvPr/>
+        </p:nvCxnSpPr>
+        <p:spPr>
+          <a:xfrm flipH="1">
+            <a:off x="3677961" y="1961809"/>
+            <a:ext cx="1358529" cy="398296"/>
+          </a:xfrm>
+          <a:prstGeom prst="straightConnector1">
+            <a:avLst/>
+          </a:prstGeom>
+          <a:ln w="38100">
             <a:solidFill>
-              <a:srgbClr val="AA8800"/>
+              <a:schemeClr val="tx1"/>
             </a:solidFill>
-            <a:ln>
-              <a:noFill/>
-            </a:ln>
-            <a:scene3d>
-              <a:camera prst="isometricOffAxis2Top"/>
-              <a:lightRig rig="contrasting" dir="t"/>
-            </a:scene3d>
-            <a:sp3d extrusionH="127000" contourW="25400" prstMaterial="matte">
-              <a:bevelT w="0" h="0"/>
-              <a:extrusionClr>
-                <a:srgbClr val="AA8800"/>
-              </a:extrusionClr>
-              <a:contourClr>
-                <a:schemeClr val="tx1"/>
-              </a:contourClr>
-            </a:sp3d>
-          </p:spPr>
-          <p:style>
-            <a:lnRef idx="2">
-              <a:schemeClr val="accent1">
-                <a:shade val="15000"/>
-              </a:schemeClr>
-            </a:lnRef>
-            <a:fillRef idx="1">
-              <a:schemeClr val="accent1"/>
-            </a:fillRef>
-            <a:effectRef idx="0">
-              <a:schemeClr val="accent1"/>
-            </a:effectRef>
-            <a:fontRef idx="minor">
-              <a:schemeClr val="lt1"/>
-            </a:fontRef>
-          </p:style>
-          <p:txBody>
-            <a:bodyPr rtlCol="0" anchor="ctr"/>
-            <a:lstStyle/>
-            <a:p>
-              <a:pPr algn="ctr"/>
-              <a:endParaRPr kumimoji="1" lang="ja-JP" altLang="en-US" dirty="0"/>
-            </a:p>
-          </p:txBody>
-        </p:sp>
+            <a:tailEnd type="triangle"/>
+          </a:ln>
+        </p:spPr>
+        <p:style>
+          <a:lnRef idx="2">
+            <a:schemeClr val="accent1"/>
+          </a:lnRef>
+          <a:fillRef idx="0">
+            <a:schemeClr val="accent1"/>
+          </a:fillRef>
+          <a:effectRef idx="1">
+            <a:schemeClr val="accent1"/>
+          </a:effectRef>
+          <a:fontRef idx="minor">
+            <a:schemeClr val="tx1"/>
+          </a:fontRef>
+        </p:style>
+      </p:cxnSp>
+      <p:sp>
+        <p:nvSpPr>
+          <p:cNvPr id="34" name="テキスト ボックス 33">
+            <a:extLst>
+              <a:ext uri="{FF2B5EF4-FFF2-40B4-BE49-F238E27FC236}">
+                <a16:creationId xmlns:a16="http://schemas.microsoft.com/office/drawing/2014/main" id="{8E08C998-D5BF-A584-BC10-2A503B590F67}"/>
+              </a:ext>
+            </a:extLst>
+          </p:cNvPr>
+          <p:cNvSpPr txBox="1"/>
+          <p:nvPr/>
+        </p:nvSpPr>
+        <p:spPr>
+          <a:xfrm>
+            <a:off x="5036490" y="2495602"/>
+            <a:ext cx="1373434" cy="523220"/>
+          </a:xfrm>
+          <a:prstGeom prst="rect">
+            <a:avLst/>
+          </a:prstGeom>
+          <a:noFill/>
+        </p:spPr>
+        <p:txBody>
+          <a:bodyPr wrap="square" rtlCol="0">
+            <a:spAutoFit/>
+          </a:bodyPr>
+          <a:lstStyle/>
+          <a:p>
+            <a:pPr algn="ctr"/>
+            <a:r>
+              <a:rPr lang="ja-JP" altLang="en-US" sz="2800" dirty="0">
+                <a:latin typeface="ＭＳ 明朝" panose="02020609040205080304" pitchFamily="17" charset="-128"/>
+                <a:ea typeface="ＭＳ 明朝" panose="02020609040205080304" pitchFamily="17" charset="-128"/>
+              </a:rPr>
+              <a:t>誘電体</a:t>
+            </a:r>
+            <a:endParaRPr kumimoji="1" lang="ja-JP" altLang="en-US" sz="2800" dirty="0">
+              <a:latin typeface="ＭＳ 明朝" panose="02020609040205080304" pitchFamily="17" charset="-128"/>
+              <a:ea typeface="ＭＳ 明朝" panose="02020609040205080304" pitchFamily="17" charset="-128"/>
+            </a:endParaRPr>
+          </a:p>
+        </p:txBody>
+      </p:sp>
+      <p:cxnSp>
+        <p:nvCxnSpPr>
+          <p:cNvPr id="35" name="直線矢印コネクタ 34">
+            <a:extLst>
+              <a:ext uri="{FF2B5EF4-FFF2-40B4-BE49-F238E27FC236}">
+                <a16:creationId xmlns:a16="http://schemas.microsoft.com/office/drawing/2014/main" id="{B5E0B08A-002E-7490-804B-64A1C20E7967}"/>
+              </a:ext>
+            </a:extLst>
+          </p:cNvPr>
+          <p:cNvCxnSpPr>
+            <a:cxnSpLocks/>
+            <a:stCxn id="34" idx="1"/>
+          </p:cNvCxnSpPr>
+          <p:nvPr/>
+        </p:nvCxnSpPr>
+        <p:spPr>
+          <a:xfrm flipH="1">
+            <a:off x="3083847" y="2757212"/>
+            <a:ext cx="1952643" cy="46496"/>
+          </a:xfrm>
+          <a:prstGeom prst="straightConnector1">
+            <a:avLst/>
+          </a:prstGeom>
+          <a:ln w="38100">
+            <a:solidFill>
+              <a:schemeClr val="tx1"/>
+            </a:solidFill>
+            <a:tailEnd type="triangle"/>
+          </a:ln>
+        </p:spPr>
+        <p:style>
+          <a:lnRef idx="2">
+            <a:schemeClr val="accent1"/>
+          </a:lnRef>
+          <a:fillRef idx="0">
+            <a:schemeClr val="accent1"/>
+          </a:fillRef>
+          <a:effectRef idx="1">
+            <a:schemeClr val="accent1"/>
+          </a:effectRef>
+          <a:fontRef idx="minor">
+            <a:schemeClr val="tx1"/>
+          </a:fontRef>
+        </p:style>
+      </p:cxnSp>
+      <p:cxnSp>
+        <p:nvCxnSpPr>
+          <p:cNvPr id="37" name="直線矢印コネクタ 36">
+            <a:extLst>
+              <a:ext uri="{FF2B5EF4-FFF2-40B4-BE49-F238E27FC236}">
+                <a16:creationId xmlns:a16="http://schemas.microsoft.com/office/drawing/2014/main" id="{87BFD535-CBD1-9506-074C-92B017FE8484}"/>
+              </a:ext>
+            </a:extLst>
+          </p:cNvPr>
+          <p:cNvCxnSpPr>
+            <a:cxnSpLocks/>
+            <a:stCxn id="34" idx="3"/>
+          </p:cNvCxnSpPr>
+          <p:nvPr/>
+        </p:nvCxnSpPr>
+        <p:spPr>
+          <a:xfrm flipV="1">
+            <a:off x="6409924" y="2717717"/>
+            <a:ext cx="2031343" cy="39495"/>
+          </a:xfrm>
+          <a:prstGeom prst="straightConnector1">
+            <a:avLst/>
+          </a:prstGeom>
+          <a:ln w="38100">
+            <a:tailEnd type="triangle"/>
+          </a:ln>
+        </p:spPr>
+        <p:style>
+          <a:lnRef idx="2">
+            <a:schemeClr val="dk1"/>
+          </a:lnRef>
+          <a:fillRef idx="0">
+            <a:schemeClr val="dk1"/>
+          </a:fillRef>
+          <a:effectRef idx="1">
+            <a:schemeClr val="dk1"/>
+          </a:effectRef>
+          <a:fontRef idx="minor">
+            <a:schemeClr val="tx1"/>
+          </a:fontRef>
+        </p:style>
+      </p:cxnSp>
+      <p:sp>
+        <p:nvSpPr>
+          <p:cNvPr id="42" name="テキスト ボックス 41">
+            <a:extLst>
+              <a:ext uri="{FF2B5EF4-FFF2-40B4-BE49-F238E27FC236}">
+                <a16:creationId xmlns:a16="http://schemas.microsoft.com/office/drawing/2014/main" id="{4FC0800D-A091-8CD3-7C2B-B6543DF0B1F6}"/>
+              </a:ext>
+            </a:extLst>
+          </p:cNvPr>
+          <p:cNvSpPr txBox="1"/>
+          <p:nvPr/>
+        </p:nvSpPr>
+        <p:spPr>
+          <a:xfrm>
+            <a:off x="5195337" y="3291005"/>
+            <a:ext cx="1055740" cy="523220"/>
+          </a:xfrm>
+          <a:prstGeom prst="rect">
+            <a:avLst/>
+          </a:prstGeom>
+          <a:noFill/>
+        </p:spPr>
+        <p:txBody>
+          <a:bodyPr wrap="square" rtlCol="0">
+            <a:spAutoFit/>
+          </a:bodyPr>
+          <a:lstStyle/>
+          <a:p>
+            <a:pPr algn="ctr"/>
+            <a:r>
+              <a:rPr kumimoji="1" lang="ja-JP" altLang="en-US" sz="2800" dirty="0">
+                <a:latin typeface="ＭＳ 明朝" panose="02020609040205080304" pitchFamily="17" charset="-128"/>
+                <a:ea typeface="ＭＳ 明朝" panose="02020609040205080304" pitchFamily="17" charset="-128"/>
+              </a:rPr>
+              <a:t>銅箔</a:t>
+            </a:r>
+          </a:p>
+        </p:txBody>
+      </p:sp>
+      <p:cxnSp>
+        <p:nvCxnSpPr>
+          <p:cNvPr id="43" name="直線矢印コネクタ 42">
+            <a:extLst>
+              <a:ext uri="{FF2B5EF4-FFF2-40B4-BE49-F238E27FC236}">
+                <a16:creationId xmlns:a16="http://schemas.microsoft.com/office/drawing/2014/main" id="{3A7C5F64-1449-AD82-9E11-88EC835581A1}"/>
+              </a:ext>
+            </a:extLst>
+          </p:cNvPr>
+          <p:cNvCxnSpPr>
+            <a:cxnSpLocks/>
+            <a:stCxn id="42" idx="1"/>
+          </p:cNvCxnSpPr>
+          <p:nvPr/>
+        </p:nvCxnSpPr>
+        <p:spPr>
+          <a:xfrm flipH="1" flipV="1">
+            <a:off x="2808682" y="3459070"/>
+            <a:ext cx="2386655" cy="93545"/>
+          </a:xfrm>
+          <a:prstGeom prst="straightConnector1">
+            <a:avLst/>
+          </a:prstGeom>
+          <a:ln w="38100">
+            <a:solidFill>
+              <a:schemeClr val="tx1"/>
+            </a:solidFill>
+            <a:tailEnd type="triangle"/>
+          </a:ln>
+        </p:spPr>
+        <p:style>
+          <a:lnRef idx="2">
+            <a:schemeClr val="accent1"/>
+          </a:lnRef>
+          <a:fillRef idx="0">
+            <a:schemeClr val="accent1"/>
+          </a:fillRef>
+          <a:effectRef idx="1">
+            <a:schemeClr val="accent1"/>
+          </a:effectRef>
+          <a:fontRef idx="minor">
+            <a:schemeClr val="tx1"/>
+          </a:fontRef>
+        </p:style>
+      </p:cxnSp>
+      <p:cxnSp>
+        <p:nvCxnSpPr>
+          <p:cNvPr id="46" name="直線矢印コネクタ 45">
+            <a:extLst>
+              <a:ext uri="{FF2B5EF4-FFF2-40B4-BE49-F238E27FC236}">
+                <a16:creationId xmlns:a16="http://schemas.microsoft.com/office/drawing/2014/main" id="{4F3B77D0-33E8-F806-3CB3-1C032DF64B7A}"/>
+              </a:ext>
+            </a:extLst>
+          </p:cNvPr>
+          <p:cNvCxnSpPr>
+            <a:cxnSpLocks/>
+            <a:stCxn id="42" idx="3"/>
+          </p:cNvCxnSpPr>
+          <p:nvPr/>
+        </p:nvCxnSpPr>
+        <p:spPr>
+          <a:xfrm>
+            <a:off x="6251077" y="3552615"/>
+            <a:ext cx="2539629" cy="819357"/>
+          </a:xfrm>
+          <a:prstGeom prst="straightConnector1">
+            <a:avLst/>
+          </a:prstGeom>
+          <a:ln w="38100">
+            <a:tailEnd type="triangle"/>
+          </a:ln>
+        </p:spPr>
+        <p:style>
+          <a:lnRef idx="2">
+            <a:schemeClr val="dk1"/>
+          </a:lnRef>
+          <a:fillRef idx="0">
+            <a:schemeClr val="dk1"/>
+          </a:fillRef>
+          <a:effectRef idx="1">
+            <a:schemeClr val="dk1"/>
+          </a:effectRef>
+          <a:fontRef idx="minor">
+            <a:schemeClr val="tx1"/>
+          </a:fontRef>
+        </p:style>
+      </p:cxnSp>
+      <p:sp>
+        <p:nvSpPr>
+          <p:cNvPr id="10" name="テキスト ボックス 9">
+            <a:extLst>
+              <a:ext uri="{FF2B5EF4-FFF2-40B4-BE49-F238E27FC236}">
+                <a16:creationId xmlns:a16="http://schemas.microsoft.com/office/drawing/2014/main" id="{91AE0F5E-095E-D511-7BA9-E184CBDC4BE9}"/>
+              </a:ext>
+            </a:extLst>
+          </p:cNvPr>
+          <p:cNvSpPr txBox="1"/>
+          <p:nvPr/>
+        </p:nvSpPr>
+        <p:spPr>
+          <a:xfrm>
+            <a:off x="859200" y="6794518"/>
+            <a:ext cx="2988734" cy="523220"/>
+          </a:xfrm>
+          <a:prstGeom prst="rect">
+            <a:avLst/>
+          </a:prstGeom>
+          <a:noFill/>
+        </p:spPr>
+        <p:txBody>
+          <a:bodyPr wrap="square" rtlCol="0" anchor="ctr">
+            <a:spAutoFit/>
+          </a:bodyPr>
+          <a:lstStyle/>
+          <a:p>
+            <a:pPr algn="ctr"/>
+            <a:r>
+              <a:rPr lang="ja-JP" altLang="en-US" sz="2800" dirty="0">
+                <a:latin typeface="ＭＳ 明朝" panose="02020609040205080304" pitchFamily="17" charset="-128"/>
+                <a:ea typeface="ＭＳ 明朝" panose="02020609040205080304" pitchFamily="17" charset="-128"/>
+              </a:rPr>
+              <a:t>プロセス</a:t>
+            </a:r>
+            <a:r>
+              <a:rPr lang="en-US" altLang="ja-JP" sz="2800" dirty="0">
+                <a:latin typeface="ＭＳ 明朝" panose="02020609040205080304" pitchFamily="17" charset="-128"/>
+                <a:ea typeface="ＭＳ 明朝" panose="02020609040205080304" pitchFamily="17" charset="-128"/>
+              </a:rPr>
+              <a:t>(1)</a:t>
+            </a:r>
+            <a:endParaRPr kumimoji="1" lang="ja-JP" altLang="en-US" sz="2800" dirty="0">
+              <a:latin typeface="ＭＳ 明朝" panose="02020609040205080304" pitchFamily="17" charset="-128"/>
+              <a:ea typeface="ＭＳ 明朝" panose="02020609040205080304" pitchFamily="17" charset="-128"/>
+            </a:endParaRPr>
+          </a:p>
+        </p:txBody>
+      </p:sp>
+      <p:sp>
+        <p:nvSpPr>
+          <p:cNvPr id="31" name="テキスト ボックス 30">
+            <a:extLst>
+              <a:ext uri="{FF2B5EF4-FFF2-40B4-BE49-F238E27FC236}">
+                <a16:creationId xmlns:a16="http://schemas.microsoft.com/office/drawing/2014/main" id="{0C5872CA-FC6C-C056-24A8-208310AF1691}"/>
+              </a:ext>
+            </a:extLst>
+          </p:cNvPr>
+          <p:cNvSpPr txBox="1"/>
+          <p:nvPr/>
+        </p:nvSpPr>
+        <p:spPr>
+          <a:xfrm>
+            <a:off x="7079652" y="6794518"/>
+            <a:ext cx="2988734" cy="523220"/>
+          </a:xfrm>
+          <a:prstGeom prst="rect">
+            <a:avLst/>
+          </a:prstGeom>
+          <a:noFill/>
+        </p:spPr>
+        <p:txBody>
+          <a:bodyPr wrap="square" rtlCol="0" anchor="ctr">
+            <a:spAutoFit/>
+          </a:bodyPr>
+          <a:lstStyle/>
+          <a:p>
+            <a:pPr algn="ctr"/>
+            <a:r>
+              <a:rPr lang="ja-JP" altLang="en-US" sz="2800" dirty="0">
+                <a:latin typeface="ＭＳ 明朝" panose="02020609040205080304" pitchFamily="17" charset="-128"/>
+                <a:ea typeface="ＭＳ 明朝" panose="02020609040205080304" pitchFamily="17" charset="-128"/>
+              </a:rPr>
+              <a:t>プロセス</a:t>
+            </a:r>
+            <a:r>
+              <a:rPr lang="en-US" altLang="ja-JP" sz="2800" dirty="0">
+                <a:latin typeface="ＭＳ 明朝" panose="02020609040205080304" pitchFamily="17" charset="-128"/>
+                <a:ea typeface="ＭＳ 明朝" panose="02020609040205080304" pitchFamily="17" charset="-128"/>
+              </a:rPr>
+              <a:t>(2)</a:t>
+            </a:r>
+            <a:endParaRPr kumimoji="1" lang="ja-JP" altLang="en-US" sz="2800" dirty="0">
+              <a:latin typeface="ＭＳ 明朝" panose="02020609040205080304" pitchFamily="17" charset="-128"/>
+              <a:ea typeface="ＭＳ 明朝" panose="02020609040205080304" pitchFamily="17" charset="-128"/>
+            </a:endParaRPr>
+          </a:p>
+        </p:txBody>
+      </p:sp>
+      <p:grpSp>
+        <p:nvGrpSpPr>
+          <p:cNvPr id="50" name="グループ化 49">
+            <a:extLst>
+              <a:ext uri="{FF2B5EF4-FFF2-40B4-BE49-F238E27FC236}">
+                <a16:creationId xmlns:a16="http://schemas.microsoft.com/office/drawing/2014/main" id="{DEA1449E-5382-F9EA-FB96-A914D4913B2D}"/>
+              </a:ext>
+            </a:extLst>
+          </p:cNvPr>
+          <p:cNvGrpSpPr/>
+          <p:nvPr/>
+        </p:nvGrpSpPr>
+        <p:grpSpPr>
+          <a:xfrm>
+            <a:off x="880690" y="-171000"/>
+            <a:ext cx="3600000" cy="3600000"/>
+            <a:chOff x="880690" y="-171000"/>
+            <a:chExt cx="3600000" cy="3600000"/>
+          </a:xfrm>
+        </p:grpSpPr>
         <p:sp>
           <p:nvSpPr>
             <p:cNvPr id="9" name="正方形/長方形 8">
@@ -3918,92 +4677,7 @@
           </p:nvSpPr>
           <p:spPr>
             <a:xfrm>
-              <a:off x="906090" y="-171000"/>
-              <a:ext cx="3600000" cy="3600000"/>
-            </a:xfrm>
-            <a:prstGeom prst="rect">
-              <a:avLst/>
-            </a:prstGeom>
-            <a:solidFill>
-              <a:srgbClr val="C87137"/>
-            </a:solidFill>
-            <a:ln>
-              <a:noFill/>
-            </a:ln>
-            <a:scene3d>
-              <a:camera prst="isometricOffAxis2Top"/>
-              <a:lightRig rig="contrasting" dir="t"/>
-            </a:scene3d>
-            <a:sp3d extrusionH="317500" contourW="25400">
-              <a:extrusionClr>
-                <a:srgbClr val="C87137"/>
-              </a:extrusionClr>
-              <a:contourClr>
-                <a:schemeClr val="tx1"/>
-              </a:contourClr>
-            </a:sp3d>
-          </p:spPr>
-          <p:style>
-            <a:lnRef idx="2">
-              <a:schemeClr val="accent1">
-                <a:shade val="15000"/>
-              </a:schemeClr>
-            </a:lnRef>
-            <a:fillRef idx="1">
-              <a:schemeClr val="accent1"/>
-            </a:fillRef>
-            <a:effectRef idx="0">
-              <a:schemeClr val="accent1"/>
-            </a:effectRef>
-            <a:fontRef idx="minor">
-              <a:schemeClr val="lt1"/>
-            </a:fontRef>
-          </p:style>
-          <p:txBody>
-            <a:bodyPr rtlCol="0" anchor="ctr"/>
-            <a:lstStyle/>
-            <a:p>
-              <a:pPr algn="ctr"/>
-              <a:endParaRPr kumimoji="1" lang="ja-JP" altLang="en-US" dirty="0"/>
-            </a:p>
-          </p:txBody>
-        </p:sp>
-      </p:grpSp>
-      <p:grpSp>
-        <p:nvGrpSpPr>
-          <p:cNvPr id="23" name="グループ化 22">
-            <a:extLst>
-              <a:ext uri="{FF2B5EF4-FFF2-40B4-BE49-F238E27FC236}">
-                <a16:creationId xmlns:a16="http://schemas.microsoft.com/office/drawing/2014/main" id="{3752D448-203D-A45D-8494-3A061739F0AC}"/>
-              </a:ext>
-            </a:extLst>
-          </p:cNvPr>
-          <p:cNvGrpSpPr/>
-          <p:nvPr/>
-        </p:nvGrpSpPr>
-        <p:grpSpPr>
-          <a:xfrm>
-            <a:off x="7012196" y="-171000"/>
-            <a:ext cx="3600000" cy="6461672"/>
-            <a:chOff x="7253973" y="-171000"/>
-            <a:chExt cx="3600000" cy="6461672"/>
-          </a:xfrm>
-        </p:grpSpPr>
-        <p:sp>
-          <p:nvSpPr>
-            <p:cNvPr id="17" name="正方形/長方形 16">
-              <a:extLst>
-                <a:ext uri="{FF2B5EF4-FFF2-40B4-BE49-F238E27FC236}">
-                  <a16:creationId xmlns:a16="http://schemas.microsoft.com/office/drawing/2014/main" id="{88A8F10C-E165-B62C-A8A9-8F46A34BB47A}"/>
-                </a:ext>
-              </a:extLst>
-            </p:cNvPr>
-            <p:cNvSpPr/>
-            <p:nvPr/>
-          </p:nvSpPr>
-          <p:spPr>
-            <a:xfrm>
-              <a:off x="7253973" y="2690672"/>
+              <a:off x="880690" y="-171000"/>
               <a:ext cx="3600000" cy="3600000"/>
             </a:xfrm>
             <a:prstGeom prst="rect">
@@ -4055,10 +4729,10 @@
         </p:sp>
         <p:grpSp>
           <p:nvGrpSpPr>
-            <p:cNvPr id="22" name="グループ化 21">
+            <p:cNvPr id="39" name="グループ化 38">
               <a:extLst>
                 <a:ext uri="{FF2B5EF4-FFF2-40B4-BE49-F238E27FC236}">
-                  <a16:creationId xmlns:a16="http://schemas.microsoft.com/office/drawing/2014/main" id="{29108038-A779-2FF6-1FCE-8FC39620295A}"/>
+                  <a16:creationId xmlns:a16="http://schemas.microsoft.com/office/drawing/2014/main" id="{E6B531E4-9806-11DB-D0A1-5E51C3094FC4}"/>
                 </a:ext>
               </a:extLst>
             </p:cNvPr>
@@ -4067,22 +4741,18 @@
           </p:nvGrpSpPr>
           <p:grpSpPr>
             <a:xfrm>
-              <a:off x="7592483" y="2987172"/>
-              <a:ext cx="2880000" cy="2880000"/>
-              <a:chOff x="6117490" y="2690672"/>
-              <a:chExt cx="2880000" cy="2880000"/>
+              <a:off x="2090058" y="560105"/>
+              <a:ext cx="1080000" cy="1338644"/>
+              <a:chOff x="2090058" y="560105"/>
+              <a:chExt cx="1080000" cy="1338644"/>
             </a:xfrm>
-            <a:scene3d>
-              <a:camera prst="isometricOffAxis2Top"/>
-              <a:lightRig rig="contrasting" dir="t"/>
-            </a:scene3d>
           </p:grpSpPr>
           <p:sp>
             <p:nvSpPr>
-              <p:cNvPr id="18" name="楕円 17">
+              <p:cNvPr id="38" name="正方形/長方形 37">
                 <a:extLst>
                   <a:ext uri="{FF2B5EF4-FFF2-40B4-BE49-F238E27FC236}">
-                    <a16:creationId xmlns:a16="http://schemas.microsoft.com/office/drawing/2014/main" id="{52E6BE6A-DF71-55E2-BFC6-D110A57E2820}"/>
+                    <a16:creationId xmlns:a16="http://schemas.microsoft.com/office/drawing/2014/main" id="{85393431-13CF-6C89-521B-348EE8D72477}"/>
                   </a:ext>
                 </a:extLst>
               </p:cNvPr>
@@ -4091,22 +4761,25 @@
             </p:nvSpPr>
             <p:spPr>
               <a:xfrm>
-                <a:off x="6117490" y="2690672"/>
-                <a:ext cx="2880000" cy="2880000"/>
+                <a:off x="2090058" y="818749"/>
+                <a:ext cx="1080000" cy="1080000"/>
               </a:xfrm>
-              <a:prstGeom prst="ellipse">
+              <a:prstGeom prst="rect">
                 <a:avLst/>
               </a:prstGeom>
               <a:solidFill>
-                <a:srgbClr val="AA8800"/>
+                <a:srgbClr val="C87137"/>
               </a:solidFill>
               <a:ln>
                 <a:noFill/>
               </a:ln>
-              <a:sp3d extrusionH="127000" contourW="25400" prstMaterial="matte">
-                <a:bevelT w="0" h="0"/>
+              <a:scene3d>
+                <a:camera prst="isometricOffAxis2Top"/>
+                <a:lightRig rig="contrasting" dir="t"/>
+              </a:scene3d>
+              <a:sp3d extrusionH="317500" contourW="25400">
                 <a:extrusionClr>
-                  <a:srgbClr val="AA8800"/>
+                  <a:srgbClr val="C87137"/>
                 </a:extrusionClr>
                 <a:contourClr>
                   <a:schemeClr val="tx1"/>
@@ -4138,74 +4811,185 @@
               </a:p>
             </p:txBody>
           </p:sp>
-          <p:sp>
-            <p:nvSpPr>
-              <p:cNvPr id="19" name="楕円 18">
+          <p:grpSp>
+            <p:nvGrpSpPr>
+              <p:cNvPr id="30" name="グループ化 29">
                 <a:extLst>
                   <a:ext uri="{FF2B5EF4-FFF2-40B4-BE49-F238E27FC236}">
-                    <a16:creationId xmlns:a16="http://schemas.microsoft.com/office/drawing/2014/main" id="{8071E9E4-12C4-0CD2-105F-BB255D872E2B}"/>
+                    <a16:creationId xmlns:a16="http://schemas.microsoft.com/office/drawing/2014/main" id="{ABB79856-F80E-35C3-A40F-75BFF99554C8}"/>
                   </a:ext>
                 </a:extLst>
               </p:cNvPr>
-              <p:cNvSpPr/>
+              <p:cNvGrpSpPr/>
               <p:nvPr/>
-            </p:nvSpPr>
-            <p:spPr>
+            </p:nvGrpSpPr>
+            <p:grpSpPr>
               <a:xfrm>
-                <a:off x="6837490" y="3410672"/>
-                <a:ext cx="1440000" cy="1440000"/>
+                <a:off x="2432058" y="560105"/>
+                <a:ext cx="360000" cy="447006"/>
+                <a:chOff x="2500690" y="880972"/>
+                <a:chExt cx="360000" cy="447006"/>
               </a:xfrm>
-              <a:prstGeom prst="ellipse">
-                <a:avLst/>
-              </a:prstGeom>
-              <a:solidFill>
-                <a:srgbClr val="FF6600"/>
-              </a:solidFill>
-              <a:ln>
-                <a:noFill/>
-              </a:ln>
-              <a:sp3d extrusionH="12700" contourW="6350" prstMaterial="matte">
-                <a:bevelT w="0" h="0"/>
-                <a:extrusionClr>
-                  <a:srgbClr val="FF6600"/>
-                </a:extrusionClr>
-                <a:contourClr>
+            </p:grpSpPr>
+            <p:sp>
+              <p:nvSpPr>
+                <p:cNvPr id="2" name="楕円 1">
+                  <a:extLst>
+                    <a:ext uri="{FF2B5EF4-FFF2-40B4-BE49-F238E27FC236}">
+                      <a16:creationId xmlns:a16="http://schemas.microsoft.com/office/drawing/2014/main" id="{E4679844-2BA7-4DF0-7F26-84E2B94754C0}"/>
+                    </a:ext>
+                  </a:extLst>
+                </p:cNvPr>
+                <p:cNvSpPr/>
+                <p:nvPr/>
+              </p:nvSpPr>
+              <p:spPr>
+                <a:xfrm>
+                  <a:off x="2500690" y="967978"/>
+                  <a:ext cx="360000" cy="360000"/>
+                </a:xfrm>
+                <a:prstGeom prst="ellipse">
+                  <a:avLst/>
+                </a:prstGeom>
+                <a:solidFill>
+                  <a:srgbClr val="F6DF80"/>
+                </a:solidFill>
+                <a:ln>
+                  <a:noFill/>
+                </a:ln>
+                <a:scene3d>
+                  <a:camera prst="isometricOffAxis2Top"/>
+                  <a:lightRig rig="contrasting" dir="t"/>
+                </a:scene3d>
+                <a:sp3d extrusionH="571500" contourW="25400" prstMaterial="matte">
+                  <a:bevelT w="0" h="0"/>
+                  <a:extrusionClr>
+                    <a:srgbClr val="F6DF80"/>
+                  </a:extrusionClr>
+                  <a:contourClr>
+                    <a:schemeClr val="tx1"/>
+                  </a:contourClr>
+                </a:sp3d>
+              </p:spPr>
+              <p:style>
+                <a:lnRef idx="2">
+                  <a:schemeClr val="accent1">
+                    <a:shade val="15000"/>
+                  </a:schemeClr>
+                </a:lnRef>
+                <a:fillRef idx="1">
+                  <a:schemeClr val="accent1"/>
+                </a:fillRef>
+                <a:effectRef idx="0">
+                  <a:schemeClr val="accent1"/>
+                </a:effectRef>
+                <a:fontRef idx="minor">
+                  <a:schemeClr val="lt1"/>
+                </a:fontRef>
+              </p:style>
+              <p:txBody>
+                <a:bodyPr rtlCol="0" anchor="ctr"/>
+                <a:lstStyle/>
+                <a:p>
+                  <a:pPr algn="ctr"/>
+                  <a:endParaRPr kumimoji="1" lang="ja-JP" altLang="en-US" dirty="0"/>
+                </a:p>
+              </p:txBody>
+            </p:sp>
+            <p:sp>
+              <p:nvSpPr>
+                <p:cNvPr id="12" name="楕円 11">
+                  <a:extLst>
+                    <a:ext uri="{FF2B5EF4-FFF2-40B4-BE49-F238E27FC236}">
+                      <a16:creationId xmlns:a16="http://schemas.microsoft.com/office/drawing/2014/main" id="{B8CDF7AA-8AC3-1EB1-A98B-9BFAA4A0ADE1}"/>
+                    </a:ext>
+                  </a:extLst>
+                </p:cNvPr>
+                <p:cNvSpPr/>
+                <p:nvPr/>
+              </p:nvSpPr>
+              <p:spPr>
+                <a:xfrm>
+                  <a:off x="2662690" y="880972"/>
+                  <a:ext cx="36000" cy="36000"/>
+                </a:xfrm>
+                <a:prstGeom prst="ellipse">
+                  <a:avLst/>
+                </a:prstGeom>
+                <a:solidFill>
                   <a:schemeClr val="tx1"/>
-                </a:contourClr>
-              </a:sp3d>
-            </p:spPr>
-            <p:style>
-              <a:lnRef idx="2">
-                <a:schemeClr val="accent1">
-                  <a:shade val="15000"/>
-                </a:schemeClr>
-              </a:lnRef>
-              <a:fillRef idx="1">
-                <a:schemeClr val="accent1"/>
-              </a:fillRef>
-              <a:effectRef idx="0">
-                <a:schemeClr val="accent1"/>
-              </a:effectRef>
-              <a:fontRef idx="minor">
-                <a:schemeClr val="lt1"/>
-              </a:fontRef>
-            </p:style>
-            <p:txBody>
-              <a:bodyPr rtlCol="0" anchor="ctr"/>
-              <a:lstStyle/>
-              <a:p>
-                <a:pPr algn="ctr"/>
-                <a:endParaRPr kumimoji="1" lang="ja-JP" altLang="en-US" dirty="0"/>
-              </a:p>
-            </p:txBody>
-          </p:sp>
+                </a:solidFill>
+                <a:ln>
+                  <a:noFill/>
+                </a:ln>
+                <a:scene3d>
+                  <a:camera prst="isometricOffAxis2Top"/>
+                  <a:lightRig rig="contrasting" dir="t"/>
+                </a:scene3d>
+                <a:sp3d extrusionH="254000" contourW="25400" prstMaterial="matte">
+                  <a:bevelT w="0" h="0"/>
+                  <a:extrusionClr>
+                    <a:schemeClr val="tx1"/>
+                  </a:extrusionClr>
+                  <a:contourClr>
+                    <a:schemeClr val="tx1"/>
+                  </a:contourClr>
+                </a:sp3d>
+              </p:spPr>
+              <p:style>
+                <a:lnRef idx="2">
+                  <a:schemeClr val="accent1">
+                    <a:shade val="15000"/>
+                  </a:schemeClr>
+                </a:lnRef>
+                <a:fillRef idx="1">
+                  <a:schemeClr val="accent1"/>
+                </a:fillRef>
+                <a:effectRef idx="0">
+                  <a:schemeClr val="accent1"/>
+                </a:effectRef>
+                <a:fontRef idx="minor">
+                  <a:schemeClr val="lt1"/>
+                </a:fontRef>
+              </p:style>
+              <p:txBody>
+                <a:bodyPr rtlCol="0" anchor="ctr"/>
+                <a:lstStyle/>
+                <a:p>
+                  <a:pPr algn="ctr"/>
+                  <a:endParaRPr kumimoji="1" lang="ja-JP" altLang="en-US" dirty="0"/>
+                </a:p>
+              </p:txBody>
+            </p:sp>
+          </p:grpSp>
         </p:grpSp>
+      </p:grpSp>
+      <p:grpSp>
+        <p:nvGrpSpPr>
+          <p:cNvPr id="51" name="グループ化 50">
+            <a:extLst>
+              <a:ext uri="{FF2B5EF4-FFF2-40B4-BE49-F238E27FC236}">
+                <a16:creationId xmlns:a16="http://schemas.microsoft.com/office/drawing/2014/main" id="{A08C963A-C4C1-38CA-F5F0-F8DF3FF8DFA4}"/>
+              </a:ext>
+            </a:extLst>
+          </p:cNvPr>
+          <p:cNvGrpSpPr/>
+          <p:nvPr/>
+        </p:nvGrpSpPr>
+        <p:grpSpPr>
+          <a:xfrm>
+            <a:off x="7012196" y="-171000"/>
+            <a:ext cx="3600000" cy="3600000"/>
+            <a:chOff x="880690" y="-171000"/>
+            <a:chExt cx="3600000" cy="3600000"/>
+          </a:xfrm>
+        </p:grpSpPr>
         <p:sp>
           <p:nvSpPr>
-            <p:cNvPr id="20" name="楕円 19">
+            <p:cNvPr id="52" name="正方形/長方形 51">
               <a:extLst>
                 <a:ext uri="{FF2B5EF4-FFF2-40B4-BE49-F238E27FC236}">
-                  <a16:creationId xmlns:a16="http://schemas.microsoft.com/office/drawing/2014/main" id="{C5ACE2E1-80D2-4258-A14E-D84A5CC3F79C}"/>
+                  <a16:creationId xmlns:a16="http://schemas.microsoft.com/office/drawing/2014/main" id="{A7940E33-3585-5AA6-EAEA-F33E1F21D230}"/>
                 </a:ext>
               </a:extLst>
             </p:cNvPr>
@@ -4214,72 +4998,7 @@
           </p:nvSpPr>
           <p:spPr>
             <a:xfrm>
-              <a:off x="7592483" y="1195472"/>
-              <a:ext cx="2880000" cy="2880000"/>
-            </a:xfrm>
-            <a:prstGeom prst="ellipse">
-              <a:avLst/>
-            </a:prstGeom>
-            <a:solidFill>
-              <a:srgbClr val="AA8800"/>
-            </a:solidFill>
-            <a:ln>
-              <a:noFill/>
-            </a:ln>
-            <a:scene3d>
-              <a:camera prst="isometricOffAxis2Top"/>
-              <a:lightRig rig="contrasting" dir="t"/>
-            </a:scene3d>
-            <a:sp3d extrusionH="127000" contourW="25400" prstMaterial="matte">
-              <a:bevelT w="0" h="0"/>
-              <a:extrusionClr>
-                <a:srgbClr val="AA8800"/>
-              </a:extrusionClr>
-              <a:contourClr>
-                <a:schemeClr val="tx1"/>
-              </a:contourClr>
-            </a:sp3d>
-          </p:spPr>
-          <p:style>
-            <a:lnRef idx="2">
-              <a:schemeClr val="accent1">
-                <a:shade val="15000"/>
-              </a:schemeClr>
-            </a:lnRef>
-            <a:fillRef idx="1">
-              <a:schemeClr val="accent1"/>
-            </a:fillRef>
-            <a:effectRef idx="0">
-              <a:schemeClr val="accent1"/>
-            </a:effectRef>
-            <a:fontRef idx="minor">
-              <a:schemeClr val="lt1"/>
-            </a:fontRef>
-          </p:style>
-          <p:txBody>
-            <a:bodyPr rtlCol="0" anchor="ctr"/>
-            <a:lstStyle/>
-            <a:p>
-              <a:pPr algn="ctr"/>
-              <a:endParaRPr kumimoji="1" lang="ja-JP" altLang="en-US" dirty="0"/>
-            </a:p>
-          </p:txBody>
-        </p:sp>
-        <p:sp>
-          <p:nvSpPr>
-            <p:cNvPr id="21" name="正方形/長方形 20">
-              <a:extLst>
-                <a:ext uri="{FF2B5EF4-FFF2-40B4-BE49-F238E27FC236}">
-                  <a16:creationId xmlns:a16="http://schemas.microsoft.com/office/drawing/2014/main" id="{648616E4-D33D-B29E-03A9-155E57943F15}"/>
-                </a:ext>
-              </a:extLst>
-            </p:cNvPr>
-            <p:cNvSpPr/>
-            <p:nvPr/>
-          </p:nvSpPr>
-          <p:spPr>
-            <a:xfrm>
-              <a:off x="7253973" y="-171000"/>
+              <a:off x="880690" y="-171000"/>
               <a:ext cx="3600000" cy="3600000"/>
             </a:xfrm>
             <a:prstGeom prst="rect">
@@ -4329,13 +5048,479 @@
             </a:p>
           </p:txBody>
         </p:sp>
+        <p:grpSp>
+          <p:nvGrpSpPr>
+            <p:cNvPr id="53" name="グループ化 52">
+              <a:extLst>
+                <a:ext uri="{FF2B5EF4-FFF2-40B4-BE49-F238E27FC236}">
+                  <a16:creationId xmlns:a16="http://schemas.microsoft.com/office/drawing/2014/main" id="{D7F6DBCF-59AD-75EC-4B2F-6C890356E92B}"/>
+                </a:ext>
+              </a:extLst>
+            </p:cNvPr>
+            <p:cNvGrpSpPr/>
+            <p:nvPr/>
+          </p:nvGrpSpPr>
+          <p:grpSpPr>
+            <a:xfrm>
+              <a:off x="2090058" y="560105"/>
+              <a:ext cx="1080000" cy="1338644"/>
+              <a:chOff x="2090058" y="560105"/>
+              <a:chExt cx="1080000" cy="1338644"/>
+            </a:xfrm>
+          </p:grpSpPr>
+          <p:sp>
+            <p:nvSpPr>
+              <p:cNvPr id="54" name="正方形/長方形 53">
+                <a:extLst>
+                  <a:ext uri="{FF2B5EF4-FFF2-40B4-BE49-F238E27FC236}">
+                    <a16:creationId xmlns:a16="http://schemas.microsoft.com/office/drawing/2014/main" id="{9AA2951D-79DF-6259-98DA-A3F36291ABB8}"/>
+                  </a:ext>
+                </a:extLst>
+              </p:cNvPr>
+              <p:cNvSpPr/>
+              <p:nvPr/>
+            </p:nvSpPr>
+            <p:spPr>
+              <a:xfrm>
+                <a:off x="2090058" y="818749"/>
+                <a:ext cx="1080000" cy="1080000"/>
+              </a:xfrm>
+              <a:prstGeom prst="rect">
+                <a:avLst/>
+              </a:prstGeom>
+              <a:solidFill>
+                <a:srgbClr val="C87137"/>
+              </a:solidFill>
+              <a:ln>
+                <a:noFill/>
+              </a:ln>
+              <a:scene3d>
+                <a:camera prst="isometricOffAxis2Top"/>
+                <a:lightRig rig="contrasting" dir="t"/>
+              </a:scene3d>
+              <a:sp3d extrusionH="317500" contourW="25400">
+                <a:extrusionClr>
+                  <a:srgbClr val="C87137"/>
+                </a:extrusionClr>
+                <a:contourClr>
+                  <a:schemeClr val="tx1"/>
+                </a:contourClr>
+              </a:sp3d>
+            </p:spPr>
+            <p:style>
+              <a:lnRef idx="2">
+                <a:schemeClr val="accent1">
+                  <a:shade val="15000"/>
+                </a:schemeClr>
+              </a:lnRef>
+              <a:fillRef idx="1">
+                <a:schemeClr val="accent1"/>
+              </a:fillRef>
+              <a:effectRef idx="0">
+                <a:schemeClr val="accent1"/>
+              </a:effectRef>
+              <a:fontRef idx="minor">
+                <a:schemeClr val="lt1"/>
+              </a:fontRef>
+            </p:style>
+            <p:txBody>
+              <a:bodyPr rtlCol="0" anchor="ctr"/>
+              <a:lstStyle/>
+              <a:p>
+                <a:pPr algn="ctr"/>
+                <a:endParaRPr kumimoji="1" lang="ja-JP" altLang="en-US" dirty="0"/>
+              </a:p>
+            </p:txBody>
+          </p:sp>
+          <p:grpSp>
+            <p:nvGrpSpPr>
+              <p:cNvPr id="55" name="グループ化 54">
+                <a:extLst>
+                  <a:ext uri="{FF2B5EF4-FFF2-40B4-BE49-F238E27FC236}">
+                    <a16:creationId xmlns:a16="http://schemas.microsoft.com/office/drawing/2014/main" id="{A8DDBE1F-390B-2BF3-DBF3-22BE3719E3D6}"/>
+                  </a:ext>
+                </a:extLst>
+              </p:cNvPr>
+              <p:cNvGrpSpPr/>
+              <p:nvPr/>
+            </p:nvGrpSpPr>
+            <p:grpSpPr>
+              <a:xfrm>
+                <a:off x="2432058" y="560105"/>
+                <a:ext cx="360000" cy="447006"/>
+                <a:chOff x="2500690" y="880972"/>
+                <a:chExt cx="360000" cy="447006"/>
+              </a:xfrm>
+            </p:grpSpPr>
+            <p:sp>
+              <p:nvSpPr>
+                <p:cNvPr id="56" name="楕円 55">
+                  <a:extLst>
+                    <a:ext uri="{FF2B5EF4-FFF2-40B4-BE49-F238E27FC236}">
+                      <a16:creationId xmlns:a16="http://schemas.microsoft.com/office/drawing/2014/main" id="{02EE6893-0D7E-DC1A-ADBC-F8A2A13EC296}"/>
+                    </a:ext>
+                  </a:extLst>
+                </p:cNvPr>
+                <p:cNvSpPr/>
+                <p:nvPr/>
+              </p:nvSpPr>
+              <p:spPr>
+                <a:xfrm>
+                  <a:off x="2500690" y="967978"/>
+                  <a:ext cx="360000" cy="360000"/>
+                </a:xfrm>
+                <a:prstGeom prst="ellipse">
+                  <a:avLst/>
+                </a:prstGeom>
+                <a:solidFill>
+                  <a:srgbClr val="F6DF80"/>
+                </a:solidFill>
+                <a:ln>
+                  <a:noFill/>
+                </a:ln>
+                <a:scene3d>
+                  <a:camera prst="isometricOffAxis2Top"/>
+                  <a:lightRig rig="contrasting" dir="t"/>
+                </a:scene3d>
+                <a:sp3d extrusionH="571500" contourW="25400" prstMaterial="matte">
+                  <a:bevelT w="0" h="0"/>
+                  <a:extrusionClr>
+                    <a:srgbClr val="F6DF80"/>
+                  </a:extrusionClr>
+                  <a:contourClr>
+                    <a:schemeClr val="tx1"/>
+                  </a:contourClr>
+                </a:sp3d>
+              </p:spPr>
+              <p:style>
+                <a:lnRef idx="2">
+                  <a:schemeClr val="accent1">
+                    <a:shade val="15000"/>
+                  </a:schemeClr>
+                </a:lnRef>
+                <a:fillRef idx="1">
+                  <a:schemeClr val="accent1"/>
+                </a:fillRef>
+                <a:effectRef idx="0">
+                  <a:schemeClr val="accent1"/>
+                </a:effectRef>
+                <a:fontRef idx="minor">
+                  <a:schemeClr val="lt1"/>
+                </a:fontRef>
+              </p:style>
+              <p:txBody>
+                <a:bodyPr rtlCol="0" anchor="ctr"/>
+                <a:lstStyle/>
+                <a:p>
+                  <a:pPr algn="ctr"/>
+                  <a:endParaRPr kumimoji="1" lang="ja-JP" altLang="en-US" dirty="0"/>
+                </a:p>
+              </p:txBody>
+            </p:sp>
+            <p:sp>
+              <p:nvSpPr>
+                <p:cNvPr id="57" name="楕円 56">
+                  <a:extLst>
+                    <a:ext uri="{FF2B5EF4-FFF2-40B4-BE49-F238E27FC236}">
+                      <a16:creationId xmlns:a16="http://schemas.microsoft.com/office/drawing/2014/main" id="{52E8CDE2-32EE-73D8-9EE6-EFCCF3C870E7}"/>
+                    </a:ext>
+                  </a:extLst>
+                </p:cNvPr>
+                <p:cNvSpPr/>
+                <p:nvPr/>
+              </p:nvSpPr>
+              <p:spPr>
+                <a:xfrm>
+                  <a:off x="2662690" y="880972"/>
+                  <a:ext cx="36000" cy="36000"/>
+                </a:xfrm>
+                <a:prstGeom prst="ellipse">
+                  <a:avLst/>
+                </a:prstGeom>
+                <a:solidFill>
+                  <a:schemeClr val="tx1"/>
+                </a:solidFill>
+                <a:ln>
+                  <a:noFill/>
+                </a:ln>
+                <a:scene3d>
+                  <a:camera prst="isometricOffAxis2Top"/>
+                  <a:lightRig rig="contrasting" dir="t"/>
+                </a:scene3d>
+                <a:sp3d extrusionH="254000" contourW="25400" prstMaterial="matte">
+                  <a:bevelT w="0" h="0"/>
+                  <a:extrusionClr>
+                    <a:schemeClr val="tx1"/>
+                  </a:extrusionClr>
+                  <a:contourClr>
+                    <a:schemeClr val="tx1"/>
+                  </a:contourClr>
+                </a:sp3d>
+              </p:spPr>
+              <p:style>
+                <a:lnRef idx="2">
+                  <a:schemeClr val="accent1">
+                    <a:shade val="15000"/>
+                  </a:schemeClr>
+                </a:lnRef>
+                <a:fillRef idx="1">
+                  <a:schemeClr val="accent1"/>
+                </a:fillRef>
+                <a:effectRef idx="0">
+                  <a:schemeClr val="accent1"/>
+                </a:effectRef>
+                <a:fontRef idx="minor">
+                  <a:schemeClr val="lt1"/>
+                </a:fontRef>
+              </p:style>
+              <p:txBody>
+                <a:bodyPr rtlCol="0" anchor="ctr"/>
+                <a:lstStyle/>
+                <a:p>
+                  <a:pPr algn="ctr"/>
+                  <a:endParaRPr kumimoji="1" lang="ja-JP" altLang="en-US" dirty="0"/>
+                </a:p>
+              </p:txBody>
+            </p:sp>
+          </p:grpSp>
+        </p:grpSp>
       </p:grpSp>
       <p:sp>
         <p:nvSpPr>
+          <p:cNvPr id="58" name="正方形/長方形 57">
+            <a:extLst>
+              <a:ext uri="{FF2B5EF4-FFF2-40B4-BE49-F238E27FC236}">
+                <a16:creationId xmlns:a16="http://schemas.microsoft.com/office/drawing/2014/main" id="{4C16EE20-DA31-6BC4-4A98-929DA1575097}"/>
+              </a:ext>
+            </a:extLst>
+          </p:cNvPr>
+          <p:cNvSpPr/>
+          <p:nvPr/>
+        </p:nvSpPr>
+        <p:spPr>
+          <a:xfrm>
+            <a:off x="869972" y="4924200"/>
+            <a:ext cx="1080000" cy="1080000"/>
+          </a:xfrm>
+          <a:prstGeom prst="rect">
+            <a:avLst/>
+          </a:prstGeom>
+          <a:solidFill>
+            <a:srgbClr val="C87137"/>
+          </a:solidFill>
+          <a:ln>
+            <a:noFill/>
+          </a:ln>
+          <a:scene3d>
+            <a:camera prst="isometricOffAxis2Top"/>
+            <a:lightRig rig="contrasting" dir="t"/>
+          </a:scene3d>
+          <a:sp3d extrusionH="317500" contourW="25400">
+            <a:extrusionClr>
+              <a:srgbClr val="C87137"/>
+            </a:extrusionClr>
+            <a:contourClr>
+              <a:schemeClr val="tx1"/>
+            </a:contourClr>
+          </a:sp3d>
+        </p:spPr>
+        <p:style>
+          <a:lnRef idx="2">
+            <a:schemeClr val="accent1">
+              <a:shade val="15000"/>
+            </a:schemeClr>
+          </a:lnRef>
+          <a:fillRef idx="1">
+            <a:schemeClr val="accent1"/>
+          </a:fillRef>
+          <a:effectRef idx="0">
+            <a:schemeClr val="accent1"/>
+          </a:effectRef>
+          <a:fontRef idx="minor">
+            <a:schemeClr val="lt1"/>
+          </a:fontRef>
+        </p:style>
+        <p:txBody>
+          <a:bodyPr rtlCol="0" anchor="ctr"/>
+          <a:lstStyle/>
+          <a:p>
+            <a:pPr algn="ctr"/>
+            <a:endParaRPr kumimoji="1" lang="ja-JP" altLang="en-US" dirty="0"/>
+          </a:p>
+        </p:txBody>
+      </p:sp>
+      <p:sp>
+        <p:nvSpPr>
+          <p:cNvPr id="59" name="楕円 58">
+            <a:extLst>
+              <a:ext uri="{FF2B5EF4-FFF2-40B4-BE49-F238E27FC236}">
+                <a16:creationId xmlns:a16="http://schemas.microsoft.com/office/drawing/2014/main" id="{91BDA705-296B-CBCF-ADA8-375B9571B4AA}"/>
+              </a:ext>
+            </a:extLst>
+          </p:cNvPr>
+          <p:cNvSpPr/>
+          <p:nvPr/>
+        </p:nvSpPr>
+        <p:spPr>
+          <a:xfrm>
+            <a:off x="1127365" y="5595259"/>
+            <a:ext cx="360000" cy="360000"/>
+          </a:xfrm>
+          <a:prstGeom prst="ellipse">
+            <a:avLst/>
+          </a:prstGeom>
+          <a:solidFill>
+            <a:srgbClr val="F6DF80"/>
+          </a:solidFill>
+          <a:ln>
+            <a:noFill/>
+          </a:ln>
+          <a:scene3d>
+            <a:camera prst="isometricOffAxis2Top"/>
+            <a:lightRig rig="contrasting" dir="t"/>
+          </a:scene3d>
+          <a:sp3d extrusionH="571500" contourW="25400" prstMaterial="matte">
+            <a:bevelT w="0" h="0"/>
+            <a:extrusionClr>
+              <a:srgbClr val="F6DF80"/>
+            </a:extrusionClr>
+            <a:contourClr>
+              <a:schemeClr val="tx1"/>
+            </a:contourClr>
+          </a:sp3d>
+        </p:spPr>
+        <p:style>
+          <a:lnRef idx="2">
+            <a:schemeClr val="accent1">
+              <a:shade val="15000"/>
+            </a:schemeClr>
+          </a:lnRef>
+          <a:fillRef idx="1">
+            <a:schemeClr val="accent1"/>
+          </a:fillRef>
+          <a:effectRef idx="0">
+            <a:schemeClr val="accent1"/>
+          </a:effectRef>
+          <a:fontRef idx="minor">
+            <a:schemeClr val="lt1"/>
+          </a:fontRef>
+        </p:style>
+        <p:txBody>
+          <a:bodyPr rtlCol="0" anchor="ctr"/>
+          <a:lstStyle/>
+          <a:p>
+            <a:pPr algn="ctr"/>
+            <a:endParaRPr kumimoji="1" lang="ja-JP" altLang="en-US" dirty="0"/>
+          </a:p>
+        </p:txBody>
+      </p:sp>
+      <p:sp>
+        <p:nvSpPr>
+          <p:cNvPr id="60" name="楕円 59">
+            <a:extLst>
+              <a:ext uri="{FF2B5EF4-FFF2-40B4-BE49-F238E27FC236}">
+                <a16:creationId xmlns:a16="http://schemas.microsoft.com/office/drawing/2014/main" id="{9FBE1193-43FC-7CFC-DDE1-61FBDDA11786}"/>
+              </a:ext>
+            </a:extLst>
+          </p:cNvPr>
+          <p:cNvSpPr/>
+          <p:nvPr/>
+        </p:nvSpPr>
+        <p:spPr>
+          <a:xfrm>
+            <a:off x="2746458" y="5039931"/>
+            <a:ext cx="36000" cy="36000"/>
+          </a:xfrm>
+          <a:prstGeom prst="ellipse">
+            <a:avLst/>
+          </a:prstGeom>
+          <a:solidFill>
+            <a:schemeClr val="tx1"/>
+          </a:solidFill>
+          <a:ln>
+            <a:noFill/>
+          </a:ln>
+          <a:scene3d>
+            <a:camera prst="isometricOffAxis2Top"/>
+            <a:lightRig rig="contrasting" dir="t"/>
+          </a:scene3d>
+          <a:sp3d extrusionH="254000" contourW="25400" prstMaterial="matte">
+            <a:bevelT w="0" h="0"/>
+            <a:extrusionClr>
+              <a:schemeClr val="tx1"/>
+            </a:extrusionClr>
+            <a:contourClr>
+              <a:schemeClr val="tx1"/>
+            </a:contourClr>
+          </a:sp3d>
+        </p:spPr>
+        <p:style>
+          <a:lnRef idx="2">
+            <a:schemeClr val="accent1">
+              <a:shade val="15000"/>
+            </a:schemeClr>
+          </a:lnRef>
+          <a:fillRef idx="1">
+            <a:schemeClr val="accent1"/>
+          </a:fillRef>
+          <a:effectRef idx="0">
+            <a:schemeClr val="accent1"/>
+          </a:effectRef>
+          <a:fontRef idx="minor">
+            <a:schemeClr val="lt1"/>
+          </a:fontRef>
+        </p:style>
+        <p:txBody>
+          <a:bodyPr rtlCol="0" anchor="ctr"/>
+          <a:lstStyle/>
+          <a:p>
+            <a:pPr algn="ctr"/>
+            <a:endParaRPr kumimoji="1" lang="ja-JP" altLang="en-US" dirty="0"/>
+          </a:p>
+        </p:txBody>
+      </p:sp>
+    </p:spTree>
+    <p:extLst>
+      <p:ext uri="{BB962C8B-B14F-4D97-AF65-F5344CB8AC3E}">
+        <p14:creationId xmlns:p14="http://schemas.microsoft.com/office/powerpoint/2010/main" val="2224735110"/>
+      </p:ext>
+    </p:extLst>
+  </p:cSld>
+  <p:clrMapOvr>
+    <a:masterClrMapping/>
+  </p:clrMapOvr>
+</p:sld>
+</file>
+
+<file path=ppt/slides/slide2.xml><?xml version="1.0" encoding="utf-8"?>
+<p:sld xmlns:a="http://schemas.openxmlformats.org/drawingml/2006/main" xmlns:r="http://schemas.openxmlformats.org/officeDocument/2006/relationships" xmlns:p="http://schemas.openxmlformats.org/presentationml/2006/main">
+  <p:cSld>
+    <p:spTree>
+      <p:nvGrpSpPr>
+        <p:cNvPr id="1" name="">
+          <a:extLst>
+            <a:ext uri="{FF2B5EF4-FFF2-40B4-BE49-F238E27FC236}">
+              <a16:creationId xmlns:a16="http://schemas.microsoft.com/office/drawing/2014/main" id="{E73D3E2D-07AF-B9EF-39FC-AD166D821043}"/>
+            </a:ext>
+          </a:extLst>
+        </p:cNvPr>
+        <p:cNvGrpSpPr/>
+        <p:nvPr/>
+      </p:nvGrpSpPr>
+      <p:grpSpPr>
+        <a:xfrm>
+          <a:off x="0" y="0"/>
+          <a:ext cx="0" cy="0"/>
+          <a:chOff x="0" y="0"/>
+          <a:chExt cx="0" cy="0"/>
+        </a:xfrm>
+      </p:grpSpPr>
+      <p:sp>
+        <p:nvSpPr>
           <p:cNvPr id="25" name="テキスト ボックス 24">
             <a:extLst>
               <a:ext uri="{FF2B5EF4-FFF2-40B4-BE49-F238E27FC236}">
-                <a16:creationId xmlns:a16="http://schemas.microsoft.com/office/drawing/2014/main" id="{0F178689-BF5F-A36A-9197-99F747D4DD51}"/>
+                <a16:creationId xmlns:a16="http://schemas.microsoft.com/office/drawing/2014/main" id="{F239B115-1797-54A0-A1FF-A8136CA50CC3}"/>
               </a:ext>
             </a:extLst>
           </p:cNvPr>
@@ -4344,13 +5529,17 @@
         </p:nvSpPr>
         <p:spPr>
           <a:xfrm>
-            <a:off x="5036490" y="1700199"/>
+            <a:off x="5010034" y="-3664129"/>
             <a:ext cx="1373434" cy="523220"/>
           </a:xfrm>
           <a:prstGeom prst="rect">
             <a:avLst/>
           </a:prstGeom>
           <a:noFill/>
+          <a:scene3d>
+            <a:camera prst="orthographicFront"/>
+            <a:lightRig rig="flat" dir="t"/>
+          </a:scene3d>
         </p:spPr>
         <p:txBody>
           <a:bodyPr wrap="square" rtlCol="0">
@@ -4374,7 +5563,7 @@
           <p:cNvPr id="27" name="直線矢印コネクタ 26">
             <a:extLst>
               <a:ext uri="{FF2B5EF4-FFF2-40B4-BE49-F238E27FC236}">
-                <a16:creationId xmlns:a16="http://schemas.microsoft.com/office/drawing/2014/main" id="{FE6A41D7-80E7-694A-B853-AF3AA2C9D859}"/>
+                <a16:creationId xmlns:a16="http://schemas.microsoft.com/office/drawing/2014/main" id="{704D29EB-AFE4-80FD-A04A-F8C38822588A}"/>
               </a:ext>
             </a:extLst>
           </p:cNvPr>
@@ -4385,9 +5574,9 @@
           <p:nvPr/>
         </p:nvCxnSpPr>
         <p:spPr>
-          <a:xfrm flipV="1">
-            <a:off x="6409924" y="1680949"/>
-            <a:ext cx="1845076" cy="280860"/>
+          <a:xfrm>
+            <a:off x="6383468" y="-3402519"/>
+            <a:ext cx="1110967" cy="225017"/>
           </a:xfrm>
           <a:prstGeom prst="straightConnector1">
             <a:avLst/>
@@ -4395,6 +5584,10 @@
           <a:ln w="38100">
             <a:tailEnd type="triangle"/>
           </a:ln>
+          <a:scene3d>
+            <a:camera prst="orthographicFront"/>
+            <a:lightRig rig="flat" dir="t"/>
+          </a:scene3d>
         </p:spPr>
         <p:style>
           <a:lnRef idx="2">
@@ -4416,7 +5609,7 @@
           <p:cNvPr id="29" name="直線矢印コネクタ 28">
             <a:extLst>
               <a:ext uri="{FF2B5EF4-FFF2-40B4-BE49-F238E27FC236}">
-                <a16:creationId xmlns:a16="http://schemas.microsoft.com/office/drawing/2014/main" id="{6E02DBF6-C3D9-9375-EEE3-F26E419F443F}"/>
+                <a16:creationId xmlns:a16="http://schemas.microsoft.com/office/drawing/2014/main" id="{74BE8A12-3F24-40CD-0DBA-1D3F51131124}"/>
               </a:ext>
             </a:extLst>
           </p:cNvPr>
@@ -4427,9 +5620,9 @@
           <p:nvPr/>
         </p:nvCxnSpPr>
         <p:spPr>
-          <a:xfrm flipH="1" flipV="1">
-            <a:off x="3200400" y="1757354"/>
-            <a:ext cx="1836090" cy="204455"/>
+          <a:xfrm flipH="1">
+            <a:off x="3651505" y="-3402519"/>
+            <a:ext cx="1358529" cy="398296"/>
           </a:xfrm>
           <a:prstGeom prst="straightConnector1">
             <a:avLst/>
@@ -4440,6 +5633,10 @@
             </a:solidFill>
             <a:tailEnd type="triangle"/>
           </a:ln>
+          <a:scene3d>
+            <a:camera prst="orthographicFront"/>
+            <a:lightRig rig="flat" dir="t"/>
+          </a:scene3d>
         </p:spPr>
         <p:style>
           <a:lnRef idx="2">
@@ -4461,7 +5658,7 @@
           <p:cNvPr id="34" name="テキスト ボックス 33">
             <a:extLst>
               <a:ext uri="{FF2B5EF4-FFF2-40B4-BE49-F238E27FC236}">
-                <a16:creationId xmlns:a16="http://schemas.microsoft.com/office/drawing/2014/main" id="{8E08C998-D5BF-A584-BC10-2A503B590F67}"/>
+                <a16:creationId xmlns:a16="http://schemas.microsoft.com/office/drawing/2014/main" id="{FA992183-6264-0F41-85A5-86A11EE21338}"/>
               </a:ext>
             </a:extLst>
           </p:cNvPr>
@@ -4470,13 +5667,17 @@
         </p:nvSpPr>
         <p:spPr>
           <a:xfrm>
-            <a:off x="5036490" y="2495602"/>
+            <a:off x="5010034" y="-2868726"/>
             <a:ext cx="1373434" cy="523220"/>
           </a:xfrm>
           <a:prstGeom prst="rect">
             <a:avLst/>
           </a:prstGeom>
           <a:noFill/>
+          <a:scene3d>
+            <a:camera prst="orthographicFront"/>
+            <a:lightRig rig="flat" dir="t"/>
+          </a:scene3d>
         </p:spPr>
         <p:txBody>
           <a:bodyPr wrap="square" rtlCol="0">
@@ -4504,7 +5705,7 @@
           <p:cNvPr id="35" name="直線矢印コネクタ 34">
             <a:extLst>
               <a:ext uri="{FF2B5EF4-FFF2-40B4-BE49-F238E27FC236}">
-                <a16:creationId xmlns:a16="http://schemas.microsoft.com/office/drawing/2014/main" id="{B5E0B08A-002E-7490-804B-64A1C20E7967}"/>
+                <a16:creationId xmlns:a16="http://schemas.microsoft.com/office/drawing/2014/main" id="{A5CA0B88-0BEE-F3DE-903C-89F7E8BBD833}"/>
               </a:ext>
             </a:extLst>
           </p:cNvPr>
@@ -4516,7 +5717,7 @@
         </p:nvCxnSpPr>
         <p:spPr>
           <a:xfrm flipH="1">
-            <a:off x="3083847" y="2757212"/>
+            <a:off x="3057391" y="-2607116"/>
             <a:ext cx="1952643" cy="46496"/>
           </a:xfrm>
           <a:prstGeom prst="straightConnector1">
@@ -4528,6 +5729,10 @@
             </a:solidFill>
             <a:tailEnd type="triangle"/>
           </a:ln>
+          <a:scene3d>
+            <a:camera prst="orthographicFront"/>
+            <a:lightRig rig="flat" dir="t"/>
+          </a:scene3d>
         </p:spPr>
         <p:style>
           <a:lnRef idx="2">
@@ -4549,7 +5754,7 @@
           <p:cNvPr id="37" name="直線矢印コネクタ 36">
             <a:extLst>
               <a:ext uri="{FF2B5EF4-FFF2-40B4-BE49-F238E27FC236}">
-                <a16:creationId xmlns:a16="http://schemas.microsoft.com/office/drawing/2014/main" id="{87BFD535-CBD1-9506-074C-92B017FE8484}"/>
+                <a16:creationId xmlns:a16="http://schemas.microsoft.com/office/drawing/2014/main" id="{40EEEF52-02DE-6097-5C52-03CAF39BC9F0}"/>
               </a:ext>
             </a:extLst>
           </p:cNvPr>
@@ -4561,7 +5766,7 @@
         </p:nvCxnSpPr>
         <p:spPr>
           <a:xfrm flipV="1">
-            <a:off x="6409924" y="2717717"/>
+            <a:off x="6383468" y="-2646611"/>
             <a:ext cx="2031343" cy="39495"/>
           </a:xfrm>
           <a:prstGeom prst="straightConnector1">
@@ -4570,6 +5775,10 @@
           <a:ln w="38100">
             <a:tailEnd type="triangle"/>
           </a:ln>
+          <a:scene3d>
+            <a:camera prst="orthographicFront"/>
+            <a:lightRig rig="flat" dir="t"/>
+          </a:scene3d>
         </p:spPr>
         <p:style>
           <a:lnRef idx="2">
@@ -4591,7 +5800,7 @@
           <p:cNvPr id="42" name="テキスト ボックス 41">
             <a:extLst>
               <a:ext uri="{FF2B5EF4-FFF2-40B4-BE49-F238E27FC236}">
-                <a16:creationId xmlns:a16="http://schemas.microsoft.com/office/drawing/2014/main" id="{4FC0800D-A091-8CD3-7C2B-B6543DF0B1F6}"/>
+                <a16:creationId xmlns:a16="http://schemas.microsoft.com/office/drawing/2014/main" id="{C93A7D4B-A128-CFB6-EE00-01263BFDEA99}"/>
               </a:ext>
             </a:extLst>
           </p:cNvPr>
@@ -4600,13 +5809,17 @@
         </p:nvSpPr>
         <p:spPr>
           <a:xfrm>
-            <a:off x="5195337" y="3291005"/>
+            <a:off x="5168881" y="-2073323"/>
             <a:ext cx="1055740" cy="523220"/>
           </a:xfrm>
           <a:prstGeom prst="rect">
             <a:avLst/>
           </a:prstGeom>
           <a:noFill/>
+          <a:scene3d>
+            <a:camera prst="orthographicFront"/>
+            <a:lightRig rig="flat" dir="t"/>
+          </a:scene3d>
         </p:spPr>
         <p:txBody>
           <a:bodyPr wrap="square" rtlCol="0">
@@ -4630,7 +5843,7 @@
           <p:cNvPr id="43" name="直線矢印コネクタ 42">
             <a:extLst>
               <a:ext uri="{FF2B5EF4-FFF2-40B4-BE49-F238E27FC236}">
-                <a16:creationId xmlns:a16="http://schemas.microsoft.com/office/drawing/2014/main" id="{3A7C5F64-1449-AD82-9E11-88EC835581A1}"/>
+                <a16:creationId xmlns:a16="http://schemas.microsoft.com/office/drawing/2014/main" id="{50065B6D-BD1F-3576-33F1-0CBC2A2C9D32}"/>
               </a:ext>
             </a:extLst>
           </p:cNvPr>
@@ -4642,7 +5855,7 @@
         </p:nvCxnSpPr>
         <p:spPr>
           <a:xfrm flipH="1" flipV="1">
-            <a:off x="2808682" y="3459070"/>
+            <a:off x="2782226" y="-1905258"/>
             <a:ext cx="2386655" cy="93545"/>
           </a:xfrm>
           <a:prstGeom prst="straightConnector1">
@@ -4654,6 +5867,10 @@
             </a:solidFill>
             <a:tailEnd type="triangle"/>
           </a:ln>
+          <a:scene3d>
+            <a:camera prst="orthographicFront"/>
+            <a:lightRig rig="flat" dir="t"/>
+          </a:scene3d>
         </p:spPr>
         <p:style>
           <a:lnRef idx="2">
@@ -4675,7 +5892,7 @@
           <p:cNvPr id="46" name="直線矢印コネクタ 45">
             <a:extLst>
               <a:ext uri="{FF2B5EF4-FFF2-40B4-BE49-F238E27FC236}">
-                <a16:creationId xmlns:a16="http://schemas.microsoft.com/office/drawing/2014/main" id="{4F3B77D0-33E8-F806-3CB3-1C032DF64B7A}"/>
+                <a16:creationId xmlns:a16="http://schemas.microsoft.com/office/drawing/2014/main" id="{565B2D9C-DC26-0B4C-FA61-98DA8E6B3DB5}"/>
               </a:ext>
             </a:extLst>
           </p:cNvPr>
@@ -4687,7 +5904,7 @@
         </p:nvCxnSpPr>
         <p:spPr>
           <a:xfrm>
-            <a:off x="6251077" y="3552615"/>
+            <a:off x="6224621" y="-1811713"/>
             <a:ext cx="2539629" cy="819357"/>
           </a:xfrm>
           <a:prstGeom prst="straightConnector1">
@@ -4696,6 +5913,10 @@
           <a:ln w="38100">
             <a:tailEnd type="triangle"/>
           </a:ln>
+          <a:scene3d>
+            <a:camera prst="orthographicFront"/>
+            <a:lightRig rig="flat" dir="t"/>
+          </a:scene3d>
         </p:spPr>
         <p:style>
           <a:lnRef idx="2">
@@ -4717,7 +5938,7 @@
           <p:cNvPr id="10" name="テキスト ボックス 9">
             <a:extLst>
               <a:ext uri="{FF2B5EF4-FFF2-40B4-BE49-F238E27FC236}">
-                <a16:creationId xmlns:a16="http://schemas.microsoft.com/office/drawing/2014/main" id="{91AE0F5E-095E-D511-7BA9-E184CBDC4BE9}"/>
+                <a16:creationId xmlns:a16="http://schemas.microsoft.com/office/drawing/2014/main" id="{B0D4CDD5-EC4A-F3E6-D5C1-9B641E560626}"/>
               </a:ext>
             </a:extLst>
           </p:cNvPr>
@@ -4726,13 +5947,17 @@
         </p:nvSpPr>
         <p:spPr>
           <a:xfrm>
-            <a:off x="859200" y="5448447"/>
+            <a:off x="859200" y="6794518"/>
             <a:ext cx="2988734" cy="523220"/>
           </a:xfrm>
           <a:prstGeom prst="rect">
             <a:avLst/>
           </a:prstGeom>
           <a:noFill/>
+          <a:scene3d>
+            <a:camera prst="orthographicFront"/>
+            <a:lightRig rig="flat" dir="t"/>
+          </a:scene3d>
         </p:spPr>
         <p:txBody>
           <a:bodyPr wrap="square" rtlCol="0" anchor="ctr">
@@ -4767,7 +5992,7 @@
           <p:cNvPr id="31" name="テキスト ボックス 30">
             <a:extLst>
               <a:ext uri="{FF2B5EF4-FFF2-40B4-BE49-F238E27FC236}">
-                <a16:creationId xmlns:a16="http://schemas.microsoft.com/office/drawing/2014/main" id="{0C5872CA-FC6C-C056-24A8-208310AF1691}"/>
+                <a16:creationId xmlns:a16="http://schemas.microsoft.com/office/drawing/2014/main" id="{2CE4558E-38B6-24D2-1108-6421F370B6D6}"/>
               </a:ext>
             </a:extLst>
           </p:cNvPr>
@@ -4776,13 +6001,17 @@
         </p:nvSpPr>
         <p:spPr>
           <a:xfrm>
-            <a:off x="7079652" y="5448447"/>
+            <a:off x="7079652" y="6794518"/>
             <a:ext cx="2988734" cy="523220"/>
           </a:xfrm>
           <a:prstGeom prst="rect">
             <a:avLst/>
           </a:prstGeom>
           <a:noFill/>
+          <a:scene3d>
+            <a:camera prst="orthographicFront"/>
+            <a:lightRig rig="flat" dir="t"/>
+          </a:scene3d>
         </p:spPr>
         <p:txBody>
           <a:bodyPr wrap="square" rtlCol="0" anchor="ctr">
@@ -4812,10 +6041,1474 @@
           </a:p>
         </p:txBody>
       </p:sp>
+      <p:grpSp>
+        <p:nvGrpSpPr>
+          <p:cNvPr id="33" name="グループ化 32">
+            <a:extLst>
+              <a:ext uri="{FF2B5EF4-FFF2-40B4-BE49-F238E27FC236}">
+                <a16:creationId xmlns:a16="http://schemas.microsoft.com/office/drawing/2014/main" id="{55AF9C77-7012-BE26-2408-A06FB01C4C79}"/>
+              </a:ext>
+            </a:extLst>
+          </p:cNvPr>
+          <p:cNvGrpSpPr/>
+          <p:nvPr/>
+        </p:nvGrpSpPr>
+        <p:grpSpPr>
+          <a:xfrm>
+            <a:off x="880690" y="198164"/>
+            <a:ext cx="3600000" cy="6461672"/>
+            <a:chOff x="880690" y="-171000"/>
+            <a:chExt cx="3600000" cy="6461672"/>
+          </a:xfrm>
+        </p:grpSpPr>
+        <p:sp>
+          <p:nvSpPr>
+            <p:cNvPr id="60" name="楕円 59">
+              <a:extLst>
+                <a:ext uri="{FF2B5EF4-FFF2-40B4-BE49-F238E27FC236}">
+                  <a16:creationId xmlns:a16="http://schemas.microsoft.com/office/drawing/2014/main" id="{5446B1E4-A1B3-5889-28A6-81FFA6E3575D}"/>
+                </a:ext>
+              </a:extLst>
+            </p:cNvPr>
+            <p:cNvSpPr/>
+            <p:nvPr/>
+          </p:nvSpPr>
+          <p:spPr>
+            <a:xfrm>
+              <a:off x="2662690" y="5301335"/>
+              <a:ext cx="36000" cy="36000"/>
+            </a:xfrm>
+            <a:prstGeom prst="ellipse">
+              <a:avLst/>
+            </a:prstGeom>
+            <a:solidFill>
+              <a:schemeClr val="tx1"/>
+            </a:solidFill>
+            <a:ln>
+              <a:noFill/>
+            </a:ln>
+            <a:scene3d>
+              <a:camera prst="isometricOffAxis2Top"/>
+              <a:lightRig rig="contrasting" dir="t"/>
+            </a:scene3d>
+            <a:sp3d extrusionH="254000" contourW="19050" prstMaterial="matte">
+              <a:bevelT w="0" h="0"/>
+              <a:extrusionClr>
+                <a:schemeClr val="tx1"/>
+              </a:extrusionClr>
+              <a:contourClr>
+                <a:schemeClr val="tx1"/>
+              </a:contourClr>
+            </a:sp3d>
+          </p:spPr>
+          <p:style>
+            <a:lnRef idx="2">
+              <a:schemeClr val="accent1">
+                <a:shade val="15000"/>
+              </a:schemeClr>
+            </a:lnRef>
+            <a:fillRef idx="1">
+              <a:schemeClr val="accent1"/>
+            </a:fillRef>
+            <a:effectRef idx="0">
+              <a:schemeClr val="accent1"/>
+            </a:effectRef>
+            <a:fontRef idx="minor">
+              <a:schemeClr val="lt1"/>
+            </a:fontRef>
+          </p:style>
+          <p:txBody>
+            <a:bodyPr rtlCol="0" anchor="ctr"/>
+            <a:lstStyle/>
+            <a:p>
+              <a:pPr algn="ctr"/>
+              <a:endParaRPr kumimoji="1" lang="ja-JP" altLang="en-US" dirty="0"/>
+            </a:p>
+          </p:txBody>
+        </p:sp>
+        <p:sp>
+          <p:nvSpPr>
+            <p:cNvPr id="58" name="正方形/長方形 57">
+              <a:extLst>
+                <a:ext uri="{FF2B5EF4-FFF2-40B4-BE49-F238E27FC236}">
+                  <a16:creationId xmlns:a16="http://schemas.microsoft.com/office/drawing/2014/main" id="{8758CF9A-735A-A1F7-D044-7350F5EEEA52}"/>
+                </a:ext>
+              </a:extLst>
+            </p:cNvPr>
+            <p:cNvSpPr/>
+            <p:nvPr/>
+          </p:nvSpPr>
+          <p:spPr>
+            <a:xfrm>
+              <a:off x="2410690" y="4441291"/>
+              <a:ext cx="540000" cy="540000"/>
+            </a:xfrm>
+            <a:prstGeom prst="rect">
+              <a:avLst/>
+            </a:prstGeom>
+            <a:solidFill>
+              <a:srgbClr val="C87137"/>
+            </a:solidFill>
+            <a:ln>
+              <a:noFill/>
+            </a:ln>
+            <a:scene3d>
+              <a:camera prst="isometricOffAxis2Top"/>
+              <a:lightRig rig="contrasting" dir="t"/>
+            </a:scene3d>
+            <a:sp3d extrusionH="317500" contourW="19050">
+              <a:extrusionClr>
+                <a:srgbClr val="C87137"/>
+              </a:extrusionClr>
+              <a:contourClr>
+                <a:schemeClr val="tx1"/>
+              </a:contourClr>
+            </a:sp3d>
+          </p:spPr>
+          <p:style>
+            <a:lnRef idx="2">
+              <a:schemeClr val="accent1">
+                <a:shade val="15000"/>
+              </a:schemeClr>
+            </a:lnRef>
+            <a:fillRef idx="1">
+              <a:schemeClr val="accent1"/>
+            </a:fillRef>
+            <a:effectRef idx="0">
+              <a:schemeClr val="accent1"/>
+            </a:effectRef>
+            <a:fontRef idx="minor">
+              <a:schemeClr val="lt1"/>
+            </a:fontRef>
+          </p:style>
+          <p:txBody>
+            <a:bodyPr rtlCol="0" anchor="ctr"/>
+            <a:lstStyle/>
+            <a:p>
+              <a:pPr algn="ctr"/>
+              <a:endParaRPr kumimoji="1" lang="ja-JP" altLang="en-US" dirty="0"/>
+            </a:p>
+          </p:txBody>
+        </p:sp>
+        <p:sp>
+          <p:nvSpPr>
+            <p:cNvPr id="59" name="楕円 58">
+              <a:extLst>
+                <a:ext uri="{FF2B5EF4-FFF2-40B4-BE49-F238E27FC236}">
+                  <a16:creationId xmlns:a16="http://schemas.microsoft.com/office/drawing/2014/main" id="{0304B51E-2EFE-0C4D-E838-917E67C06D2C}"/>
+                </a:ext>
+              </a:extLst>
+            </p:cNvPr>
+            <p:cNvSpPr/>
+            <p:nvPr/>
+          </p:nvSpPr>
+          <p:spPr>
+            <a:xfrm>
+              <a:off x="2500690" y="4868826"/>
+              <a:ext cx="360000" cy="360000"/>
+            </a:xfrm>
+            <a:prstGeom prst="ellipse">
+              <a:avLst/>
+            </a:prstGeom>
+            <a:solidFill>
+              <a:srgbClr val="F6DF80"/>
+            </a:solidFill>
+            <a:ln>
+              <a:noFill/>
+            </a:ln>
+            <a:scene3d>
+              <a:camera prst="isometricOffAxis2Top"/>
+              <a:lightRig rig="contrasting" dir="t"/>
+            </a:scene3d>
+            <a:sp3d extrusionH="254000" contourW="19050" prstMaterial="matte">
+              <a:bevelT w="0" h="0"/>
+              <a:extrusionClr>
+                <a:srgbClr val="F6DF80"/>
+              </a:extrusionClr>
+              <a:contourClr>
+                <a:schemeClr val="tx1"/>
+              </a:contourClr>
+            </a:sp3d>
+          </p:spPr>
+          <p:style>
+            <a:lnRef idx="2">
+              <a:schemeClr val="accent1">
+                <a:shade val="15000"/>
+              </a:schemeClr>
+            </a:lnRef>
+            <a:fillRef idx="1">
+              <a:schemeClr val="accent1"/>
+            </a:fillRef>
+            <a:effectRef idx="0">
+              <a:schemeClr val="accent1"/>
+            </a:effectRef>
+            <a:fontRef idx="minor">
+              <a:schemeClr val="lt1"/>
+            </a:fontRef>
+          </p:style>
+          <p:txBody>
+            <a:bodyPr rtlCol="0" anchor="ctr"/>
+            <a:lstStyle/>
+            <a:p>
+              <a:pPr algn="ctr"/>
+              <a:endParaRPr kumimoji="1" lang="ja-JP" altLang="en-US" dirty="0"/>
+            </a:p>
+          </p:txBody>
+        </p:sp>
+        <p:sp>
+          <p:nvSpPr>
+            <p:cNvPr id="14" name="正方形/長方形 13">
+              <a:extLst>
+                <a:ext uri="{FF2B5EF4-FFF2-40B4-BE49-F238E27FC236}">
+                  <a16:creationId xmlns:a16="http://schemas.microsoft.com/office/drawing/2014/main" id="{DDF35CB3-579F-66E4-E737-5F484979EF5A}"/>
+                </a:ext>
+              </a:extLst>
+            </p:cNvPr>
+            <p:cNvSpPr/>
+            <p:nvPr/>
+          </p:nvSpPr>
+          <p:spPr>
+            <a:xfrm>
+              <a:off x="880690" y="2690672"/>
+              <a:ext cx="3600000" cy="3600000"/>
+            </a:xfrm>
+            <a:prstGeom prst="rect">
+              <a:avLst/>
+            </a:prstGeom>
+            <a:solidFill>
+              <a:srgbClr val="C87137"/>
+            </a:solidFill>
+            <a:ln>
+              <a:noFill/>
+            </a:ln>
+            <a:scene3d>
+              <a:camera prst="isometricOffAxis2Top"/>
+              <a:lightRig rig="contrasting" dir="t"/>
+            </a:scene3d>
+            <a:sp3d extrusionH="317500" contourW="19050">
+              <a:extrusionClr>
+                <a:srgbClr val="C87137"/>
+              </a:extrusionClr>
+              <a:contourClr>
+                <a:schemeClr val="tx1"/>
+              </a:contourClr>
+            </a:sp3d>
+          </p:spPr>
+          <p:style>
+            <a:lnRef idx="2">
+              <a:schemeClr val="accent1">
+                <a:shade val="15000"/>
+              </a:schemeClr>
+            </a:lnRef>
+            <a:fillRef idx="1">
+              <a:schemeClr val="accent1"/>
+            </a:fillRef>
+            <a:effectRef idx="0">
+              <a:schemeClr val="accent1"/>
+            </a:effectRef>
+            <a:fontRef idx="minor">
+              <a:schemeClr val="lt1"/>
+            </a:fontRef>
+          </p:style>
+          <p:txBody>
+            <a:bodyPr rtlCol="0" anchor="ctr"/>
+            <a:lstStyle/>
+            <a:p>
+              <a:pPr algn="ctr"/>
+              <a:endParaRPr kumimoji="1" lang="ja-JP" altLang="en-US" dirty="0"/>
+            </a:p>
+          </p:txBody>
+        </p:sp>
+        <p:sp>
+          <p:nvSpPr>
+            <p:cNvPr id="13" name="楕円 12">
+              <a:extLst>
+                <a:ext uri="{FF2B5EF4-FFF2-40B4-BE49-F238E27FC236}">
+                  <a16:creationId xmlns:a16="http://schemas.microsoft.com/office/drawing/2014/main" id="{52EC1269-5B50-23A7-6343-34E88AB109A4}"/>
+                </a:ext>
+              </a:extLst>
+            </p:cNvPr>
+            <p:cNvSpPr/>
+            <p:nvPr/>
+          </p:nvSpPr>
+          <p:spPr>
+            <a:xfrm>
+              <a:off x="1240690" y="2885516"/>
+              <a:ext cx="2880000" cy="2880000"/>
+            </a:xfrm>
+            <a:prstGeom prst="ellipse">
+              <a:avLst/>
+            </a:prstGeom>
+            <a:solidFill>
+              <a:srgbClr val="AA8800"/>
+            </a:solidFill>
+            <a:ln>
+              <a:noFill/>
+            </a:ln>
+            <a:scene3d>
+              <a:camera prst="isometricOffAxis2Top"/>
+              <a:lightRig rig="contrasting" dir="t"/>
+            </a:scene3d>
+            <a:sp3d extrusionH="127000" contourW="19050" prstMaterial="matte">
+              <a:bevelT w="0" h="0"/>
+              <a:extrusionClr>
+                <a:srgbClr val="AA8800"/>
+              </a:extrusionClr>
+              <a:contourClr>
+                <a:schemeClr val="tx1"/>
+              </a:contourClr>
+            </a:sp3d>
+          </p:spPr>
+          <p:style>
+            <a:lnRef idx="2">
+              <a:schemeClr val="accent1">
+                <a:shade val="15000"/>
+              </a:schemeClr>
+            </a:lnRef>
+            <a:fillRef idx="1">
+              <a:schemeClr val="accent1"/>
+            </a:fillRef>
+            <a:effectRef idx="0">
+              <a:schemeClr val="accent1"/>
+            </a:effectRef>
+            <a:fontRef idx="minor">
+              <a:schemeClr val="lt1"/>
+            </a:fontRef>
+          </p:style>
+          <p:txBody>
+            <a:bodyPr rtlCol="0" anchor="ctr"/>
+            <a:lstStyle/>
+            <a:p>
+              <a:pPr algn="ctr"/>
+              <a:endParaRPr kumimoji="1" lang="ja-JP" altLang="en-US" dirty="0"/>
+            </a:p>
+          </p:txBody>
+        </p:sp>
+        <p:sp>
+          <p:nvSpPr>
+            <p:cNvPr id="16" name="楕円 15">
+              <a:extLst>
+                <a:ext uri="{FF2B5EF4-FFF2-40B4-BE49-F238E27FC236}">
+                  <a16:creationId xmlns:a16="http://schemas.microsoft.com/office/drawing/2014/main" id="{854BCEE2-0C4A-7528-8D4A-58DAFB1FD83A}"/>
+                </a:ext>
+              </a:extLst>
+            </p:cNvPr>
+            <p:cNvSpPr/>
+            <p:nvPr/>
+          </p:nvSpPr>
+          <p:spPr>
+            <a:xfrm>
+              <a:off x="1960690" y="2774356"/>
+              <a:ext cx="1440000" cy="1440000"/>
+            </a:xfrm>
+            <a:prstGeom prst="ellipse">
+              <a:avLst/>
+            </a:prstGeom>
+            <a:solidFill>
+              <a:srgbClr val="FF6600"/>
+            </a:solidFill>
+            <a:ln>
+              <a:noFill/>
+            </a:ln>
+            <a:scene3d>
+              <a:camera prst="isometricOffAxis2Top"/>
+              <a:lightRig rig="contrasting" dir="t"/>
+            </a:scene3d>
+            <a:sp3d extrusionH="63500" contourW="19050" prstMaterial="matte">
+              <a:bevelT w="0" h="0"/>
+              <a:extrusionClr>
+                <a:srgbClr val="FF6600"/>
+              </a:extrusionClr>
+              <a:contourClr>
+                <a:schemeClr val="tx1"/>
+              </a:contourClr>
+            </a:sp3d>
+          </p:spPr>
+          <p:style>
+            <a:lnRef idx="2">
+              <a:schemeClr val="accent1">
+                <a:shade val="15000"/>
+              </a:schemeClr>
+            </a:lnRef>
+            <a:fillRef idx="1">
+              <a:schemeClr val="accent1"/>
+            </a:fillRef>
+            <a:effectRef idx="0">
+              <a:schemeClr val="accent1"/>
+            </a:effectRef>
+            <a:fontRef idx="minor">
+              <a:schemeClr val="lt1"/>
+            </a:fontRef>
+          </p:style>
+          <p:txBody>
+            <a:bodyPr rtlCol="0" anchor="ctr"/>
+            <a:lstStyle/>
+            <a:p>
+              <a:pPr algn="ctr"/>
+              <a:endParaRPr kumimoji="1" lang="ja-JP" altLang="en-US" dirty="0"/>
+            </a:p>
+          </p:txBody>
+        </p:sp>
+        <p:sp>
+          <p:nvSpPr>
+            <p:cNvPr id="4" name="楕円 3">
+              <a:extLst>
+                <a:ext uri="{FF2B5EF4-FFF2-40B4-BE49-F238E27FC236}">
+                  <a16:creationId xmlns:a16="http://schemas.microsoft.com/office/drawing/2014/main" id="{0432DCF8-DB5D-AAE9-4FD8-FC8A60338A5D}"/>
+                </a:ext>
+              </a:extLst>
+            </p:cNvPr>
+            <p:cNvSpPr/>
+            <p:nvPr/>
+          </p:nvSpPr>
+          <p:spPr>
+            <a:xfrm>
+              <a:off x="1240690" y="1195721"/>
+              <a:ext cx="2880000" cy="2880000"/>
+            </a:xfrm>
+            <a:prstGeom prst="ellipse">
+              <a:avLst/>
+            </a:prstGeom>
+            <a:solidFill>
+              <a:srgbClr val="AA8800"/>
+            </a:solidFill>
+            <a:ln>
+              <a:noFill/>
+            </a:ln>
+            <a:scene3d>
+              <a:camera prst="isometricOffAxis2Top"/>
+              <a:lightRig rig="contrasting" dir="t"/>
+            </a:scene3d>
+            <a:sp3d extrusionH="127000" contourW="19050" prstMaterial="matte">
+              <a:bevelT w="0" h="0"/>
+              <a:extrusionClr>
+                <a:srgbClr val="AA8800"/>
+              </a:extrusionClr>
+              <a:contourClr>
+                <a:schemeClr val="tx1"/>
+              </a:contourClr>
+            </a:sp3d>
+          </p:spPr>
+          <p:style>
+            <a:lnRef idx="2">
+              <a:schemeClr val="accent1">
+                <a:shade val="15000"/>
+              </a:schemeClr>
+            </a:lnRef>
+            <a:fillRef idx="1">
+              <a:schemeClr val="accent1"/>
+            </a:fillRef>
+            <a:effectRef idx="0">
+              <a:schemeClr val="accent1"/>
+            </a:effectRef>
+            <a:fontRef idx="minor">
+              <a:schemeClr val="lt1"/>
+            </a:fontRef>
+          </p:style>
+          <p:txBody>
+            <a:bodyPr rtlCol="0" anchor="ctr"/>
+            <a:lstStyle/>
+            <a:p>
+              <a:pPr algn="ctr"/>
+              <a:endParaRPr kumimoji="1" lang="ja-JP" altLang="en-US" dirty="0"/>
+            </a:p>
+          </p:txBody>
+        </p:sp>
+        <p:sp>
+          <p:nvSpPr>
+            <p:cNvPr id="9" name="正方形/長方形 8">
+              <a:extLst>
+                <a:ext uri="{FF2B5EF4-FFF2-40B4-BE49-F238E27FC236}">
+                  <a16:creationId xmlns:a16="http://schemas.microsoft.com/office/drawing/2014/main" id="{5DA6B2AD-95DD-B14C-9D5F-452546C481A8}"/>
+                </a:ext>
+              </a:extLst>
+            </p:cNvPr>
+            <p:cNvSpPr/>
+            <p:nvPr/>
+          </p:nvSpPr>
+          <p:spPr>
+            <a:xfrm>
+              <a:off x="880690" y="-171000"/>
+              <a:ext cx="3600000" cy="3600000"/>
+            </a:xfrm>
+            <a:prstGeom prst="rect">
+              <a:avLst/>
+            </a:prstGeom>
+            <a:solidFill>
+              <a:srgbClr val="C87137"/>
+            </a:solidFill>
+            <a:ln>
+              <a:noFill/>
+            </a:ln>
+            <a:scene3d>
+              <a:camera prst="isometricOffAxis2Top"/>
+              <a:lightRig rig="contrasting" dir="t"/>
+            </a:scene3d>
+            <a:sp3d extrusionH="317500" contourW="19050">
+              <a:extrusionClr>
+                <a:srgbClr val="C87137"/>
+              </a:extrusionClr>
+              <a:contourClr>
+                <a:schemeClr val="tx1"/>
+              </a:contourClr>
+            </a:sp3d>
+          </p:spPr>
+          <p:style>
+            <a:lnRef idx="2">
+              <a:schemeClr val="accent1">
+                <a:shade val="15000"/>
+              </a:schemeClr>
+            </a:lnRef>
+            <a:fillRef idx="1">
+              <a:schemeClr val="accent1"/>
+            </a:fillRef>
+            <a:effectRef idx="0">
+              <a:schemeClr val="accent1"/>
+            </a:effectRef>
+            <a:fontRef idx="minor">
+              <a:schemeClr val="lt1"/>
+            </a:fontRef>
+          </p:style>
+          <p:txBody>
+            <a:bodyPr rtlCol="0" anchor="ctr"/>
+            <a:lstStyle/>
+            <a:p>
+              <a:pPr algn="ctr"/>
+              <a:endParaRPr kumimoji="1" lang="ja-JP" altLang="en-US" dirty="0"/>
+            </a:p>
+          </p:txBody>
+        </p:sp>
+        <p:sp>
+          <p:nvSpPr>
+            <p:cNvPr id="38" name="正方形/長方形 37">
+              <a:extLst>
+                <a:ext uri="{FF2B5EF4-FFF2-40B4-BE49-F238E27FC236}">
+                  <a16:creationId xmlns:a16="http://schemas.microsoft.com/office/drawing/2014/main" id="{FB53EC1C-E440-BD1F-2CD3-D454758C9599}"/>
+                </a:ext>
+              </a:extLst>
+            </p:cNvPr>
+            <p:cNvSpPr/>
+            <p:nvPr/>
+          </p:nvSpPr>
+          <p:spPr>
+            <a:xfrm>
+              <a:off x="2410690" y="1027693"/>
+              <a:ext cx="540000" cy="540000"/>
+            </a:xfrm>
+            <a:prstGeom prst="rect">
+              <a:avLst/>
+            </a:prstGeom>
+            <a:solidFill>
+              <a:srgbClr val="C87137"/>
+            </a:solidFill>
+            <a:ln>
+              <a:noFill/>
+            </a:ln>
+            <a:scene3d>
+              <a:camera prst="isometricOffAxis2Top"/>
+              <a:lightRig rig="contrasting" dir="t"/>
+            </a:scene3d>
+            <a:sp3d extrusionH="317500" contourW="19050">
+              <a:extrusionClr>
+                <a:srgbClr val="C87137"/>
+              </a:extrusionClr>
+              <a:contourClr>
+                <a:schemeClr val="tx1"/>
+              </a:contourClr>
+            </a:sp3d>
+          </p:spPr>
+          <p:style>
+            <a:lnRef idx="2">
+              <a:schemeClr val="accent1">
+                <a:shade val="15000"/>
+              </a:schemeClr>
+            </a:lnRef>
+            <a:fillRef idx="1">
+              <a:schemeClr val="accent1"/>
+            </a:fillRef>
+            <a:effectRef idx="0">
+              <a:schemeClr val="accent1"/>
+            </a:effectRef>
+            <a:fontRef idx="minor">
+              <a:schemeClr val="lt1"/>
+            </a:fontRef>
+          </p:style>
+          <p:txBody>
+            <a:bodyPr rtlCol="0" anchor="ctr"/>
+            <a:lstStyle/>
+            <a:p>
+              <a:pPr algn="ctr"/>
+              <a:endParaRPr kumimoji="1" lang="ja-JP" altLang="en-US" dirty="0"/>
+            </a:p>
+          </p:txBody>
+        </p:sp>
+        <p:sp>
+          <p:nvSpPr>
+            <p:cNvPr id="2" name="楕円 1">
+              <a:extLst>
+                <a:ext uri="{FF2B5EF4-FFF2-40B4-BE49-F238E27FC236}">
+                  <a16:creationId xmlns:a16="http://schemas.microsoft.com/office/drawing/2014/main" id="{FFD60A52-954A-6CA4-8C79-7959A59BA265}"/>
+                </a:ext>
+              </a:extLst>
+            </p:cNvPr>
+            <p:cNvSpPr/>
+            <p:nvPr/>
+          </p:nvSpPr>
+          <p:spPr>
+            <a:xfrm>
+              <a:off x="2500690" y="862713"/>
+              <a:ext cx="360000" cy="360000"/>
+            </a:xfrm>
+            <a:prstGeom prst="ellipse">
+              <a:avLst/>
+            </a:prstGeom>
+            <a:solidFill>
+              <a:srgbClr val="F6DF80"/>
+            </a:solidFill>
+            <a:ln>
+              <a:noFill/>
+            </a:ln>
+            <a:scene3d>
+              <a:camera prst="isometricOffAxis2Top"/>
+              <a:lightRig rig="contrasting" dir="t"/>
+            </a:scene3d>
+            <a:sp3d extrusionH="254000" contourW="19050" prstMaterial="matte">
+              <a:bevelT w="0" h="0"/>
+              <a:extrusionClr>
+                <a:srgbClr val="F6DF80"/>
+              </a:extrusionClr>
+              <a:contourClr>
+                <a:schemeClr val="tx1"/>
+              </a:contourClr>
+            </a:sp3d>
+          </p:spPr>
+          <p:style>
+            <a:lnRef idx="2">
+              <a:schemeClr val="accent1">
+                <a:shade val="15000"/>
+              </a:schemeClr>
+            </a:lnRef>
+            <a:fillRef idx="1">
+              <a:schemeClr val="accent1"/>
+            </a:fillRef>
+            <a:effectRef idx="0">
+              <a:schemeClr val="accent1"/>
+            </a:effectRef>
+            <a:fontRef idx="minor">
+              <a:schemeClr val="lt1"/>
+            </a:fontRef>
+          </p:style>
+          <p:txBody>
+            <a:bodyPr rtlCol="0" anchor="ctr"/>
+            <a:lstStyle/>
+            <a:p>
+              <a:pPr algn="ctr"/>
+              <a:endParaRPr kumimoji="1" lang="ja-JP" altLang="en-US" dirty="0"/>
+            </a:p>
+          </p:txBody>
+        </p:sp>
+        <p:sp>
+          <p:nvSpPr>
+            <p:cNvPr id="12" name="楕円 11">
+              <a:extLst>
+                <a:ext uri="{FF2B5EF4-FFF2-40B4-BE49-F238E27FC236}">
+                  <a16:creationId xmlns:a16="http://schemas.microsoft.com/office/drawing/2014/main" id="{435311E2-F141-6EAD-C4A7-66F9F93B1574}"/>
+                </a:ext>
+              </a:extLst>
+            </p:cNvPr>
+            <p:cNvSpPr/>
+            <p:nvPr/>
+          </p:nvSpPr>
+          <p:spPr>
+            <a:xfrm>
+              <a:off x="2662690" y="743229"/>
+              <a:ext cx="36000" cy="36000"/>
+            </a:xfrm>
+            <a:prstGeom prst="ellipse">
+              <a:avLst/>
+            </a:prstGeom>
+            <a:solidFill>
+              <a:schemeClr val="tx1"/>
+            </a:solidFill>
+            <a:ln>
+              <a:noFill/>
+            </a:ln>
+            <a:scene3d>
+              <a:camera prst="isometricOffAxis2Top"/>
+              <a:lightRig rig="contrasting" dir="t"/>
+            </a:scene3d>
+            <a:sp3d extrusionH="254000" contourW="19050" prstMaterial="matte">
+              <a:bevelT w="0" h="0"/>
+              <a:extrusionClr>
+                <a:schemeClr val="tx1"/>
+              </a:extrusionClr>
+              <a:contourClr>
+                <a:schemeClr val="tx1"/>
+              </a:contourClr>
+            </a:sp3d>
+          </p:spPr>
+          <p:style>
+            <a:lnRef idx="2">
+              <a:schemeClr val="accent1">
+                <a:shade val="15000"/>
+              </a:schemeClr>
+            </a:lnRef>
+            <a:fillRef idx="1">
+              <a:schemeClr val="accent1"/>
+            </a:fillRef>
+            <a:effectRef idx="0">
+              <a:schemeClr val="accent1"/>
+            </a:effectRef>
+            <a:fontRef idx="minor">
+              <a:schemeClr val="lt1"/>
+            </a:fontRef>
+          </p:style>
+          <p:txBody>
+            <a:bodyPr rtlCol="0" anchor="ctr"/>
+            <a:lstStyle/>
+            <a:p>
+              <a:pPr algn="ctr"/>
+              <a:endParaRPr kumimoji="1" lang="ja-JP" altLang="en-US" dirty="0"/>
+            </a:p>
+          </p:txBody>
+        </p:sp>
+      </p:grpSp>
+      <p:grpSp>
+        <p:nvGrpSpPr>
+          <p:cNvPr id="36" name="グループ化 35">
+            <a:extLst>
+              <a:ext uri="{FF2B5EF4-FFF2-40B4-BE49-F238E27FC236}">
+                <a16:creationId xmlns:a16="http://schemas.microsoft.com/office/drawing/2014/main" id="{BC781044-5A77-AF08-557D-AD832734F24B}"/>
+              </a:ext>
+            </a:extLst>
+          </p:cNvPr>
+          <p:cNvGrpSpPr/>
+          <p:nvPr/>
+        </p:nvGrpSpPr>
+        <p:grpSpPr>
+          <a:xfrm>
+            <a:off x="7494435" y="198164"/>
+            <a:ext cx="3600000" cy="6461672"/>
+            <a:chOff x="6383468" y="-171000"/>
+            <a:chExt cx="3600000" cy="6461672"/>
+          </a:xfrm>
+        </p:grpSpPr>
+        <p:sp>
+          <p:nvSpPr>
+            <p:cNvPr id="3" name="楕円 2">
+              <a:extLst>
+                <a:ext uri="{FF2B5EF4-FFF2-40B4-BE49-F238E27FC236}">
+                  <a16:creationId xmlns:a16="http://schemas.microsoft.com/office/drawing/2014/main" id="{817E9E07-3297-FDE1-0F57-F1FBB07DC3FD}"/>
+                </a:ext>
+              </a:extLst>
+            </p:cNvPr>
+            <p:cNvSpPr/>
+            <p:nvPr/>
+          </p:nvSpPr>
+          <p:spPr>
+            <a:xfrm>
+              <a:off x="8165468" y="5301335"/>
+              <a:ext cx="36000" cy="36000"/>
+            </a:xfrm>
+            <a:prstGeom prst="ellipse">
+              <a:avLst/>
+            </a:prstGeom>
+            <a:solidFill>
+              <a:schemeClr val="tx1"/>
+            </a:solidFill>
+            <a:ln>
+              <a:noFill/>
+            </a:ln>
+            <a:scene3d>
+              <a:camera prst="isometricOffAxis2Top"/>
+              <a:lightRig rig="contrasting" dir="t"/>
+            </a:scene3d>
+            <a:sp3d extrusionH="254000" contourW="19050" prstMaterial="matte">
+              <a:bevelT w="0" h="0"/>
+              <a:extrusionClr>
+                <a:schemeClr val="tx1"/>
+              </a:extrusionClr>
+              <a:contourClr>
+                <a:schemeClr val="tx1"/>
+              </a:contourClr>
+            </a:sp3d>
+          </p:spPr>
+          <p:style>
+            <a:lnRef idx="2">
+              <a:schemeClr val="accent1">
+                <a:shade val="15000"/>
+              </a:schemeClr>
+            </a:lnRef>
+            <a:fillRef idx="1">
+              <a:schemeClr val="accent1"/>
+            </a:fillRef>
+            <a:effectRef idx="0">
+              <a:schemeClr val="accent1"/>
+            </a:effectRef>
+            <a:fontRef idx="minor">
+              <a:schemeClr val="lt1"/>
+            </a:fontRef>
+          </p:style>
+          <p:txBody>
+            <a:bodyPr rtlCol="0" anchor="ctr"/>
+            <a:lstStyle/>
+            <a:p>
+              <a:pPr algn="ctr"/>
+              <a:endParaRPr kumimoji="1" lang="ja-JP" altLang="en-US" dirty="0"/>
+            </a:p>
+          </p:txBody>
+        </p:sp>
+        <p:sp>
+          <p:nvSpPr>
+            <p:cNvPr id="5" name="正方形/長方形 4">
+              <a:extLst>
+                <a:ext uri="{FF2B5EF4-FFF2-40B4-BE49-F238E27FC236}">
+                  <a16:creationId xmlns:a16="http://schemas.microsoft.com/office/drawing/2014/main" id="{7680D9EF-9C81-467B-1071-F4217B1ECC48}"/>
+                </a:ext>
+              </a:extLst>
+            </p:cNvPr>
+            <p:cNvSpPr/>
+            <p:nvPr/>
+          </p:nvSpPr>
+          <p:spPr>
+            <a:xfrm>
+              <a:off x="7913468" y="4441291"/>
+              <a:ext cx="540000" cy="540000"/>
+            </a:xfrm>
+            <a:prstGeom prst="rect">
+              <a:avLst/>
+            </a:prstGeom>
+            <a:solidFill>
+              <a:srgbClr val="C87137"/>
+            </a:solidFill>
+            <a:ln>
+              <a:noFill/>
+            </a:ln>
+            <a:scene3d>
+              <a:camera prst="isometricOffAxis2Top"/>
+              <a:lightRig rig="contrasting" dir="t"/>
+            </a:scene3d>
+            <a:sp3d extrusionH="317500" contourW="19050">
+              <a:extrusionClr>
+                <a:srgbClr val="C87137"/>
+              </a:extrusionClr>
+              <a:contourClr>
+                <a:schemeClr val="tx1"/>
+              </a:contourClr>
+            </a:sp3d>
+          </p:spPr>
+          <p:style>
+            <a:lnRef idx="2">
+              <a:schemeClr val="accent1">
+                <a:shade val="15000"/>
+              </a:schemeClr>
+            </a:lnRef>
+            <a:fillRef idx="1">
+              <a:schemeClr val="accent1"/>
+            </a:fillRef>
+            <a:effectRef idx="0">
+              <a:schemeClr val="accent1"/>
+            </a:effectRef>
+            <a:fontRef idx="minor">
+              <a:schemeClr val="lt1"/>
+            </a:fontRef>
+          </p:style>
+          <p:txBody>
+            <a:bodyPr rtlCol="0" anchor="ctr"/>
+            <a:lstStyle/>
+            <a:p>
+              <a:pPr algn="ctr"/>
+              <a:endParaRPr kumimoji="1" lang="ja-JP" altLang="en-US" dirty="0"/>
+            </a:p>
+          </p:txBody>
+        </p:sp>
+        <p:sp>
+          <p:nvSpPr>
+            <p:cNvPr id="6" name="楕円 5">
+              <a:extLst>
+                <a:ext uri="{FF2B5EF4-FFF2-40B4-BE49-F238E27FC236}">
+                  <a16:creationId xmlns:a16="http://schemas.microsoft.com/office/drawing/2014/main" id="{D28A4BDC-F794-BA98-A1B7-329D264118A9}"/>
+                </a:ext>
+              </a:extLst>
+            </p:cNvPr>
+            <p:cNvSpPr/>
+            <p:nvPr/>
+          </p:nvSpPr>
+          <p:spPr>
+            <a:xfrm>
+              <a:off x="8003468" y="4868826"/>
+              <a:ext cx="360000" cy="360000"/>
+            </a:xfrm>
+            <a:prstGeom prst="ellipse">
+              <a:avLst/>
+            </a:prstGeom>
+            <a:solidFill>
+              <a:srgbClr val="F6DF80"/>
+            </a:solidFill>
+            <a:ln>
+              <a:noFill/>
+            </a:ln>
+            <a:scene3d>
+              <a:camera prst="isometricOffAxis2Top"/>
+              <a:lightRig rig="contrasting" dir="t"/>
+            </a:scene3d>
+            <a:sp3d extrusionH="254000" contourW="19050" prstMaterial="matte">
+              <a:bevelT w="0" h="0"/>
+              <a:extrusionClr>
+                <a:srgbClr val="F6DF80"/>
+              </a:extrusionClr>
+              <a:contourClr>
+                <a:schemeClr val="tx1"/>
+              </a:contourClr>
+            </a:sp3d>
+          </p:spPr>
+          <p:style>
+            <a:lnRef idx="2">
+              <a:schemeClr val="accent1">
+                <a:shade val="15000"/>
+              </a:schemeClr>
+            </a:lnRef>
+            <a:fillRef idx="1">
+              <a:schemeClr val="accent1"/>
+            </a:fillRef>
+            <a:effectRef idx="0">
+              <a:schemeClr val="accent1"/>
+            </a:effectRef>
+            <a:fontRef idx="minor">
+              <a:schemeClr val="lt1"/>
+            </a:fontRef>
+          </p:style>
+          <p:txBody>
+            <a:bodyPr rtlCol="0" anchor="ctr"/>
+            <a:lstStyle/>
+            <a:p>
+              <a:pPr algn="ctr"/>
+              <a:endParaRPr kumimoji="1" lang="ja-JP" altLang="en-US" dirty="0"/>
+            </a:p>
+          </p:txBody>
+        </p:sp>
+        <p:sp>
+          <p:nvSpPr>
+            <p:cNvPr id="7" name="正方形/長方形 6">
+              <a:extLst>
+                <a:ext uri="{FF2B5EF4-FFF2-40B4-BE49-F238E27FC236}">
+                  <a16:creationId xmlns:a16="http://schemas.microsoft.com/office/drawing/2014/main" id="{98088760-7ABE-DE14-8DD0-090CEE209551}"/>
+                </a:ext>
+              </a:extLst>
+            </p:cNvPr>
+            <p:cNvSpPr/>
+            <p:nvPr/>
+          </p:nvSpPr>
+          <p:spPr>
+            <a:xfrm>
+              <a:off x="6383468" y="2690672"/>
+              <a:ext cx="3600000" cy="3600000"/>
+            </a:xfrm>
+            <a:prstGeom prst="rect">
+              <a:avLst/>
+            </a:prstGeom>
+            <a:solidFill>
+              <a:srgbClr val="C87137"/>
+            </a:solidFill>
+            <a:ln>
+              <a:noFill/>
+            </a:ln>
+            <a:scene3d>
+              <a:camera prst="isometricOffAxis2Top"/>
+              <a:lightRig rig="contrasting" dir="t"/>
+            </a:scene3d>
+            <a:sp3d extrusionH="317500" contourW="19050">
+              <a:extrusionClr>
+                <a:srgbClr val="C87137"/>
+              </a:extrusionClr>
+              <a:contourClr>
+                <a:schemeClr val="tx1"/>
+              </a:contourClr>
+            </a:sp3d>
+          </p:spPr>
+          <p:style>
+            <a:lnRef idx="2">
+              <a:schemeClr val="accent1">
+                <a:shade val="15000"/>
+              </a:schemeClr>
+            </a:lnRef>
+            <a:fillRef idx="1">
+              <a:schemeClr val="accent1"/>
+            </a:fillRef>
+            <a:effectRef idx="0">
+              <a:schemeClr val="accent1"/>
+            </a:effectRef>
+            <a:fontRef idx="minor">
+              <a:schemeClr val="lt1"/>
+            </a:fontRef>
+          </p:style>
+          <p:txBody>
+            <a:bodyPr rtlCol="0" anchor="ctr"/>
+            <a:lstStyle/>
+            <a:p>
+              <a:pPr algn="ctr"/>
+              <a:endParaRPr kumimoji="1" lang="ja-JP" altLang="en-US" dirty="0"/>
+            </a:p>
+          </p:txBody>
+        </p:sp>
+        <p:sp>
+          <p:nvSpPr>
+            <p:cNvPr id="8" name="楕円 7">
+              <a:extLst>
+                <a:ext uri="{FF2B5EF4-FFF2-40B4-BE49-F238E27FC236}">
+                  <a16:creationId xmlns:a16="http://schemas.microsoft.com/office/drawing/2014/main" id="{DB0293F4-774B-179B-0FD8-0CE4332F555D}"/>
+                </a:ext>
+              </a:extLst>
+            </p:cNvPr>
+            <p:cNvSpPr/>
+            <p:nvPr/>
+          </p:nvSpPr>
+          <p:spPr>
+            <a:xfrm>
+              <a:off x="6743468" y="2885516"/>
+              <a:ext cx="2880000" cy="2880000"/>
+            </a:xfrm>
+            <a:prstGeom prst="ellipse">
+              <a:avLst/>
+            </a:prstGeom>
+            <a:solidFill>
+              <a:srgbClr val="AA8800"/>
+            </a:solidFill>
+            <a:ln>
+              <a:noFill/>
+            </a:ln>
+            <a:scene3d>
+              <a:camera prst="isometricOffAxis2Top"/>
+              <a:lightRig rig="contrasting" dir="t"/>
+            </a:scene3d>
+            <a:sp3d extrusionH="127000" contourW="19050" prstMaterial="matte">
+              <a:bevelT w="0" h="0"/>
+              <a:extrusionClr>
+                <a:srgbClr val="AA8800"/>
+              </a:extrusionClr>
+              <a:contourClr>
+                <a:schemeClr val="tx1"/>
+              </a:contourClr>
+            </a:sp3d>
+          </p:spPr>
+          <p:style>
+            <a:lnRef idx="2">
+              <a:schemeClr val="accent1">
+                <a:shade val="15000"/>
+              </a:schemeClr>
+            </a:lnRef>
+            <a:fillRef idx="1">
+              <a:schemeClr val="accent1"/>
+            </a:fillRef>
+            <a:effectRef idx="0">
+              <a:schemeClr val="accent1"/>
+            </a:effectRef>
+            <a:fontRef idx="minor">
+              <a:schemeClr val="lt1"/>
+            </a:fontRef>
+          </p:style>
+          <p:txBody>
+            <a:bodyPr rtlCol="0" anchor="ctr"/>
+            <a:lstStyle/>
+            <a:p>
+              <a:pPr algn="ctr"/>
+              <a:endParaRPr kumimoji="1" lang="ja-JP" altLang="en-US" dirty="0"/>
+            </a:p>
+          </p:txBody>
+        </p:sp>
+        <p:sp>
+          <p:nvSpPr>
+            <p:cNvPr id="11" name="楕円 10">
+              <a:extLst>
+                <a:ext uri="{FF2B5EF4-FFF2-40B4-BE49-F238E27FC236}">
+                  <a16:creationId xmlns:a16="http://schemas.microsoft.com/office/drawing/2014/main" id="{4AEF7680-3F85-05F3-B9D8-01D446B589D2}"/>
+                </a:ext>
+              </a:extLst>
+            </p:cNvPr>
+            <p:cNvSpPr/>
+            <p:nvPr/>
+          </p:nvSpPr>
+          <p:spPr>
+            <a:xfrm>
+              <a:off x="7463468" y="3581836"/>
+              <a:ext cx="1440000" cy="1440000"/>
+            </a:xfrm>
+            <a:prstGeom prst="ellipse">
+              <a:avLst/>
+            </a:prstGeom>
+            <a:solidFill>
+              <a:srgbClr val="FF6600"/>
+            </a:solidFill>
+            <a:ln>
+              <a:noFill/>
+            </a:ln>
+            <a:scene3d>
+              <a:camera prst="isometricOffAxis2Top"/>
+              <a:lightRig rig="contrasting" dir="t"/>
+            </a:scene3d>
+            <a:sp3d extrusionH="12700" contourW="6350" prstMaterial="matte">
+              <a:bevelT w="0" h="0"/>
+              <a:extrusionClr>
+                <a:srgbClr val="FF6600"/>
+              </a:extrusionClr>
+              <a:contourClr>
+                <a:schemeClr val="tx1"/>
+              </a:contourClr>
+            </a:sp3d>
+          </p:spPr>
+          <p:style>
+            <a:lnRef idx="2">
+              <a:schemeClr val="accent1">
+                <a:shade val="15000"/>
+              </a:schemeClr>
+            </a:lnRef>
+            <a:fillRef idx="1">
+              <a:schemeClr val="accent1"/>
+            </a:fillRef>
+            <a:effectRef idx="0">
+              <a:schemeClr val="accent1"/>
+            </a:effectRef>
+            <a:fontRef idx="minor">
+              <a:schemeClr val="lt1"/>
+            </a:fontRef>
+          </p:style>
+          <p:txBody>
+            <a:bodyPr rtlCol="0" anchor="ctr"/>
+            <a:lstStyle/>
+            <a:p>
+              <a:pPr algn="ctr"/>
+              <a:endParaRPr kumimoji="1" lang="ja-JP" altLang="en-US" dirty="0"/>
+            </a:p>
+          </p:txBody>
+        </p:sp>
+        <p:sp>
+          <p:nvSpPr>
+            <p:cNvPr id="15" name="楕円 14">
+              <a:extLst>
+                <a:ext uri="{FF2B5EF4-FFF2-40B4-BE49-F238E27FC236}">
+                  <a16:creationId xmlns:a16="http://schemas.microsoft.com/office/drawing/2014/main" id="{322E43A2-B6AD-C5B9-0C39-B06F29BF67B2}"/>
+                </a:ext>
+              </a:extLst>
+            </p:cNvPr>
+            <p:cNvSpPr/>
+            <p:nvPr/>
+          </p:nvSpPr>
+          <p:spPr>
+            <a:xfrm>
+              <a:off x="6743468" y="1195721"/>
+              <a:ext cx="2880000" cy="2880000"/>
+            </a:xfrm>
+            <a:prstGeom prst="ellipse">
+              <a:avLst/>
+            </a:prstGeom>
+            <a:solidFill>
+              <a:srgbClr val="AA8800"/>
+            </a:solidFill>
+            <a:ln>
+              <a:noFill/>
+            </a:ln>
+            <a:scene3d>
+              <a:camera prst="isometricOffAxis2Top"/>
+              <a:lightRig rig="contrasting" dir="t"/>
+            </a:scene3d>
+            <a:sp3d extrusionH="127000" contourW="19050" prstMaterial="matte">
+              <a:bevelT w="0" h="0"/>
+              <a:extrusionClr>
+                <a:srgbClr val="AA8800"/>
+              </a:extrusionClr>
+              <a:contourClr>
+                <a:schemeClr val="tx1"/>
+              </a:contourClr>
+            </a:sp3d>
+          </p:spPr>
+          <p:style>
+            <a:lnRef idx="2">
+              <a:schemeClr val="accent1">
+                <a:shade val="15000"/>
+              </a:schemeClr>
+            </a:lnRef>
+            <a:fillRef idx="1">
+              <a:schemeClr val="accent1"/>
+            </a:fillRef>
+            <a:effectRef idx="0">
+              <a:schemeClr val="accent1"/>
+            </a:effectRef>
+            <a:fontRef idx="minor">
+              <a:schemeClr val="lt1"/>
+            </a:fontRef>
+          </p:style>
+          <p:txBody>
+            <a:bodyPr rtlCol="0" anchor="ctr"/>
+            <a:lstStyle/>
+            <a:p>
+              <a:pPr algn="ctr"/>
+              <a:endParaRPr kumimoji="1" lang="ja-JP" altLang="en-US" dirty="0"/>
+            </a:p>
+          </p:txBody>
+        </p:sp>
+        <p:sp>
+          <p:nvSpPr>
+            <p:cNvPr id="21" name="正方形/長方形 20">
+              <a:extLst>
+                <a:ext uri="{FF2B5EF4-FFF2-40B4-BE49-F238E27FC236}">
+                  <a16:creationId xmlns:a16="http://schemas.microsoft.com/office/drawing/2014/main" id="{6BE8C035-12A3-4AC0-21EE-811CAB849137}"/>
+                </a:ext>
+              </a:extLst>
+            </p:cNvPr>
+            <p:cNvSpPr/>
+            <p:nvPr/>
+          </p:nvSpPr>
+          <p:spPr>
+            <a:xfrm>
+              <a:off x="6383468" y="-171000"/>
+              <a:ext cx="3600000" cy="3600000"/>
+            </a:xfrm>
+            <a:prstGeom prst="rect">
+              <a:avLst/>
+            </a:prstGeom>
+            <a:solidFill>
+              <a:srgbClr val="C87137"/>
+            </a:solidFill>
+            <a:ln>
+              <a:noFill/>
+            </a:ln>
+            <a:scene3d>
+              <a:camera prst="isometricOffAxis2Top"/>
+              <a:lightRig rig="contrasting" dir="t"/>
+            </a:scene3d>
+            <a:sp3d extrusionH="317500" contourW="19050">
+              <a:extrusionClr>
+                <a:srgbClr val="C87137"/>
+              </a:extrusionClr>
+              <a:contourClr>
+                <a:schemeClr val="tx1"/>
+              </a:contourClr>
+            </a:sp3d>
+          </p:spPr>
+          <p:style>
+            <a:lnRef idx="2">
+              <a:schemeClr val="accent1">
+                <a:shade val="15000"/>
+              </a:schemeClr>
+            </a:lnRef>
+            <a:fillRef idx="1">
+              <a:schemeClr val="accent1"/>
+            </a:fillRef>
+            <a:effectRef idx="0">
+              <a:schemeClr val="accent1"/>
+            </a:effectRef>
+            <a:fontRef idx="minor">
+              <a:schemeClr val="lt1"/>
+            </a:fontRef>
+          </p:style>
+          <p:txBody>
+            <a:bodyPr rtlCol="0" anchor="ctr"/>
+            <a:lstStyle/>
+            <a:p>
+              <a:pPr algn="ctr"/>
+              <a:endParaRPr kumimoji="1" lang="ja-JP" altLang="en-US" dirty="0"/>
+            </a:p>
+          </p:txBody>
+        </p:sp>
+        <p:sp>
+          <p:nvSpPr>
+            <p:cNvPr id="23" name="正方形/長方形 22">
+              <a:extLst>
+                <a:ext uri="{FF2B5EF4-FFF2-40B4-BE49-F238E27FC236}">
+                  <a16:creationId xmlns:a16="http://schemas.microsoft.com/office/drawing/2014/main" id="{F5D760CD-B3B0-0CC8-AEF7-0465622544C8}"/>
+                </a:ext>
+              </a:extLst>
+            </p:cNvPr>
+            <p:cNvSpPr/>
+            <p:nvPr/>
+          </p:nvSpPr>
+          <p:spPr>
+            <a:xfrm>
+              <a:off x="7913468" y="1027693"/>
+              <a:ext cx="540000" cy="540000"/>
+            </a:xfrm>
+            <a:prstGeom prst="rect">
+              <a:avLst/>
+            </a:prstGeom>
+            <a:solidFill>
+              <a:srgbClr val="C87137"/>
+            </a:solidFill>
+            <a:ln>
+              <a:noFill/>
+            </a:ln>
+            <a:scene3d>
+              <a:camera prst="isometricOffAxis2Top"/>
+              <a:lightRig rig="contrasting" dir="t"/>
+            </a:scene3d>
+            <a:sp3d extrusionH="317500" contourW="19050">
+              <a:extrusionClr>
+                <a:srgbClr val="C87137"/>
+              </a:extrusionClr>
+              <a:contourClr>
+                <a:schemeClr val="tx1"/>
+              </a:contourClr>
+            </a:sp3d>
+          </p:spPr>
+          <p:style>
+            <a:lnRef idx="2">
+              <a:schemeClr val="accent1">
+                <a:shade val="15000"/>
+              </a:schemeClr>
+            </a:lnRef>
+            <a:fillRef idx="1">
+              <a:schemeClr val="accent1"/>
+            </a:fillRef>
+            <a:effectRef idx="0">
+              <a:schemeClr val="accent1"/>
+            </a:effectRef>
+            <a:fontRef idx="minor">
+              <a:schemeClr val="lt1"/>
+            </a:fontRef>
+          </p:style>
+          <p:txBody>
+            <a:bodyPr rtlCol="0" anchor="ctr"/>
+            <a:lstStyle/>
+            <a:p>
+              <a:pPr algn="ctr"/>
+              <a:endParaRPr kumimoji="1" lang="ja-JP" altLang="en-US" dirty="0"/>
+            </a:p>
+          </p:txBody>
+        </p:sp>
+        <p:sp>
+          <p:nvSpPr>
+            <p:cNvPr id="24" name="楕円 23">
+              <a:extLst>
+                <a:ext uri="{FF2B5EF4-FFF2-40B4-BE49-F238E27FC236}">
+                  <a16:creationId xmlns:a16="http://schemas.microsoft.com/office/drawing/2014/main" id="{03BCA7E0-BED6-6024-AB87-698696B973C8}"/>
+                </a:ext>
+              </a:extLst>
+            </p:cNvPr>
+            <p:cNvSpPr/>
+            <p:nvPr/>
+          </p:nvSpPr>
+          <p:spPr>
+            <a:xfrm>
+              <a:off x="8003468" y="862713"/>
+              <a:ext cx="360000" cy="360000"/>
+            </a:xfrm>
+            <a:prstGeom prst="ellipse">
+              <a:avLst/>
+            </a:prstGeom>
+            <a:solidFill>
+              <a:srgbClr val="F6DF80"/>
+            </a:solidFill>
+            <a:ln>
+              <a:noFill/>
+            </a:ln>
+            <a:scene3d>
+              <a:camera prst="isometricOffAxis2Top"/>
+              <a:lightRig rig="contrasting" dir="t"/>
+            </a:scene3d>
+            <a:sp3d extrusionH="254000" contourW="19050" prstMaterial="matte">
+              <a:bevelT w="0" h="0"/>
+              <a:extrusionClr>
+                <a:srgbClr val="F6DF80"/>
+              </a:extrusionClr>
+              <a:contourClr>
+                <a:schemeClr val="tx1"/>
+              </a:contourClr>
+            </a:sp3d>
+          </p:spPr>
+          <p:style>
+            <a:lnRef idx="2">
+              <a:schemeClr val="accent1">
+                <a:shade val="15000"/>
+              </a:schemeClr>
+            </a:lnRef>
+            <a:fillRef idx="1">
+              <a:schemeClr val="accent1"/>
+            </a:fillRef>
+            <a:effectRef idx="0">
+              <a:schemeClr val="accent1"/>
+            </a:effectRef>
+            <a:fontRef idx="minor">
+              <a:schemeClr val="lt1"/>
+            </a:fontRef>
+          </p:style>
+          <p:txBody>
+            <a:bodyPr rtlCol="0" anchor="ctr"/>
+            <a:lstStyle/>
+            <a:p>
+              <a:pPr algn="ctr"/>
+              <a:endParaRPr kumimoji="1" lang="ja-JP" altLang="en-US" dirty="0"/>
+            </a:p>
+          </p:txBody>
+        </p:sp>
+        <p:sp>
+          <p:nvSpPr>
+            <p:cNvPr id="26" name="楕円 25">
+              <a:extLst>
+                <a:ext uri="{FF2B5EF4-FFF2-40B4-BE49-F238E27FC236}">
+                  <a16:creationId xmlns:a16="http://schemas.microsoft.com/office/drawing/2014/main" id="{16BBAB62-61C0-79A5-D9DE-CB8727F47FFE}"/>
+                </a:ext>
+              </a:extLst>
+            </p:cNvPr>
+            <p:cNvSpPr/>
+            <p:nvPr/>
+          </p:nvSpPr>
+          <p:spPr>
+            <a:xfrm>
+              <a:off x="8165468" y="743229"/>
+              <a:ext cx="36000" cy="36000"/>
+            </a:xfrm>
+            <a:prstGeom prst="ellipse">
+              <a:avLst/>
+            </a:prstGeom>
+            <a:solidFill>
+              <a:schemeClr val="tx1"/>
+            </a:solidFill>
+            <a:ln>
+              <a:noFill/>
+            </a:ln>
+            <a:scene3d>
+              <a:camera prst="isometricOffAxis2Top"/>
+              <a:lightRig rig="contrasting" dir="t"/>
+            </a:scene3d>
+            <a:sp3d extrusionH="254000" contourW="19050" prstMaterial="matte">
+              <a:bevelT w="0" h="0"/>
+              <a:extrusionClr>
+                <a:schemeClr val="tx1"/>
+              </a:extrusionClr>
+              <a:contourClr>
+                <a:schemeClr val="tx1"/>
+              </a:contourClr>
+            </a:sp3d>
+          </p:spPr>
+          <p:style>
+            <a:lnRef idx="2">
+              <a:schemeClr val="accent1">
+                <a:shade val="15000"/>
+              </a:schemeClr>
+            </a:lnRef>
+            <a:fillRef idx="1">
+              <a:schemeClr val="accent1"/>
+            </a:fillRef>
+            <a:effectRef idx="0">
+              <a:schemeClr val="accent1"/>
+            </a:effectRef>
+            <a:fontRef idx="minor">
+              <a:schemeClr val="lt1"/>
+            </a:fontRef>
+          </p:style>
+          <p:txBody>
+            <a:bodyPr rtlCol="0" anchor="ctr"/>
+            <a:lstStyle/>
+            <a:p>
+              <a:pPr algn="ctr"/>
+              <a:endParaRPr kumimoji="1" lang="ja-JP" altLang="en-US" dirty="0"/>
+            </a:p>
+          </p:txBody>
+        </p:sp>
+      </p:grpSp>
     </p:spTree>
     <p:extLst>
       <p:ext uri="{BB962C8B-B14F-4D97-AF65-F5344CB8AC3E}">
-        <p14:creationId xmlns:p14="http://schemas.microsoft.com/office/powerpoint/2010/main" val="2224735110"/>
+        <p14:creationId xmlns:p14="http://schemas.microsoft.com/office/powerpoint/2010/main" val="689203994"/>
       </p:ext>
     </p:extLst>
   </p:cSld>

--- a/SOTURON/image/BCDR説明.pptx
+++ b/SOTURON/image/BCDR説明.pptx
@@ -7,6 +7,8 @@
   <p:sldIdLst>
     <p:sldId id="256" r:id="rId2"/>
     <p:sldId id="257" r:id="rId3"/>
+    <p:sldId id="258" r:id="rId4"/>
+    <p:sldId id="259" r:id="rId5"/>
   </p:sldIdLst>
   <p:sldSz cx="12192000" cy="6858000"/>
   <p:notesSz cx="6858000" cy="9144000"/>
@@ -271,7 +273,7 @@
           <a:p>
             <a:fld id="{56814927-CEE8-4D72-8412-A7EFE7D18A44}" type="datetimeFigureOut">
               <a:rPr kumimoji="1" lang="ja-JP" altLang="en-US" smtClean="0"/>
-              <a:t>2026/1/16</a:t>
+              <a:t>2026/2/19</a:t>
             </a:fld>
             <a:endParaRPr kumimoji="1" lang="ja-JP" altLang="en-US"/>
           </a:p>
@@ -501,7 +503,7 @@
           <a:p>
             <a:fld id="{56814927-CEE8-4D72-8412-A7EFE7D18A44}" type="datetimeFigureOut">
               <a:rPr kumimoji="1" lang="ja-JP" altLang="en-US" smtClean="0"/>
-              <a:t>2026/1/16</a:t>
+              <a:t>2026/2/19</a:t>
             </a:fld>
             <a:endParaRPr kumimoji="1" lang="ja-JP" altLang="en-US"/>
           </a:p>
@@ -741,7 +743,7 @@
           <a:p>
             <a:fld id="{56814927-CEE8-4D72-8412-A7EFE7D18A44}" type="datetimeFigureOut">
               <a:rPr kumimoji="1" lang="ja-JP" altLang="en-US" smtClean="0"/>
-              <a:t>2026/1/16</a:t>
+              <a:t>2026/2/19</a:t>
             </a:fld>
             <a:endParaRPr kumimoji="1" lang="ja-JP" altLang="en-US"/>
           </a:p>
@@ -971,7 +973,7 @@
           <a:p>
             <a:fld id="{56814927-CEE8-4D72-8412-A7EFE7D18A44}" type="datetimeFigureOut">
               <a:rPr kumimoji="1" lang="ja-JP" altLang="en-US" smtClean="0"/>
-              <a:t>2026/1/16</a:t>
+              <a:t>2026/2/19</a:t>
             </a:fld>
             <a:endParaRPr kumimoji="1" lang="ja-JP" altLang="en-US"/>
           </a:p>
@@ -1246,7 +1248,7 @@
           <a:p>
             <a:fld id="{56814927-CEE8-4D72-8412-A7EFE7D18A44}" type="datetimeFigureOut">
               <a:rPr kumimoji="1" lang="ja-JP" altLang="en-US" smtClean="0"/>
-              <a:t>2026/1/16</a:t>
+              <a:t>2026/2/19</a:t>
             </a:fld>
             <a:endParaRPr kumimoji="1" lang="ja-JP" altLang="en-US"/>
           </a:p>
@@ -1575,7 +1577,7 @@
           <a:p>
             <a:fld id="{56814927-CEE8-4D72-8412-A7EFE7D18A44}" type="datetimeFigureOut">
               <a:rPr kumimoji="1" lang="ja-JP" altLang="en-US" smtClean="0"/>
-              <a:t>2026/1/16</a:t>
+              <a:t>2026/2/19</a:t>
             </a:fld>
             <a:endParaRPr kumimoji="1" lang="ja-JP" altLang="en-US"/>
           </a:p>
@@ -2051,7 +2053,7 @@
           <a:p>
             <a:fld id="{56814927-CEE8-4D72-8412-A7EFE7D18A44}" type="datetimeFigureOut">
               <a:rPr kumimoji="1" lang="ja-JP" altLang="en-US" smtClean="0"/>
-              <a:t>2026/1/16</a:t>
+              <a:t>2026/2/19</a:t>
             </a:fld>
             <a:endParaRPr kumimoji="1" lang="ja-JP" altLang="en-US"/>
           </a:p>
@@ -2192,7 +2194,7 @@
           <a:p>
             <a:fld id="{56814927-CEE8-4D72-8412-A7EFE7D18A44}" type="datetimeFigureOut">
               <a:rPr kumimoji="1" lang="ja-JP" altLang="en-US" smtClean="0"/>
-              <a:t>2026/1/16</a:t>
+              <a:t>2026/2/19</a:t>
             </a:fld>
             <a:endParaRPr kumimoji="1" lang="ja-JP" altLang="en-US"/>
           </a:p>
@@ -2305,7 +2307,7 @@
           <a:p>
             <a:fld id="{56814927-CEE8-4D72-8412-A7EFE7D18A44}" type="datetimeFigureOut">
               <a:rPr kumimoji="1" lang="ja-JP" altLang="en-US" smtClean="0"/>
-              <a:t>2026/1/16</a:t>
+              <a:t>2026/2/19</a:t>
             </a:fld>
             <a:endParaRPr kumimoji="1" lang="ja-JP" altLang="en-US"/>
           </a:p>
@@ -2648,7 +2650,7 @@
           <a:p>
             <a:fld id="{56814927-CEE8-4D72-8412-A7EFE7D18A44}" type="datetimeFigureOut">
               <a:rPr kumimoji="1" lang="ja-JP" altLang="en-US" smtClean="0"/>
-              <a:t>2026/1/16</a:t>
+              <a:t>2026/2/19</a:t>
             </a:fld>
             <a:endParaRPr kumimoji="1" lang="ja-JP" altLang="en-US"/>
           </a:p>
@@ -2936,7 +2938,7 @@
           <a:p>
             <a:fld id="{56814927-CEE8-4D72-8412-A7EFE7D18A44}" type="datetimeFigureOut">
               <a:rPr kumimoji="1" lang="ja-JP" altLang="en-US" smtClean="0"/>
-              <a:t>2026/1/16</a:t>
+              <a:t>2026/2/19</a:t>
             </a:fld>
             <a:endParaRPr kumimoji="1" lang="ja-JP" altLang="en-US"/>
           </a:p>
@@ -3209,7 +3211,7 @@
           <a:p>
             <a:fld id="{56814927-CEE8-4D72-8412-A7EFE7D18A44}" type="datetimeFigureOut">
               <a:rPr kumimoji="1" lang="ja-JP" altLang="en-US" smtClean="0"/>
-              <a:t>2026/1/16</a:t>
+              <a:t>2026/2/19</a:t>
             </a:fld>
             <a:endParaRPr kumimoji="1" lang="ja-JP" altLang="en-US"/>
           </a:p>
@@ -7518,6 +7520,1980 @@
 </p:sld>
 </file>
 
+<file path=ppt/slides/slide3.xml><?xml version="1.0" encoding="utf-8"?>
+<p:sld xmlns:a="http://schemas.openxmlformats.org/drawingml/2006/main" xmlns:r="http://schemas.openxmlformats.org/officeDocument/2006/relationships" xmlns:p="http://schemas.openxmlformats.org/presentationml/2006/main">
+  <p:cSld>
+    <p:spTree>
+      <p:nvGrpSpPr>
+        <p:cNvPr id="1" name=""/>
+        <p:cNvGrpSpPr/>
+        <p:nvPr/>
+      </p:nvGrpSpPr>
+      <p:grpSpPr>
+        <a:xfrm>
+          <a:off x="0" y="0"/>
+          <a:ext cx="0" cy="0"/>
+          <a:chOff x="0" y="0"/>
+          <a:chExt cx="0" cy="0"/>
+        </a:xfrm>
+      </p:grpSpPr>
+      <p:grpSp>
+        <p:nvGrpSpPr>
+          <p:cNvPr id="18" name="グループ化 17">
+            <a:extLst>
+              <a:ext uri="{FF2B5EF4-FFF2-40B4-BE49-F238E27FC236}">
+                <a16:creationId xmlns:a16="http://schemas.microsoft.com/office/drawing/2014/main" id="{95EAD77D-3D6A-617D-CEDD-EFC83126714A}"/>
+              </a:ext>
+            </a:extLst>
+          </p:cNvPr>
+          <p:cNvGrpSpPr/>
+          <p:nvPr/>
+        </p:nvGrpSpPr>
+        <p:grpSpPr>
+          <a:xfrm>
+            <a:off x="4305000" y="198164"/>
+            <a:ext cx="3600000" cy="6461672"/>
+            <a:chOff x="4305000" y="198164"/>
+            <a:chExt cx="3600000" cy="6461672"/>
+          </a:xfrm>
+        </p:grpSpPr>
+        <p:sp>
+          <p:nvSpPr>
+            <p:cNvPr id="4" name="楕円 3">
+              <a:extLst>
+                <a:ext uri="{FF2B5EF4-FFF2-40B4-BE49-F238E27FC236}">
+                  <a16:creationId xmlns:a16="http://schemas.microsoft.com/office/drawing/2014/main" id="{500040C3-5A6B-B963-7864-0C51E1488304}"/>
+                </a:ext>
+              </a:extLst>
+            </p:cNvPr>
+            <p:cNvSpPr/>
+            <p:nvPr/>
+          </p:nvSpPr>
+          <p:spPr>
+            <a:xfrm>
+              <a:off x="6087000" y="5670499"/>
+              <a:ext cx="36000" cy="36000"/>
+            </a:xfrm>
+            <a:prstGeom prst="ellipse">
+              <a:avLst/>
+            </a:prstGeom>
+            <a:solidFill>
+              <a:schemeClr val="tx1"/>
+            </a:solidFill>
+            <a:ln>
+              <a:solidFill>
+                <a:schemeClr val="tx1"/>
+              </a:solidFill>
+            </a:ln>
+            <a:scene3d>
+              <a:camera prst="isometricOffAxis2Top"/>
+              <a:lightRig rig="contrasting" dir="t"/>
+            </a:scene3d>
+            <a:sp3d extrusionH="254000" contourW="19050" prstMaterial="matte">
+              <a:bevelT w="0" h="0"/>
+              <a:extrusionClr>
+                <a:schemeClr val="tx1"/>
+              </a:extrusionClr>
+              <a:contourClr>
+                <a:schemeClr val="tx1"/>
+              </a:contourClr>
+            </a:sp3d>
+          </p:spPr>
+          <p:style>
+            <a:lnRef idx="2">
+              <a:schemeClr val="accent1">
+                <a:shade val="15000"/>
+              </a:schemeClr>
+            </a:lnRef>
+            <a:fillRef idx="1">
+              <a:schemeClr val="accent1"/>
+            </a:fillRef>
+            <a:effectRef idx="0">
+              <a:schemeClr val="accent1"/>
+            </a:effectRef>
+            <a:fontRef idx="minor">
+              <a:schemeClr val="lt1"/>
+            </a:fontRef>
+          </p:style>
+          <p:txBody>
+            <a:bodyPr rtlCol="0" anchor="ctr"/>
+            <a:lstStyle/>
+            <a:p>
+              <a:pPr algn="ctr"/>
+              <a:endParaRPr kumimoji="1" lang="ja-JP" altLang="en-US" dirty="0"/>
+            </a:p>
+          </p:txBody>
+        </p:sp>
+        <p:sp>
+          <p:nvSpPr>
+            <p:cNvPr id="5" name="正方形/長方形 4">
+              <a:extLst>
+                <a:ext uri="{FF2B5EF4-FFF2-40B4-BE49-F238E27FC236}">
+                  <a16:creationId xmlns:a16="http://schemas.microsoft.com/office/drawing/2014/main" id="{190266E4-2650-A534-E186-4D1F6EAFDE5D}"/>
+                </a:ext>
+              </a:extLst>
+            </p:cNvPr>
+            <p:cNvSpPr/>
+            <p:nvPr/>
+          </p:nvSpPr>
+          <p:spPr>
+            <a:xfrm>
+              <a:off x="5835000" y="4810455"/>
+              <a:ext cx="540000" cy="540000"/>
+            </a:xfrm>
+            <a:prstGeom prst="rect">
+              <a:avLst/>
+            </a:prstGeom>
+            <a:solidFill>
+              <a:srgbClr val="C87137"/>
+            </a:solidFill>
+            <a:ln>
+              <a:solidFill>
+                <a:schemeClr val="tx1"/>
+              </a:solidFill>
+            </a:ln>
+            <a:scene3d>
+              <a:camera prst="isometricOffAxis2Top"/>
+              <a:lightRig rig="contrasting" dir="t"/>
+            </a:scene3d>
+            <a:sp3d extrusionH="317500" contourW="19050">
+              <a:extrusionClr>
+                <a:srgbClr val="C87137"/>
+              </a:extrusionClr>
+              <a:contourClr>
+                <a:schemeClr val="tx1"/>
+              </a:contourClr>
+            </a:sp3d>
+          </p:spPr>
+          <p:style>
+            <a:lnRef idx="2">
+              <a:schemeClr val="accent1">
+                <a:shade val="15000"/>
+              </a:schemeClr>
+            </a:lnRef>
+            <a:fillRef idx="1">
+              <a:schemeClr val="accent1"/>
+            </a:fillRef>
+            <a:effectRef idx="0">
+              <a:schemeClr val="accent1"/>
+            </a:effectRef>
+            <a:fontRef idx="minor">
+              <a:schemeClr val="lt1"/>
+            </a:fontRef>
+          </p:style>
+          <p:txBody>
+            <a:bodyPr rtlCol="0" anchor="ctr"/>
+            <a:lstStyle/>
+            <a:p>
+              <a:pPr algn="ctr"/>
+              <a:endParaRPr kumimoji="1" lang="ja-JP" altLang="en-US" dirty="0"/>
+            </a:p>
+          </p:txBody>
+        </p:sp>
+        <p:sp>
+          <p:nvSpPr>
+            <p:cNvPr id="6" name="楕円 5">
+              <a:extLst>
+                <a:ext uri="{FF2B5EF4-FFF2-40B4-BE49-F238E27FC236}">
+                  <a16:creationId xmlns:a16="http://schemas.microsoft.com/office/drawing/2014/main" id="{82FE63F3-E17C-7EB4-FEE3-8587766DAE86}"/>
+                </a:ext>
+              </a:extLst>
+            </p:cNvPr>
+            <p:cNvSpPr/>
+            <p:nvPr/>
+          </p:nvSpPr>
+          <p:spPr>
+            <a:xfrm>
+              <a:off x="5925000" y="5237990"/>
+              <a:ext cx="360000" cy="360000"/>
+            </a:xfrm>
+            <a:prstGeom prst="ellipse">
+              <a:avLst/>
+            </a:prstGeom>
+            <a:solidFill>
+              <a:srgbClr val="F6DF80"/>
+            </a:solidFill>
+            <a:ln>
+              <a:solidFill>
+                <a:schemeClr val="tx1"/>
+              </a:solidFill>
+            </a:ln>
+            <a:scene3d>
+              <a:camera prst="isometricOffAxis2Top"/>
+              <a:lightRig rig="contrasting" dir="t"/>
+            </a:scene3d>
+            <a:sp3d extrusionH="254000" contourW="19050" prstMaterial="matte">
+              <a:bevelT w="0" h="0"/>
+              <a:extrusionClr>
+                <a:srgbClr val="F6DF80"/>
+              </a:extrusionClr>
+              <a:contourClr>
+                <a:schemeClr val="tx1"/>
+              </a:contourClr>
+            </a:sp3d>
+          </p:spPr>
+          <p:style>
+            <a:lnRef idx="2">
+              <a:schemeClr val="accent1">
+                <a:shade val="15000"/>
+              </a:schemeClr>
+            </a:lnRef>
+            <a:fillRef idx="1">
+              <a:schemeClr val="accent1"/>
+            </a:fillRef>
+            <a:effectRef idx="0">
+              <a:schemeClr val="accent1"/>
+            </a:effectRef>
+            <a:fontRef idx="minor">
+              <a:schemeClr val="lt1"/>
+            </a:fontRef>
+          </p:style>
+          <p:txBody>
+            <a:bodyPr rtlCol="0" anchor="ctr"/>
+            <a:lstStyle/>
+            <a:p>
+              <a:pPr algn="ctr"/>
+              <a:endParaRPr kumimoji="1" lang="ja-JP" altLang="en-US" dirty="0"/>
+            </a:p>
+          </p:txBody>
+        </p:sp>
+        <p:sp>
+          <p:nvSpPr>
+            <p:cNvPr id="7" name="正方形/長方形 6">
+              <a:extLst>
+                <a:ext uri="{FF2B5EF4-FFF2-40B4-BE49-F238E27FC236}">
+                  <a16:creationId xmlns:a16="http://schemas.microsoft.com/office/drawing/2014/main" id="{A6AE8B64-0276-F85D-010A-D716C7EAF83A}"/>
+                </a:ext>
+              </a:extLst>
+            </p:cNvPr>
+            <p:cNvSpPr/>
+            <p:nvPr/>
+          </p:nvSpPr>
+          <p:spPr>
+            <a:xfrm>
+              <a:off x="4305000" y="3059836"/>
+              <a:ext cx="3600000" cy="3600000"/>
+            </a:xfrm>
+            <a:prstGeom prst="rect">
+              <a:avLst/>
+            </a:prstGeom>
+            <a:solidFill>
+              <a:srgbClr val="C87137"/>
+            </a:solidFill>
+            <a:ln>
+              <a:solidFill>
+                <a:schemeClr val="tx1"/>
+              </a:solidFill>
+            </a:ln>
+            <a:scene3d>
+              <a:camera prst="isometricOffAxis2Top"/>
+              <a:lightRig rig="contrasting" dir="t"/>
+            </a:scene3d>
+            <a:sp3d extrusionH="317500" contourW="19050">
+              <a:extrusionClr>
+                <a:srgbClr val="C87137"/>
+              </a:extrusionClr>
+              <a:contourClr>
+                <a:schemeClr val="tx1"/>
+              </a:contourClr>
+            </a:sp3d>
+          </p:spPr>
+          <p:style>
+            <a:lnRef idx="2">
+              <a:schemeClr val="accent1">
+                <a:shade val="15000"/>
+              </a:schemeClr>
+            </a:lnRef>
+            <a:fillRef idx="1">
+              <a:schemeClr val="accent1"/>
+            </a:fillRef>
+            <a:effectRef idx="0">
+              <a:schemeClr val="accent1"/>
+            </a:effectRef>
+            <a:fontRef idx="minor">
+              <a:schemeClr val="lt1"/>
+            </a:fontRef>
+          </p:style>
+          <p:txBody>
+            <a:bodyPr rtlCol="0" anchor="ctr"/>
+            <a:lstStyle/>
+            <a:p>
+              <a:pPr algn="ctr"/>
+              <a:endParaRPr kumimoji="1" lang="ja-JP" altLang="en-US" dirty="0"/>
+            </a:p>
+          </p:txBody>
+        </p:sp>
+        <p:sp>
+          <p:nvSpPr>
+            <p:cNvPr id="8" name="楕円 7">
+              <a:extLst>
+                <a:ext uri="{FF2B5EF4-FFF2-40B4-BE49-F238E27FC236}">
+                  <a16:creationId xmlns:a16="http://schemas.microsoft.com/office/drawing/2014/main" id="{EA5C879B-B572-41CA-EA3F-646CAF39F268}"/>
+                </a:ext>
+              </a:extLst>
+            </p:cNvPr>
+            <p:cNvSpPr/>
+            <p:nvPr/>
+          </p:nvSpPr>
+          <p:spPr>
+            <a:xfrm>
+              <a:off x="5025000" y="3675550"/>
+              <a:ext cx="2160000" cy="2160000"/>
+            </a:xfrm>
+            <a:prstGeom prst="ellipse">
+              <a:avLst/>
+            </a:prstGeom>
+            <a:solidFill>
+              <a:srgbClr val="AA8800"/>
+            </a:solidFill>
+            <a:ln>
+              <a:solidFill>
+                <a:schemeClr val="tx1"/>
+              </a:solidFill>
+            </a:ln>
+            <a:scene3d>
+              <a:camera prst="isometricOffAxis2Top"/>
+              <a:lightRig rig="contrasting" dir="t"/>
+            </a:scene3d>
+            <a:sp3d extrusionH="127000" contourW="19050" prstMaterial="matte">
+              <a:bevelT w="0" h="0"/>
+              <a:extrusionClr>
+                <a:srgbClr val="AA8800"/>
+              </a:extrusionClr>
+              <a:contourClr>
+                <a:schemeClr val="tx1"/>
+              </a:contourClr>
+            </a:sp3d>
+          </p:spPr>
+          <p:style>
+            <a:lnRef idx="2">
+              <a:schemeClr val="accent1">
+                <a:shade val="15000"/>
+              </a:schemeClr>
+            </a:lnRef>
+            <a:fillRef idx="1">
+              <a:schemeClr val="accent1"/>
+            </a:fillRef>
+            <a:effectRef idx="0">
+              <a:schemeClr val="accent1"/>
+            </a:effectRef>
+            <a:fontRef idx="minor">
+              <a:schemeClr val="lt1"/>
+            </a:fontRef>
+          </p:style>
+          <p:txBody>
+            <a:bodyPr rtlCol="0" anchor="ctr"/>
+            <a:lstStyle/>
+            <a:p>
+              <a:pPr algn="ctr"/>
+              <a:endParaRPr kumimoji="1" lang="ja-JP" altLang="en-US" dirty="0"/>
+            </a:p>
+          </p:txBody>
+        </p:sp>
+        <p:sp>
+          <p:nvSpPr>
+            <p:cNvPr id="15" name="円: 塗りつぶしなし 14">
+              <a:extLst>
+                <a:ext uri="{FF2B5EF4-FFF2-40B4-BE49-F238E27FC236}">
+                  <a16:creationId xmlns:a16="http://schemas.microsoft.com/office/drawing/2014/main" id="{522AA38F-8811-5A64-5865-DC36E3ABC532}"/>
+                </a:ext>
+              </a:extLst>
+            </p:cNvPr>
+            <p:cNvSpPr/>
+            <p:nvPr/>
+          </p:nvSpPr>
+          <p:spPr>
+            <a:xfrm>
+              <a:off x="4485000" y="3059836"/>
+              <a:ext cx="3240000" cy="3240000"/>
+            </a:xfrm>
+            <a:prstGeom prst="donut">
+              <a:avLst>
+                <a:gd name="adj" fmla="val 14808"/>
+              </a:avLst>
+            </a:prstGeom>
+            <a:solidFill>
+              <a:schemeClr val="bg1"/>
+            </a:solidFill>
+            <a:ln>
+              <a:solidFill>
+                <a:schemeClr val="tx1"/>
+              </a:solidFill>
+            </a:ln>
+            <a:scene3d>
+              <a:camera prst="isometricOffAxis2Top"/>
+              <a:lightRig rig="contrasting" dir="t"/>
+            </a:scene3d>
+            <a:sp3d extrusionH="190500" contourW="19050">
+              <a:extrusionClr>
+                <a:schemeClr val="bg1"/>
+              </a:extrusionClr>
+            </a:sp3d>
+          </p:spPr>
+          <p:style>
+            <a:lnRef idx="2">
+              <a:schemeClr val="accent1">
+                <a:shade val="15000"/>
+              </a:schemeClr>
+            </a:lnRef>
+            <a:fillRef idx="1">
+              <a:schemeClr val="accent1"/>
+            </a:fillRef>
+            <a:effectRef idx="0">
+              <a:schemeClr val="accent1"/>
+            </a:effectRef>
+            <a:fontRef idx="minor">
+              <a:schemeClr val="lt1"/>
+            </a:fontRef>
+          </p:style>
+          <p:txBody>
+            <a:bodyPr rtlCol="0" anchor="ctr"/>
+            <a:lstStyle/>
+            <a:p>
+              <a:pPr algn="ctr"/>
+              <a:endParaRPr kumimoji="1" lang="ja-JP" altLang="en-US">
+                <a:solidFill>
+                  <a:schemeClr val="tx1"/>
+                </a:solidFill>
+              </a:endParaRPr>
+            </a:p>
+          </p:txBody>
+        </p:sp>
+        <p:sp>
+          <p:nvSpPr>
+            <p:cNvPr id="16" name="円: 塗りつぶしなし 15">
+              <a:extLst>
+                <a:ext uri="{FF2B5EF4-FFF2-40B4-BE49-F238E27FC236}">
+                  <a16:creationId xmlns:a16="http://schemas.microsoft.com/office/drawing/2014/main" id="{FA3E40FD-F3DE-BA8B-7EC0-C46FFA423D56}"/>
+                </a:ext>
+              </a:extLst>
+            </p:cNvPr>
+            <p:cNvSpPr/>
+            <p:nvPr/>
+          </p:nvSpPr>
+          <p:spPr>
+            <a:xfrm>
+              <a:off x="5115000" y="3675550"/>
+              <a:ext cx="1980000" cy="1980000"/>
+            </a:xfrm>
+            <a:prstGeom prst="donut">
+              <a:avLst>
+                <a:gd name="adj" fmla="val 20322"/>
+              </a:avLst>
+            </a:prstGeom>
+            <a:solidFill>
+              <a:schemeClr val="bg1"/>
+            </a:solidFill>
+            <a:ln>
+              <a:solidFill>
+                <a:schemeClr val="tx1"/>
+              </a:solidFill>
+            </a:ln>
+            <a:scene3d>
+              <a:camera prst="isometricOffAxis2Top"/>
+              <a:lightRig rig="contrasting" dir="t"/>
+            </a:scene3d>
+            <a:sp3d extrusionH="76200" contourW="19050">
+              <a:extrusionClr>
+                <a:schemeClr val="bg1"/>
+              </a:extrusionClr>
+            </a:sp3d>
+          </p:spPr>
+          <p:style>
+            <a:lnRef idx="2">
+              <a:schemeClr val="accent1">
+                <a:shade val="15000"/>
+              </a:schemeClr>
+            </a:lnRef>
+            <a:fillRef idx="1">
+              <a:schemeClr val="accent1"/>
+            </a:fillRef>
+            <a:effectRef idx="0">
+              <a:schemeClr val="accent1"/>
+            </a:effectRef>
+            <a:fontRef idx="minor">
+              <a:schemeClr val="lt1"/>
+            </a:fontRef>
+          </p:style>
+          <p:txBody>
+            <a:bodyPr rtlCol="0" anchor="ctr"/>
+            <a:lstStyle/>
+            <a:p>
+              <a:pPr algn="ctr"/>
+              <a:endParaRPr kumimoji="1" lang="ja-JP" altLang="en-US" dirty="0">
+                <a:solidFill>
+                  <a:schemeClr val="tx1"/>
+                </a:solidFill>
+              </a:endParaRPr>
+            </a:p>
+          </p:txBody>
+        </p:sp>
+        <p:sp>
+          <p:nvSpPr>
+            <p:cNvPr id="9" name="楕円 8">
+              <a:extLst>
+                <a:ext uri="{FF2B5EF4-FFF2-40B4-BE49-F238E27FC236}">
+                  <a16:creationId xmlns:a16="http://schemas.microsoft.com/office/drawing/2014/main" id="{FC0DBF36-93B8-C24A-E158-4286A4AF8649}"/>
+                </a:ext>
+              </a:extLst>
+            </p:cNvPr>
+            <p:cNvSpPr/>
+            <p:nvPr/>
+          </p:nvSpPr>
+          <p:spPr>
+            <a:xfrm>
+              <a:off x="5565000" y="4100076"/>
+              <a:ext cx="1080000" cy="1080000"/>
+            </a:xfrm>
+            <a:prstGeom prst="ellipse">
+              <a:avLst/>
+            </a:prstGeom>
+            <a:solidFill>
+              <a:srgbClr val="FF6600"/>
+            </a:solidFill>
+            <a:ln>
+              <a:solidFill>
+                <a:schemeClr val="tx1"/>
+              </a:solidFill>
+            </a:ln>
+            <a:scene3d>
+              <a:camera prst="isometricOffAxis2Top"/>
+              <a:lightRig rig="contrasting" dir="t"/>
+            </a:scene3d>
+            <a:sp3d extrusionH="63500" contourW="19050" prstMaterial="matte">
+              <a:bevelT w="0" h="0"/>
+              <a:extrusionClr>
+                <a:srgbClr val="FF6600"/>
+              </a:extrusionClr>
+              <a:contourClr>
+                <a:schemeClr val="tx1"/>
+              </a:contourClr>
+            </a:sp3d>
+          </p:spPr>
+          <p:style>
+            <a:lnRef idx="2">
+              <a:schemeClr val="accent1">
+                <a:shade val="15000"/>
+              </a:schemeClr>
+            </a:lnRef>
+            <a:fillRef idx="1">
+              <a:schemeClr val="accent1"/>
+            </a:fillRef>
+            <a:effectRef idx="0">
+              <a:schemeClr val="accent1"/>
+            </a:effectRef>
+            <a:fontRef idx="minor">
+              <a:schemeClr val="lt1"/>
+            </a:fontRef>
+          </p:style>
+          <p:txBody>
+            <a:bodyPr rtlCol="0" anchor="ctr"/>
+            <a:lstStyle/>
+            <a:p>
+              <a:pPr algn="ctr"/>
+              <a:endParaRPr kumimoji="1" lang="ja-JP" altLang="en-US" dirty="0"/>
+            </a:p>
+          </p:txBody>
+        </p:sp>
+        <p:sp>
+          <p:nvSpPr>
+            <p:cNvPr id="10" name="楕円 9">
+              <a:extLst>
+                <a:ext uri="{FF2B5EF4-FFF2-40B4-BE49-F238E27FC236}">
+                  <a16:creationId xmlns:a16="http://schemas.microsoft.com/office/drawing/2014/main" id="{7E892FFE-48AA-E697-D8E1-B447BF9377C5}"/>
+                </a:ext>
+              </a:extLst>
+            </p:cNvPr>
+            <p:cNvSpPr/>
+            <p:nvPr/>
+          </p:nvSpPr>
+          <p:spPr>
+            <a:xfrm>
+              <a:off x="5025000" y="1936857"/>
+              <a:ext cx="2160000" cy="2160000"/>
+            </a:xfrm>
+            <a:prstGeom prst="ellipse">
+              <a:avLst/>
+            </a:prstGeom>
+            <a:solidFill>
+              <a:srgbClr val="AA8800"/>
+            </a:solidFill>
+            <a:ln>
+              <a:solidFill>
+                <a:schemeClr val="tx1"/>
+              </a:solidFill>
+            </a:ln>
+            <a:scene3d>
+              <a:camera prst="isometricOffAxis2Top"/>
+              <a:lightRig rig="contrasting" dir="t"/>
+            </a:scene3d>
+            <a:sp3d extrusionH="127000" contourW="19050" prstMaterial="matte">
+              <a:bevelT w="0" h="0"/>
+              <a:extrusionClr>
+                <a:srgbClr val="AA8800"/>
+              </a:extrusionClr>
+              <a:contourClr>
+                <a:schemeClr val="tx1"/>
+              </a:contourClr>
+            </a:sp3d>
+          </p:spPr>
+          <p:style>
+            <a:lnRef idx="2">
+              <a:schemeClr val="accent1">
+                <a:shade val="15000"/>
+              </a:schemeClr>
+            </a:lnRef>
+            <a:fillRef idx="1">
+              <a:schemeClr val="accent1"/>
+            </a:fillRef>
+            <a:effectRef idx="0">
+              <a:schemeClr val="accent1"/>
+            </a:effectRef>
+            <a:fontRef idx="minor">
+              <a:schemeClr val="lt1"/>
+            </a:fontRef>
+          </p:style>
+          <p:txBody>
+            <a:bodyPr rtlCol="0" anchor="ctr"/>
+            <a:lstStyle/>
+            <a:p>
+              <a:pPr algn="ctr"/>
+              <a:endParaRPr kumimoji="1" lang="ja-JP" altLang="en-US" dirty="0"/>
+            </a:p>
+          </p:txBody>
+        </p:sp>
+        <p:sp>
+          <p:nvSpPr>
+            <p:cNvPr id="11" name="正方形/長方形 10">
+              <a:extLst>
+                <a:ext uri="{FF2B5EF4-FFF2-40B4-BE49-F238E27FC236}">
+                  <a16:creationId xmlns:a16="http://schemas.microsoft.com/office/drawing/2014/main" id="{C250061B-CC8F-BB33-F69D-A05D3D49710A}"/>
+                </a:ext>
+              </a:extLst>
+            </p:cNvPr>
+            <p:cNvSpPr/>
+            <p:nvPr/>
+          </p:nvSpPr>
+          <p:spPr>
+            <a:xfrm>
+              <a:off x="4305000" y="198164"/>
+              <a:ext cx="3600000" cy="3600000"/>
+            </a:xfrm>
+            <a:prstGeom prst="rect">
+              <a:avLst/>
+            </a:prstGeom>
+            <a:solidFill>
+              <a:srgbClr val="C87137"/>
+            </a:solidFill>
+            <a:ln>
+              <a:solidFill>
+                <a:schemeClr val="tx1"/>
+              </a:solidFill>
+            </a:ln>
+            <a:scene3d>
+              <a:camera prst="isometricOffAxis2Top"/>
+              <a:lightRig rig="contrasting" dir="t"/>
+            </a:scene3d>
+            <a:sp3d extrusionH="317500" contourW="19050">
+              <a:extrusionClr>
+                <a:srgbClr val="C87137"/>
+              </a:extrusionClr>
+              <a:contourClr>
+                <a:schemeClr val="tx1"/>
+              </a:contourClr>
+            </a:sp3d>
+          </p:spPr>
+          <p:style>
+            <a:lnRef idx="2">
+              <a:schemeClr val="accent1">
+                <a:shade val="15000"/>
+              </a:schemeClr>
+            </a:lnRef>
+            <a:fillRef idx="1">
+              <a:schemeClr val="accent1"/>
+            </a:fillRef>
+            <a:effectRef idx="0">
+              <a:schemeClr val="accent1"/>
+            </a:effectRef>
+            <a:fontRef idx="minor">
+              <a:schemeClr val="lt1"/>
+            </a:fontRef>
+          </p:style>
+          <p:txBody>
+            <a:bodyPr rtlCol="0" anchor="ctr"/>
+            <a:lstStyle/>
+            <a:p>
+              <a:pPr algn="ctr"/>
+              <a:endParaRPr kumimoji="1" lang="ja-JP" altLang="en-US" dirty="0"/>
+            </a:p>
+          </p:txBody>
+        </p:sp>
+        <p:sp>
+          <p:nvSpPr>
+            <p:cNvPr id="12" name="正方形/長方形 11">
+              <a:extLst>
+                <a:ext uri="{FF2B5EF4-FFF2-40B4-BE49-F238E27FC236}">
+                  <a16:creationId xmlns:a16="http://schemas.microsoft.com/office/drawing/2014/main" id="{B1DB126F-61D7-F65D-7C09-75E162066271}"/>
+                </a:ext>
+              </a:extLst>
+            </p:cNvPr>
+            <p:cNvSpPr/>
+            <p:nvPr/>
+          </p:nvSpPr>
+          <p:spPr>
+            <a:xfrm>
+              <a:off x="5835000" y="1396857"/>
+              <a:ext cx="540000" cy="540000"/>
+            </a:xfrm>
+            <a:prstGeom prst="rect">
+              <a:avLst/>
+            </a:prstGeom>
+            <a:solidFill>
+              <a:srgbClr val="C87137"/>
+            </a:solidFill>
+            <a:ln>
+              <a:solidFill>
+                <a:schemeClr val="tx1"/>
+              </a:solidFill>
+            </a:ln>
+            <a:scene3d>
+              <a:camera prst="isometricOffAxis2Top"/>
+              <a:lightRig rig="contrasting" dir="t"/>
+            </a:scene3d>
+            <a:sp3d extrusionH="317500" contourW="19050">
+              <a:extrusionClr>
+                <a:srgbClr val="C87137"/>
+              </a:extrusionClr>
+              <a:contourClr>
+                <a:schemeClr val="tx1"/>
+              </a:contourClr>
+            </a:sp3d>
+          </p:spPr>
+          <p:style>
+            <a:lnRef idx="2">
+              <a:schemeClr val="accent1">
+                <a:shade val="15000"/>
+              </a:schemeClr>
+            </a:lnRef>
+            <a:fillRef idx="1">
+              <a:schemeClr val="accent1"/>
+            </a:fillRef>
+            <a:effectRef idx="0">
+              <a:schemeClr val="accent1"/>
+            </a:effectRef>
+            <a:fontRef idx="minor">
+              <a:schemeClr val="lt1"/>
+            </a:fontRef>
+          </p:style>
+          <p:txBody>
+            <a:bodyPr rtlCol="0" anchor="ctr"/>
+            <a:lstStyle/>
+            <a:p>
+              <a:pPr algn="ctr"/>
+              <a:endParaRPr kumimoji="1" lang="ja-JP" altLang="en-US" dirty="0"/>
+            </a:p>
+          </p:txBody>
+        </p:sp>
+        <p:sp>
+          <p:nvSpPr>
+            <p:cNvPr id="13" name="楕円 12">
+              <a:extLst>
+                <a:ext uri="{FF2B5EF4-FFF2-40B4-BE49-F238E27FC236}">
+                  <a16:creationId xmlns:a16="http://schemas.microsoft.com/office/drawing/2014/main" id="{2D76B5E3-6041-4EAE-C753-0FA369ABB12D}"/>
+                </a:ext>
+              </a:extLst>
+            </p:cNvPr>
+            <p:cNvSpPr/>
+            <p:nvPr/>
+          </p:nvSpPr>
+          <p:spPr>
+            <a:xfrm>
+              <a:off x="5925000" y="1231877"/>
+              <a:ext cx="360000" cy="360000"/>
+            </a:xfrm>
+            <a:prstGeom prst="ellipse">
+              <a:avLst/>
+            </a:prstGeom>
+            <a:solidFill>
+              <a:srgbClr val="F6DF80"/>
+            </a:solidFill>
+            <a:ln>
+              <a:solidFill>
+                <a:schemeClr val="tx1"/>
+              </a:solidFill>
+            </a:ln>
+            <a:scene3d>
+              <a:camera prst="isometricOffAxis2Top"/>
+              <a:lightRig rig="contrasting" dir="t"/>
+            </a:scene3d>
+            <a:sp3d extrusionH="254000" contourW="19050" prstMaterial="matte">
+              <a:bevelT w="0" h="0"/>
+              <a:extrusionClr>
+                <a:srgbClr val="F6DF80"/>
+              </a:extrusionClr>
+              <a:contourClr>
+                <a:schemeClr val="tx1"/>
+              </a:contourClr>
+            </a:sp3d>
+          </p:spPr>
+          <p:style>
+            <a:lnRef idx="2">
+              <a:schemeClr val="accent1">
+                <a:shade val="15000"/>
+              </a:schemeClr>
+            </a:lnRef>
+            <a:fillRef idx="1">
+              <a:schemeClr val="accent1"/>
+            </a:fillRef>
+            <a:effectRef idx="0">
+              <a:schemeClr val="accent1"/>
+            </a:effectRef>
+            <a:fontRef idx="minor">
+              <a:schemeClr val="lt1"/>
+            </a:fontRef>
+          </p:style>
+          <p:txBody>
+            <a:bodyPr rtlCol="0" anchor="ctr"/>
+            <a:lstStyle/>
+            <a:p>
+              <a:pPr algn="ctr"/>
+              <a:endParaRPr kumimoji="1" lang="ja-JP" altLang="en-US" dirty="0"/>
+            </a:p>
+          </p:txBody>
+        </p:sp>
+        <p:sp>
+          <p:nvSpPr>
+            <p:cNvPr id="14" name="楕円 13">
+              <a:extLst>
+                <a:ext uri="{FF2B5EF4-FFF2-40B4-BE49-F238E27FC236}">
+                  <a16:creationId xmlns:a16="http://schemas.microsoft.com/office/drawing/2014/main" id="{0B21B218-DE77-E172-1A92-72D26A3AEB2F}"/>
+                </a:ext>
+              </a:extLst>
+            </p:cNvPr>
+            <p:cNvSpPr/>
+            <p:nvPr/>
+          </p:nvSpPr>
+          <p:spPr>
+            <a:xfrm>
+              <a:off x="6087000" y="1112393"/>
+              <a:ext cx="36000" cy="36000"/>
+            </a:xfrm>
+            <a:prstGeom prst="ellipse">
+              <a:avLst/>
+            </a:prstGeom>
+            <a:solidFill>
+              <a:schemeClr val="tx1"/>
+            </a:solidFill>
+            <a:ln>
+              <a:solidFill>
+                <a:schemeClr val="tx1"/>
+              </a:solidFill>
+            </a:ln>
+            <a:scene3d>
+              <a:camera prst="isometricOffAxis2Top"/>
+              <a:lightRig rig="contrasting" dir="t"/>
+            </a:scene3d>
+            <a:sp3d extrusionH="254000" contourW="19050" prstMaterial="matte">
+              <a:bevelT w="0" h="0"/>
+              <a:extrusionClr>
+                <a:schemeClr val="tx1"/>
+              </a:extrusionClr>
+              <a:contourClr>
+                <a:schemeClr val="tx1"/>
+              </a:contourClr>
+            </a:sp3d>
+          </p:spPr>
+          <p:style>
+            <a:lnRef idx="2">
+              <a:schemeClr val="accent1">
+                <a:shade val="15000"/>
+              </a:schemeClr>
+            </a:lnRef>
+            <a:fillRef idx="1">
+              <a:schemeClr val="accent1"/>
+            </a:fillRef>
+            <a:effectRef idx="0">
+              <a:schemeClr val="accent1"/>
+            </a:effectRef>
+            <a:fontRef idx="minor">
+              <a:schemeClr val="lt1"/>
+            </a:fontRef>
+          </p:style>
+          <p:txBody>
+            <a:bodyPr rtlCol="0" anchor="ctr"/>
+            <a:lstStyle/>
+            <a:p>
+              <a:pPr algn="ctr"/>
+              <a:endParaRPr kumimoji="1" lang="ja-JP" altLang="en-US" dirty="0"/>
+            </a:p>
+          </p:txBody>
+        </p:sp>
+      </p:grpSp>
+    </p:spTree>
+    <p:extLst>
+      <p:ext uri="{BB962C8B-B14F-4D97-AF65-F5344CB8AC3E}">
+        <p14:creationId xmlns:p14="http://schemas.microsoft.com/office/powerpoint/2010/main" val="3743897327"/>
+      </p:ext>
+    </p:extLst>
+  </p:cSld>
+  <p:clrMapOvr>
+    <a:masterClrMapping/>
+  </p:clrMapOvr>
+</p:sld>
+</file>
+
+<file path=ppt/slides/slide4.xml><?xml version="1.0" encoding="utf-8"?>
+<p:sld xmlns:a="http://schemas.openxmlformats.org/drawingml/2006/main" xmlns:r="http://schemas.openxmlformats.org/officeDocument/2006/relationships" xmlns:p="http://schemas.openxmlformats.org/presentationml/2006/main">
+  <p:cSld>
+    <p:spTree>
+      <p:nvGrpSpPr>
+        <p:cNvPr id="1" name="">
+          <a:extLst>
+            <a:ext uri="{FF2B5EF4-FFF2-40B4-BE49-F238E27FC236}">
+              <a16:creationId xmlns:a16="http://schemas.microsoft.com/office/drawing/2014/main" id="{2EC366F3-C85E-C712-3A4C-73E571E340DF}"/>
+            </a:ext>
+          </a:extLst>
+        </p:cNvPr>
+        <p:cNvGrpSpPr/>
+        <p:nvPr/>
+      </p:nvGrpSpPr>
+      <p:grpSpPr>
+        <a:xfrm>
+          <a:off x="0" y="0"/>
+          <a:ext cx="0" cy="0"/>
+          <a:chOff x="0" y="0"/>
+          <a:chExt cx="0" cy="0"/>
+        </a:xfrm>
+      </p:grpSpPr>
+      <p:sp>
+        <p:nvSpPr>
+          <p:cNvPr id="20" name="正方形/長方形 19">
+            <a:extLst>
+              <a:ext uri="{FF2B5EF4-FFF2-40B4-BE49-F238E27FC236}">
+                <a16:creationId xmlns:a16="http://schemas.microsoft.com/office/drawing/2014/main" id="{04483A68-3283-1C21-0FFD-0FC7ECFC2F24}"/>
+              </a:ext>
+            </a:extLst>
+          </p:cNvPr>
+          <p:cNvSpPr/>
+          <p:nvPr/>
+        </p:nvSpPr>
+        <p:spPr>
+          <a:xfrm>
+            <a:off x="6915000" y="4588009"/>
+            <a:ext cx="2160000" cy="1800000"/>
+          </a:xfrm>
+          <a:prstGeom prst="rect">
+            <a:avLst/>
+          </a:prstGeom>
+          <a:solidFill>
+            <a:srgbClr val="002060"/>
+          </a:solidFill>
+          <a:ln>
+            <a:noFill/>
+          </a:ln>
+          <a:scene3d>
+            <a:camera prst="isometricOffAxis2Top"/>
+            <a:lightRig rig="contrasting" dir="t"/>
+          </a:scene3d>
+          <a:sp3d extrusionH="254000" contourW="19050"/>
+        </p:spPr>
+        <p:style>
+          <a:lnRef idx="2">
+            <a:schemeClr val="accent1">
+              <a:shade val="15000"/>
+            </a:schemeClr>
+          </a:lnRef>
+          <a:fillRef idx="1">
+            <a:schemeClr val="accent1"/>
+          </a:fillRef>
+          <a:effectRef idx="0">
+            <a:schemeClr val="accent1"/>
+          </a:effectRef>
+          <a:fontRef idx="minor">
+            <a:schemeClr val="lt1"/>
+          </a:fontRef>
+        </p:style>
+        <p:txBody>
+          <a:bodyPr rtlCol="0" anchor="ctr"/>
+          <a:lstStyle/>
+          <a:p>
+            <a:pPr algn="ctr"/>
+            <a:endParaRPr kumimoji="1" lang="ja-JP" altLang="en-US"/>
+          </a:p>
+        </p:txBody>
+      </p:sp>
+      <p:sp>
+        <p:nvSpPr>
+          <p:cNvPr id="4" name="楕円 3">
+            <a:extLst>
+              <a:ext uri="{FF2B5EF4-FFF2-40B4-BE49-F238E27FC236}">
+                <a16:creationId xmlns:a16="http://schemas.microsoft.com/office/drawing/2014/main" id="{6DE23B00-EDCC-1DA3-A56E-B5F4F938DBF7}"/>
+              </a:ext>
+            </a:extLst>
+          </p:cNvPr>
+          <p:cNvSpPr/>
+          <p:nvPr/>
+        </p:nvSpPr>
+        <p:spPr>
+          <a:xfrm>
+            <a:off x="6087000" y="5670499"/>
+            <a:ext cx="36000" cy="36000"/>
+          </a:xfrm>
+          <a:prstGeom prst="ellipse">
+            <a:avLst/>
+          </a:prstGeom>
+          <a:solidFill>
+            <a:schemeClr val="tx1"/>
+          </a:solidFill>
+          <a:ln>
+            <a:noFill/>
+          </a:ln>
+          <a:scene3d>
+            <a:camera prst="isometricOffAxis2Top"/>
+            <a:lightRig rig="contrasting" dir="t"/>
+          </a:scene3d>
+          <a:sp3d extrusionH="254000" contourW="19050" prstMaterial="matte">
+            <a:bevelT w="0" h="0"/>
+            <a:extrusionClr>
+              <a:schemeClr val="tx1"/>
+            </a:extrusionClr>
+            <a:contourClr>
+              <a:schemeClr val="tx1"/>
+            </a:contourClr>
+          </a:sp3d>
+        </p:spPr>
+        <p:style>
+          <a:lnRef idx="2">
+            <a:schemeClr val="accent1">
+              <a:shade val="15000"/>
+            </a:schemeClr>
+          </a:lnRef>
+          <a:fillRef idx="1">
+            <a:schemeClr val="accent1"/>
+          </a:fillRef>
+          <a:effectRef idx="0">
+            <a:schemeClr val="accent1"/>
+          </a:effectRef>
+          <a:fontRef idx="minor">
+            <a:schemeClr val="lt1"/>
+          </a:fontRef>
+        </p:style>
+        <p:txBody>
+          <a:bodyPr rtlCol="0" anchor="ctr"/>
+          <a:lstStyle/>
+          <a:p>
+            <a:pPr algn="ctr"/>
+            <a:endParaRPr kumimoji="1" lang="ja-JP" altLang="en-US" dirty="0"/>
+          </a:p>
+        </p:txBody>
+      </p:sp>
+      <p:sp>
+        <p:nvSpPr>
+          <p:cNvPr id="5" name="正方形/長方形 4">
+            <a:extLst>
+              <a:ext uri="{FF2B5EF4-FFF2-40B4-BE49-F238E27FC236}">
+                <a16:creationId xmlns:a16="http://schemas.microsoft.com/office/drawing/2014/main" id="{E5627201-1942-0686-18E1-058F16B58634}"/>
+              </a:ext>
+            </a:extLst>
+          </p:cNvPr>
+          <p:cNvSpPr/>
+          <p:nvPr/>
+        </p:nvSpPr>
+        <p:spPr>
+          <a:xfrm>
+            <a:off x="5835000" y="4810455"/>
+            <a:ext cx="540000" cy="540000"/>
+          </a:xfrm>
+          <a:prstGeom prst="rect">
+            <a:avLst/>
+          </a:prstGeom>
+          <a:solidFill>
+            <a:srgbClr val="C87137"/>
+          </a:solidFill>
+          <a:ln>
+            <a:noFill/>
+          </a:ln>
+          <a:scene3d>
+            <a:camera prst="isometricOffAxis2Top"/>
+            <a:lightRig rig="contrasting" dir="t"/>
+          </a:scene3d>
+          <a:sp3d extrusionH="317500" contourW="19050">
+            <a:extrusionClr>
+              <a:srgbClr val="C87137"/>
+            </a:extrusionClr>
+            <a:contourClr>
+              <a:schemeClr val="tx1"/>
+            </a:contourClr>
+          </a:sp3d>
+        </p:spPr>
+        <p:style>
+          <a:lnRef idx="2">
+            <a:schemeClr val="accent1">
+              <a:shade val="15000"/>
+            </a:schemeClr>
+          </a:lnRef>
+          <a:fillRef idx="1">
+            <a:schemeClr val="accent1"/>
+          </a:fillRef>
+          <a:effectRef idx="0">
+            <a:schemeClr val="accent1"/>
+          </a:effectRef>
+          <a:fontRef idx="minor">
+            <a:schemeClr val="lt1"/>
+          </a:fontRef>
+        </p:style>
+        <p:txBody>
+          <a:bodyPr rtlCol="0" anchor="ctr"/>
+          <a:lstStyle/>
+          <a:p>
+            <a:pPr algn="ctr"/>
+            <a:endParaRPr kumimoji="1" lang="ja-JP" altLang="en-US" dirty="0"/>
+          </a:p>
+        </p:txBody>
+      </p:sp>
+      <p:sp>
+        <p:nvSpPr>
+          <p:cNvPr id="6" name="楕円 5">
+            <a:extLst>
+              <a:ext uri="{FF2B5EF4-FFF2-40B4-BE49-F238E27FC236}">
+                <a16:creationId xmlns:a16="http://schemas.microsoft.com/office/drawing/2014/main" id="{5E6A773D-B71C-D7D0-FB6F-DA106B362FAC}"/>
+              </a:ext>
+            </a:extLst>
+          </p:cNvPr>
+          <p:cNvSpPr/>
+          <p:nvPr/>
+        </p:nvSpPr>
+        <p:spPr>
+          <a:xfrm>
+            <a:off x="5925000" y="5237990"/>
+            <a:ext cx="360000" cy="360000"/>
+          </a:xfrm>
+          <a:prstGeom prst="ellipse">
+            <a:avLst/>
+          </a:prstGeom>
+          <a:solidFill>
+            <a:srgbClr val="F6DF80"/>
+          </a:solidFill>
+          <a:ln>
+            <a:noFill/>
+          </a:ln>
+          <a:scene3d>
+            <a:camera prst="isometricOffAxis2Top"/>
+            <a:lightRig rig="contrasting" dir="t"/>
+          </a:scene3d>
+          <a:sp3d extrusionH="254000" contourW="19050" prstMaterial="matte">
+            <a:bevelT w="0" h="0"/>
+            <a:extrusionClr>
+              <a:srgbClr val="F6DF80"/>
+            </a:extrusionClr>
+            <a:contourClr>
+              <a:schemeClr val="tx1"/>
+            </a:contourClr>
+          </a:sp3d>
+        </p:spPr>
+        <p:style>
+          <a:lnRef idx="2">
+            <a:schemeClr val="accent1">
+              <a:shade val="15000"/>
+            </a:schemeClr>
+          </a:lnRef>
+          <a:fillRef idx="1">
+            <a:schemeClr val="accent1"/>
+          </a:fillRef>
+          <a:effectRef idx="0">
+            <a:schemeClr val="accent1"/>
+          </a:effectRef>
+          <a:fontRef idx="minor">
+            <a:schemeClr val="lt1"/>
+          </a:fontRef>
+        </p:style>
+        <p:txBody>
+          <a:bodyPr rtlCol="0" anchor="ctr"/>
+          <a:lstStyle/>
+          <a:p>
+            <a:pPr algn="ctr"/>
+            <a:endParaRPr kumimoji="1" lang="ja-JP" altLang="en-US" dirty="0"/>
+          </a:p>
+        </p:txBody>
+      </p:sp>
+      <p:sp>
+        <p:nvSpPr>
+          <p:cNvPr id="7" name="正方形/長方形 6">
+            <a:extLst>
+              <a:ext uri="{FF2B5EF4-FFF2-40B4-BE49-F238E27FC236}">
+                <a16:creationId xmlns:a16="http://schemas.microsoft.com/office/drawing/2014/main" id="{BA26F85D-8F9B-4ABC-4B64-6B82769D3B2C}"/>
+              </a:ext>
+            </a:extLst>
+          </p:cNvPr>
+          <p:cNvSpPr/>
+          <p:nvPr/>
+        </p:nvSpPr>
+        <p:spPr>
+          <a:xfrm>
+            <a:off x="4305000" y="3059836"/>
+            <a:ext cx="3600000" cy="3600000"/>
+          </a:xfrm>
+          <a:prstGeom prst="rect">
+            <a:avLst/>
+          </a:prstGeom>
+          <a:solidFill>
+            <a:srgbClr val="C87137"/>
+          </a:solidFill>
+          <a:ln>
+            <a:noFill/>
+          </a:ln>
+          <a:scene3d>
+            <a:camera prst="isometricOffAxis2Top"/>
+            <a:lightRig rig="contrasting" dir="t"/>
+          </a:scene3d>
+          <a:sp3d extrusionH="317500" contourW="19050">
+            <a:extrusionClr>
+              <a:srgbClr val="C87137"/>
+            </a:extrusionClr>
+            <a:contourClr>
+              <a:schemeClr val="tx1"/>
+            </a:contourClr>
+          </a:sp3d>
+        </p:spPr>
+        <p:style>
+          <a:lnRef idx="2">
+            <a:schemeClr val="accent1">
+              <a:shade val="15000"/>
+            </a:schemeClr>
+          </a:lnRef>
+          <a:fillRef idx="1">
+            <a:schemeClr val="accent1"/>
+          </a:fillRef>
+          <a:effectRef idx="0">
+            <a:schemeClr val="accent1"/>
+          </a:effectRef>
+          <a:fontRef idx="minor">
+            <a:schemeClr val="lt1"/>
+          </a:fontRef>
+        </p:style>
+        <p:txBody>
+          <a:bodyPr rtlCol="0" anchor="ctr"/>
+          <a:lstStyle/>
+          <a:p>
+            <a:pPr algn="ctr"/>
+            <a:endParaRPr kumimoji="1" lang="ja-JP" altLang="en-US" dirty="0"/>
+          </a:p>
+        </p:txBody>
+      </p:sp>
+      <p:sp>
+        <p:nvSpPr>
+          <p:cNvPr id="8" name="楕円 7">
+            <a:extLst>
+              <a:ext uri="{FF2B5EF4-FFF2-40B4-BE49-F238E27FC236}">
+                <a16:creationId xmlns:a16="http://schemas.microsoft.com/office/drawing/2014/main" id="{1A1152A7-F2AE-F213-693A-DCDEE3A7415C}"/>
+              </a:ext>
+            </a:extLst>
+          </p:cNvPr>
+          <p:cNvSpPr/>
+          <p:nvPr/>
+        </p:nvSpPr>
+        <p:spPr>
+          <a:xfrm>
+            <a:off x="5025000" y="3675550"/>
+            <a:ext cx="2160000" cy="2160000"/>
+          </a:xfrm>
+          <a:prstGeom prst="ellipse">
+            <a:avLst/>
+          </a:prstGeom>
+          <a:solidFill>
+            <a:srgbClr val="AA8800"/>
+          </a:solidFill>
+          <a:ln>
+            <a:noFill/>
+          </a:ln>
+          <a:scene3d>
+            <a:camera prst="isometricOffAxis2Top"/>
+            <a:lightRig rig="contrasting" dir="t"/>
+          </a:scene3d>
+          <a:sp3d extrusionH="127000" contourW="19050" prstMaterial="matte">
+            <a:bevelT w="0" h="0"/>
+            <a:extrusionClr>
+              <a:srgbClr val="AA8800"/>
+            </a:extrusionClr>
+            <a:contourClr>
+              <a:schemeClr val="tx1"/>
+            </a:contourClr>
+          </a:sp3d>
+        </p:spPr>
+        <p:style>
+          <a:lnRef idx="2">
+            <a:schemeClr val="accent1">
+              <a:shade val="15000"/>
+            </a:schemeClr>
+          </a:lnRef>
+          <a:fillRef idx="1">
+            <a:schemeClr val="accent1"/>
+          </a:fillRef>
+          <a:effectRef idx="0">
+            <a:schemeClr val="accent1"/>
+          </a:effectRef>
+          <a:fontRef idx="minor">
+            <a:schemeClr val="lt1"/>
+          </a:fontRef>
+        </p:style>
+        <p:txBody>
+          <a:bodyPr rtlCol="0" anchor="ctr"/>
+          <a:lstStyle/>
+          <a:p>
+            <a:pPr algn="ctr"/>
+            <a:endParaRPr kumimoji="1" lang="ja-JP" altLang="en-US" dirty="0"/>
+          </a:p>
+        </p:txBody>
+      </p:sp>
+      <p:sp>
+        <p:nvSpPr>
+          <p:cNvPr id="15" name="円: 塗りつぶしなし 14">
+            <a:extLst>
+              <a:ext uri="{FF2B5EF4-FFF2-40B4-BE49-F238E27FC236}">
+                <a16:creationId xmlns:a16="http://schemas.microsoft.com/office/drawing/2014/main" id="{47CAD2C0-B8D8-6C14-B33A-B63D33B1AFA8}"/>
+              </a:ext>
+            </a:extLst>
+          </p:cNvPr>
+          <p:cNvSpPr/>
+          <p:nvPr/>
+        </p:nvSpPr>
+        <p:spPr>
+          <a:xfrm>
+            <a:off x="4485000" y="3059836"/>
+            <a:ext cx="3240000" cy="3240000"/>
+          </a:xfrm>
+          <a:prstGeom prst="donut">
+            <a:avLst>
+              <a:gd name="adj" fmla="val 14808"/>
+            </a:avLst>
+          </a:prstGeom>
+          <a:solidFill>
+            <a:schemeClr val="bg1"/>
+          </a:solidFill>
+          <a:ln>
+            <a:noFill/>
+          </a:ln>
+          <a:scene3d>
+            <a:camera prst="isometricOffAxis2Top"/>
+            <a:lightRig rig="contrasting" dir="t"/>
+          </a:scene3d>
+          <a:sp3d extrusionH="190500" contourW="19050">
+            <a:extrusionClr>
+              <a:schemeClr val="bg1"/>
+            </a:extrusionClr>
+          </a:sp3d>
+        </p:spPr>
+        <p:style>
+          <a:lnRef idx="2">
+            <a:schemeClr val="accent1">
+              <a:shade val="15000"/>
+            </a:schemeClr>
+          </a:lnRef>
+          <a:fillRef idx="1">
+            <a:schemeClr val="accent1"/>
+          </a:fillRef>
+          <a:effectRef idx="0">
+            <a:schemeClr val="accent1"/>
+          </a:effectRef>
+          <a:fontRef idx="minor">
+            <a:schemeClr val="lt1"/>
+          </a:fontRef>
+        </p:style>
+        <p:txBody>
+          <a:bodyPr rtlCol="0" anchor="ctr"/>
+          <a:lstStyle/>
+          <a:p>
+            <a:pPr algn="ctr"/>
+            <a:endParaRPr kumimoji="1" lang="ja-JP" altLang="en-US">
+              <a:solidFill>
+                <a:schemeClr val="tx1"/>
+              </a:solidFill>
+            </a:endParaRPr>
+          </a:p>
+        </p:txBody>
+      </p:sp>
+      <p:sp>
+        <p:nvSpPr>
+          <p:cNvPr id="16" name="円: 塗りつぶしなし 15">
+            <a:extLst>
+              <a:ext uri="{FF2B5EF4-FFF2-40B4-BE49-F238E27FC236}">
+                <a16:creationId xmlns:a16="http://schemas.microsoft.com/office/drawing/2014/main" id="{8A105B71-F829-4957-501D-02BD827FD543}"/>
+              </a:ext>
+            </a:extLst>
+          </p:cNvPr>
+          <p:cNvSpPr/>
+          <p:nvPr/>
+        </p:nvSpPr>
+        <p:spPr>
+          <a:xfrm>
+            <a:off x="5115000" y="3675550"/>
+            <a:ext cx="1980000" cy="1980000"/>
+          </a:xfrm>
+          <a:prstGeom prst="donut">
+            <a:avLst>
+              <a:gd name="adj" fmla="val 20322"/>
+            </a:avLst>
+          </a:prstGeom>
+          <a:solidFill>
+            <a:schemeClr val="bg1"/>
+          </a:solidFill>
+          <a:ln>
+            <a:noFill/>
+          </a:ln>
+          <a:scene3d>
+            <a:camera prst="isometricOffAxis2Top"/>
+            <a:lightRig rig="contrasting" dir="t"/>
+          </a:scene3d>
+          <a:sp3d extrusionH="76200" contourW="19050">
+            <a:extrusionClr>
+              <a:schemeClr val="bg1"/>
+            </a:extrusionClr>
+          </a:sp3d>
+        </p:spPr>
+        <p:style>
+          <a:lnRef idx="2">
+            <a:schemeClr val="accent1">
+              <a:shade val="15000"/>
+            </a:schemeClr>
+          </a:lnRef>
+          <a:fillRef idx="1">
+            <a:schemeClr val="accent1"/>
+          </a:fillRef>
+          <a:effectRef idx="0">
+            <a:schemeClr val="accent1"/>
+          </a:effectRef>
+          <a:fontRef idx="minor">
+            <a:schemeClr val="lt1"/>
+          </a:fontRef>
+        </p:style>
+        <p:txBody>
+          <a:bodyPr rtlCol="0" anchor="ctr"/>
+          <a:lstStyle/>
+          <a:p>
+            <a:pPr algn="ctr"/>
+            <a:endParaRPr kumimoji="1" lang="ja-JP" altLang="en-US" dirty="0">
+              <a:solidFill>
+                <a:schemeClr val="tx1"/>
+              </a:solidFill>
+            </a:endParaRPr>
+          </a:p>
+        </p:txBody>
+      </p:sp>
+      <p:sp>
+        <p:nvSpPr>
+          <p:cNvPr id="9" name="楕円 8">
+            <a:extLst>
+              <a:ext uri="{FF2B5EF4-FFF2-40B4-BE49-F238E27FC236}">
+                <a16:creationId xmlns:a16="http://schemas.microsoft.com/office/drawing/2014/main" id="{002D56E4-C073-B399-86CD-D7BFA83C43C8}"/>
+              </a:ext>
+            </a:extLst>
+          </p:cNvPr>
+          <p:cNvSpPr/>
+          <p:nvPr/>
+        </p:nvSpPr>
+        <p:spPr>
+          <a:xfrm>
+            <a:off x="5565000" y="4064330"/>
+            <a:ext cx="1080000" cy="1080000"/>
+          </a:xfrm>
+          <a:prstGeom prst="ellipse">
+            <a:avLst/>
+          </a:prstGeom>
+          <a:solidFill>
+            <a:srgbClr val="FF6600"/>
+          </a:solidFill>
+          <a:ln>
+            <a:noFill/>
+          </a:ln>
+          <a:scene3d>
+            <a:camera prst="isometricOffAxis2Top"/>
+            <a:lightRig rig="contrasting" dir="t"/>
+          </a:scene3d>
+          <a:sp3d extrusionH="63500" contourW="19050" prstMaterial="matte">
+            <a:bevelT w="0" h="0"/>
+            <a:extrusionClr>
+              <a:srgbClr val="FF6600"/>
+            </a:extrusionClr>
+            <a:contourClr>
+              <a:schemeClr val="tx1"/>
+            </a:contourClr>
+          </a:sp3d>
+        </p:spPr>
+        <p:style>
+          <a:lnRef idx="2">
+            <a:schemeClr val="accent1">
+              <a:shade val="15000"/>
+            </a:schemeClr>
+          </a:lnRef>
+          <a:fillRef idx="1">
+            <a:schemeClr val="accent1"/>
+          </a:fillRef>
+          <a:effectRef idx="0">
+            <a:schemeClr val="accent1"/>
+          </a:effectRef>
+          <a:fontRef idx="minor">
+            <a:schemeClr val="lt1"/>
+          </a:fontRef>
+        </p:style>
+        <p:txBody>
+          <a:bodyPr rtlCol="0" anchor="ctr"/>
+          <a:lstStyle/>
+          <a:p>
+            <a:pPr algn="ctr"/>
+            <a:endParaRPr kumimoji="1" lang="ja-JP" altLang="en-US" dirty="0"/>
+          </a:p>
+        </p:txBody>
+      </p:sp>
+      <p:sp>
+        <p:nvSpPr>
+          <p:cNvPr id="10" name="楕円 9">
+            <a:extLst>
+              <a:ext uri="{FF2B5EF4-FFF2-40B4-BE49-F238E27FC236}">
+                <a16:creationId xmlns:a16="http://schemas.microsoft.com/office/drawing/2014/main" id="{68C1FAE7-1A0D-9D5F-EEFC-5387743AEC75}"/>
+              </a:ext>
+            </a:extLst>
+          </p:cNvPr>
+          <p:cNvSpPr/>
+          <p:nvPr/>
+        </p:nvSpPr>
+        <p:spPr>
+          <a:xfrm>
+            <a:off x="5025000" y="1936857"/>
+            <a:ext cx="2160000" cy="2160000"/>
+          </a:xfrm>
+          <a:prstGeom prst="ellipse">
+            <a:avLst/>
+          </a:prstGeom>
+          <a:solidFill>
+            <a:srgbClr val="AA8800"/>
+          </a:solidFill>
+          <a:ln>
+            <a:noFill/>
+          </a:ln>
+          <a:scene3d>
+            <a:camera prst="isometricOffAxis2Top"/>
+            <a:lightRig rig="contrasting" dir="t"/>
+          </a:scene3d>
+          <a:sp3d extrusionH="127000" contourW="19050" prstMaterial="matte">
+            <a:bevelT w="0" h="0"/>
+            <a:extrusionClr>
+              <a:srgbClr val="AA8800"/>
+            </a:extrusionClr>
+            <a:contourClr>
+              <a:schemeClr val="tx1"/>
+            </a:contourClr>
+          </a:sp3d>
+        </p:spPr>
+        <p:style>
+          <a:lnRef idx="2">
+            <a:schemeClr val="accent1">
+              <a:shade val="15000"/>
+            </a:schemeClr>
+          </a:lnRef>
+          <a:fillRef idx="1">
+            <a:schemeClr val="accent1"/>
+          </a:fillRef>
+          <a:effectRef idx="0">
+            <a:schemeClr val="accent1"/>
+          </a:effectRef>
+          <a:fontRef idx="minor">
+            <a:schemeClr val="lt1"/>
+          </a:fontRef>
+        </p:style>
+        <p:txBody>
+          <a:bodyPr rtlCol="0" anchor="ctr"/>
+          <a:lstStyle/>
+          <a:p>
+            <a:pPr algn="ctr"/>
+            <a:endParaRPr kumimoji="1" lang="ja-JP" altLang="en-US" dirty="0"/>
+          </a:p>
+        </p:txBody>
+      </p:sp>
+      <p:sp>
+        <p:nvSpPr>
+          <p:cNvPr id="11" name="正方形/長方形 10">
+            <a:extLst>
+              <a:ext uri="{FF2B5EF4-FFF2-40B4-BE49-F238E27FC236}">
+                <a16:creationId xmlns:a16="http://schemas.microsoft.com/office/drawing/2014/main" id="{C2464EF0-1811-E1A3-CF91-416821033350}"/>
+              </a:ext>
+            </a:extLst>
+          </p:cNvPr>
+          <p:cNvSpPr/>
+          <p:nvPr/>
+        </p:nvSpPr>
+        <p:spPr>
+          <a:xfrm>
+            <a:off x="4305000" y="198164"/>
+            <a:ext cx="3600000" cy="3600000"/>
+          </a:xfrm>
+          <a:prstGeom prst="rect">
+            <a:avLst/>
+          </a:prstGeom>
+          <a:solidFill>
+            <a:srgbClr val="C87137"/>
+          </a:solidFill>
+          <a:ln>
+            <a:noFill/>
+          </a:ln>
+          <a:scene3d>
+            <a:camera prst="isometricOffAxis2Top"/>
+            <a:lightRig rig="contrasting" dir="t"/>
+          </a:scene3d>
+          <a:sp3d extrusionH="317500" contourW="19050">
+            <a:extrusionClr>
+              <a:srgbClr val="C87137"/>
+            </a:extrusionClr>
+            <a:contourClr>
+              <a:schemeClr val="tx1"/>
+            </a:contourClr>
+          </a:sp3d>
+        </p:spPr>
+        <p:style>
+          <a:lnRef idx="2">
+            <a:schemeClr val="accent1">
+              <a:shade val="15000"/>
+            </a:schemeClr>
+          </a:lnRef>
+          <a:fillRef idx="1">
+            <a:schemeClr val="accent1"/>
+          </a:fillRef>
+          <a:effectRef idx="0">
+            <a:schemeClr val="accent1"/>
+          </a:effectRef>
+          <a:fontRef idx="minor">
+            <a:schemeClr val="lt1"/>
+          </a:fontRef>
+        </p:style>
+        <p:txBody>
+          <a:bodyPr rtlCol="0" anchor="ctr"/>
+          <a:lstStyle/>
+          <a:p>
+            <a:pPr algn="ctr"/>
+            <a:endParaRPr kumimoji="1" lang="ja-JP" altLang="en-US" dirty="0"/>
+          </a:p>
+        </p:txBody>
+      </p:sp>
+      <p:sp>
+        <p:nvSpPr>
+          <p:cNvPr id="12" name="正方形/長方形 11">
+            <a:extLst>
+              <a:ext uri="{FF2B5EF4-FFF2-40B4-BE49-F238E27FC236}">
+                <a16:creationId xmlns:a16="http://schemas.microsoft.com/office/drawing/2014/main" id="{3D58F382-95E8-FCBB-7211-CAFB2939D8C1}"/>
+              </a:ext>
+            </a:extLst>
+          </p:cNvPr>
+          <p:cNvSpPr/>
+          <p:nvPr/>
+        </p:nvSpPr>
+        <p:spPr>
+          <a:xfrm>
+            <a:off x="5835000" y="1396857"/>
+            <a:ext cx="540000" cy="540000"/>
+          </a:xfrm>
+          <a:prstGeom prst="rect">
+            <a:avLst/>
+          </a:prstGeom>
+          <a:solidFill>
+            <a:srgbClr val="C87137"/>
+          </a:solidFill>
+          <a:ln>
+            <a:noFill/>
+          </a:ln>
+          <a:scene3d>
+            <a:camera prst="isometricOffAxis2Top"/>
+            <a:lightRig rig="contrasting" dir="t"/>
+          </a:scene3d>
+          <a:sp3d extrusionH="317500" contourW="19050">
+            <a:extrusionClr>
+              <a:srgbClr val="C87137"/>
+            </a:extrusionClr>
+            <a:contourClr>
+              <a:schemeClr val="tx1"/>
+            </a:contourClr>
+          </a:sp3d>
+        </p:spPr>
+        <p:style>
+          <a:lnRef idx="2">
+            <a:schemeClr val="accent1">
+              <a:shade val="15000"/>
+            </a:schemeClr>
+          </a:lnRef>
+          <a:fillRef idx="1">
+            <a:schemeClr val="accent1"/>
+          </a:fillRef>
+          <a:effectRef idx="0">
+            <a:schemeClr val="accent1"/>
+          </a:effectRef>
+          <a:fontRef idx="minor">
+            <a:schemeClr val="lt1"/>
+          </a:fontRef>
+        </p:style>
+        <p:txBody>
+          <a:bodyPr rtlCol="0" anchor="ctr"/>
+          <a:lstStyle/>
+          <a:p>
+            <a:pPr algn="ctr"/>
+            <a:endParaRPr kumimoji="1" lang="ja-JP" altLang="en-US" dirty="0"/>
+          </a:p>
+        </p:txBody>
+      </p:sp>
+      <p:sp>
+        <p:nvSpPr>
+          <p:cNvPr id="13" name="楕円 12">
+            <a:extLst>
+              <a:ext uri="{FF2B5EF4-FFF2-40B4-BE49-F238E27FC236}">
+                <a16:creationId xmlns:a16="http://schemas.microsoft.com/office/drawing/2014/main" id="{AF12E7B4-44A8-56D8-6186-A3F3DCA03571}"/>
+              </a:ext>
+            </a:extLst>
+          </p:cNvPr>
+          <p:cNvSpPr/>
+          <p:nvPr/>
+        </p:nvSpPr>
+        <p:spPr>
+          <a:xfrm>
+            <a:off x="5925000" y="1231877"/>
+            <a:ext cx="360000" cy="360000"/>
+          </a:xfrm>
+          <a:prstGeom prst="ellipse">
+            <a:avLst/>
+          </a:prstGeom>
+          <a:solidFill>
+            <a:srgbClr val="F6DF80"/>
+          </a:solidFill>
+          <a:ln>
+            <a:noFill/>
+          </a:ln>
+          <a:scene3d>
+            <a:camera prst="isometricOffAxis2Top"/>
+            <a:lightRig rig="contrasting" dir="t"/>
+          </a:scene3d>
+          <a:sp3d extrusionH="254000" contourW="19050" prstMaterial="matte">
+            <a:bevelT w="0" h="0"/>
+            <a:extrusionClr>
+              <a:srgbClr val="F6DF80"/>
+            </a:extrusionClr>
+            <a:contourClr>
+              <a:schemeClr val="tx1"/>
+            </a:contourClr>
+          </a:sp3d>
+        </p:spPr>
+        <p:style>
+          <a:lnRef idx="2">
+            <a:schemeClr val="accent1">
+              <a:shade val="15000"/>
+            </a:schemeClr>
+          </a:lnRef>
+          <a:fillRef idx="1">
+            <a:schemeClr val="accent1"/>
+          </a:fillRef>
+          <a:effectRef idx="0">
+            <a:schemeClr val="accent1"/>
+          </a:effectRef>
+          <a:fontRef idx="minor">
+            <a:schemeClr val="lt1"/>
+          </a:fontRef>
+        </p:style>
+        <p:txBody>
+          <a:bodyPr rtlCol="0" anchor="ctr"/>
+          <a:lstStyle/>
+          <a:p>
+            <a:pPr algn="ctr"/>
+            <a:endParaRPr kumimoji="1" lang="ja-JP" altLang="en-US" dirty="0"/>
+          </a:p>
+        </p:txBody>
+      </p:sp>
+      <p:sp>
+        <p:nvSpPr>
+          <p:cNvPr id="14" name="楕円 13">
+            <a:extLst>
+              <a:ext uri="{FF2B5EF4-FFF2-40B4-BE49-F238E27FC236}">
+                <a16:creationId xmlns:a16="http://schemas.microsoft.com/office/drawing/2014/main" id="{042FA37B-AE09-65BC-7047-6C6B9151A090}"/>
+              </a:ext>
+            </a:extLst>
+          </p:cNvPr>
+          <p:cNvSpPr/>
+          <p:nvPr/>
+        </p:nvSpPr>
+        <p:spPr>
+          <a:xfrm>
+            <a:off x="6087000" y="1112393"/>
+            <a:ext cx="36000" cy="36000"/>
+          </a:xfrm>
+          <a:prstGeom prst="ellipse">
+            <a:avLst/>
+          </a:prstGeom>
+          <a:solidFill>
+            <a:schemeClr val="tx1"/>
+          </a:solidFill>
+          <a:ln>
+            <a:noFill/>
+          </a:ln>
+          <a:scene3d>
+            <a:camera prst="isometricOffAxis2Top"/>
+            <a:lightRig rig="contrasting" dir="t"/>
+          </a:scene3d>
+          <a:sp3d extrusionH="254000" contourW="19050" prstMaterial="matte">
+            <a:bevelT w="0" h="0"/>
+            <a:extrusionClr>
+              <a:schemeClr val="tx1"/>
+            </a:extrusionClr>
+            <a:contourClr>
+              <a:schemeClr val="tx1"/>
+            </a:contourClr>
+          </a:sp3d>
+        </p:spPr>
+        <p:style>
+          <a:lnRef idx="2">
+            <a:schemeClr val="accent1">
+              <a:shade val="15000"/>
+            </a:schemeClr>
+          </a:lnRef>
+          <a:fillRef idx="1">
+            <a:schemeClr val="accent1"/>
+          </a:fillRef>
+          <a:effectRef idx="0">
+            <a:schemeClr val="accent1"/>
+          </a:effectRef>
+          <a:fontRef idx="minor">
+            <a:schemeClr val="lt1"/>
+          </a:fontRef>
+        </p:style>
+        <p:txBody>
+          <a:bodyPr rtlCol="0" anchor="ctr"/>
+          <a:lstStyle/>
+          <a:p>
+            <a:pPr algn="ctr"/>
+            <a:endParaRPr kumimoji="1" lang="ja-JP" altLang="en-US" dirty="0"/>
+          </a:p>
+        </p:txBody>
+      </p:sp>
+      <p:sp>
+        <p:nvSpPr>
+          <p:cNvPr id="21" name="正方形/長方形 20">
+            <a:extLst>
+              <a:ext uri="{FF2B5EF4-FFF2-40B4-BE49-F238E27FC236}">
+                <a16:creationId xmlns:a16="http://schemas.microsoft.com/office/drawing/2014/main" id="{F2B335AB-7346-A914-FE65-C35C46DB77B8}"/>
+              </a:ext>
+            </a:extLst>
+          </p:cNvPr>
+          <p:cNvSpPr/>
+          <p:nvPr/>
+        </p:nvSpPr>
+        <p:spPr>
+          <a:xfrm>
+            <a:off x="8280875" y="1396857"/>
+            <a:ext cx="720000" cy="1800000"/>
+          </a:xfrm>
+          <a:prstGeom prst="rect">
+            <a:avLst/>
+          </a:prstGeom>
+          <a:solidFill>
+            <a:srgbClr val="002060"/>
+          </a:solidFill>
+          <a:ln>
+            <a:noFill/>
+          </a:ln>
+          <a:scene3d>
+            <a:camera prst="isometricOffAxis2Top"/>
+            <a:lightRig rig="contrasting" dir="t"/>
+          </a:scene3d>
+          <a:sp3d extrusionH="3454400" contourW="19050"/>
+        </p:spPr>
+        <p:style>
+          <a:lnRef idx="2">
+            <a:schemeClr val="accent1">
+              <a:shade val="15000"/>
+            </a:schemeClr>
+          </a:lnRef>
+          <a:fillRef idx="1">
+            <a:schemeClr val="accent1"/>
+          </a:fillRef>
+          <a:effectRef idx="0">
+            <a:schemeClr val="accent1"/>
+          </a:effectRef>
+          <a:fontRef idx="minor">
+            <a:schemeClr val="lt1"/>
+          </a:fontRef>
+        </p:style>
+        <p:txBody>
+          <a:bodyPr rtlCol="0" anchor="ctr"/>
+          <a:lstStyle/>
+          <a:p>
+            <a:pPr algn="ctr"/>
+            <a:endParaRPr kumimoji="1" lang="ja-JP" altLang="en-US" dirty="0"/>
+          </a:p>
+        </p:txBody>
+      </p:sp>
+      <p:sp>
+        <p:nvSpPr>
+          <p:cNvPr id="17" name="正方形/長方形 16">
+            <a:extLst>
+              <a:ext uri="{FF2B5EF4-FFF2-40B4-BE49-F238E27FC236}">
+                <a16:creationId xmlns:a16="http://schemas.microsoft.com/office/drawing/2014/main" id="{39689697-FD59-AE57-33F5-B92191A5EB68}"/>
+              </a:ext>
+            </a:extLst>
+          </p:cNvPr>
+          <p:cNvSpPr/>
+          <p:nvPr/>
+        </p:nvSpPr>
+        <p:spPr>
+          <a:xfrm>
+            <a:off x="6915000" y="1148393"/>
+            <a:ext cx="2160000" cy="1800000"/>
+          </a:xfrm>
+          <a:prstGeom prst="rect">
+            <a:avLst/>
+          </a:prstGeom>
+          <a:solidFill>
+            <a:srgbClr val="002060"/>
+          </a:solidFill>
+          <a:ln>
+            <a:noFill/>
+          </a:ln>
+          <a:scene3d>
+            <a:camera prst="isometricOffAxis2Top"/>
+            <a:lightRig rig="contrasting" dir="t"/>
+          </a:scene3d>
+          <a:sp3d extrusionH="254000" contourW="19050"/>
+        </p:spPr>
+        <p:style>
+          <a:lnRef idx="2">
+            <a:schemeClr val="accent1">
+              <a:shade val="15000"/>
+            </a:schemeClr>
+          </a:lnRef>
+          <a:fillRef idx="1">
+            <a:schemeClr val="accent1"/>
+          </a:fillRef>
+          <a:effectRef idx="0">
+            <a:schemeClr val="accent1"/>
+          </a:effectRef>
+          <a:fontRef idx="minor">
+            <a:schemeClr val="lt1"/>
+          </a:fontRef>
+        </p:style>
+        <p:txBody>
+          <a:bodyPr rtlCol="0" anchor="ctr"/>
+          <a:lstStyle/>
+          <a:p>
+            <a:pPr algn="ctr"/>
+            <a:endParaRPr kumimoji="1" lang="ja-JP" altLang="en-US"/>
+          </a:p>
+        </p:txBody>
+      </p:sp>
+    </p:spTree>
+    <p:extLst>
+      <p:ext uri="{BB962C8B-B14F-4D97-AF65-F5344CB8AC3E}">
+        <p14:creationId xmlns:p14="http://schemas.microsoft.com/office/powerpoint/2010/main" val="2356053944"/>
+      </p:ext>
+    </p:extLst>
+  </p:cSld>
+  <p:clrMapOvr>
+    <a:masterClrMapping/>
+  </p:clrMapOvr>
+</p:sld>
+</file>
+
 <file path=ppt/theme/theme1.xml><?xml version="1.0" encoding="utf-8"?>
 <a:theme xmlns:a="http://schemas.openxmlformats.org/drawingml/2006/main" name="Office テーマ">
   <a:themeElements>
